--- a/Posters/XZ_poster.pptx
+++ b/Posters/XZ_poster.pptx
@@ -9,6 +9,7 @@
     <p:sldId id="257" r:id="rId3"/>
     <p:sldId id="258" r:id="rId4"/>
     <p:sldId id="259" r:id="rId5"/>
+    <p:sldId id="260" r:id="rId6"/>
   </p:sldIdLst>
   <p:sldSz cx="36585525" cy="27432000"/>
   <p:notesSz cx="9144000" cy="6858000"/>
@@ -291,7 +292,7 @@
           <a:p>
             <a:fld id="{78C31E35-1BEE-2D42-B909-61FDED0A3A85}" type="datetimeFigureOut">
               <a:rPr kumimoji="1" lang="zh-TW" altLang="en-US" smtClean="0"/>
-              <a:t>10/15/15</a:t>
+              <a:t>10/19/15</a:t>
             </a:fld>
             <a:endParaRPr kumimoji="1" lang="zh-TW" altLang="en-US"/>
           </a:p>
@@ -461,7 +462,7 @@
           <a:p>
             <a:fld id="{78C31E35-1BEE-2D42-B909-61FDED0A3A85}" type="datetimeFigureOut">
               <a:rPr kumimoji="1" lang="zh-TW" altLang="en-US" smtClean="0"/>
-              <a:t>10/15/15</a:t>
+              <a:t>10/19/15</a:t>
             </a:fld>
             <a:endParaRPr kumimoji="1" lang="zh-TW" altLang="en-US"/>
           </a:p>
@@ -641,7 +642,7 @@
           <a:p>
             <a:fld id="{78C31E35-1BEE-2D42-B909-61FDED0A3A85}" type="datetimeFigureOut">
               <a:rPr kumimoji="1" lang="zh-TW" altLang="en-US" smtClean="0"/>
-              <a:t>10/15/15</a:t>
+              <a:t>10/19/15</a:t>
             </a:fld>
             <a:endParaRPr kumimoji="1" lang="zh-TW" altLang="en-US"/>
           </a:p>
@@ -811,7 +812,7 @@
           <a:p>
             <a:fld id="{78C31E35-1BEE-2D42-B909-61FDED0A3A85}" type="datetimeFigureOut">
               <a:rPr kumimoji="1" lang="zh-TW" altLang="en-US" smtClean="0"/>
-              <a:t>10/15/15</a:t>
+              <a:t>10/19/15</a:t>
             </a:fld>
             <a:endParaRPr kumimoji="1" lang="zh-TW" altLang="en-US"/>
           </a:p>
@@ -1057,7 +1058,7 @@
           <a:p>
             <a:fld id="{78C31E35-1BEE-2D42-B909-61FDED0A3A85}" type="datetimeFigureOut">
               <a:rPr kumimoji="1" lang="zh-TW" altLang="en-US" smtClean="0"/>
-              <a:t>10/15/15</a:t>
+              <a:t>10/19/15</a:t>
             </a:fld>
             <a:endParaRPr kumimoji="1" lang="zh-TW" altLang="en-US"/>
           </a:p>
@@ -1345,7 +1346,7 @@
           <a:p>
             <a:fld id="{78C31E35-1BEE-2D42-B909-61FDED0A3A85}" type="datetimeFigureOut">
               <a:rPr kumimoji="1" lang="zh-TW" altLang="en-US" smtClean="0"/>
-              <a:t>10/15/15</a:t>
+              <a:t>10/19/15</a:t>
             </a:fld>
             <a:endParaRPr kumimoji="1" lang="zh-TW" altLang="en-US"/>
           </a:p>
@@ -1767,7 +1768,7 @@
           <a:p>
             <a:fld id="{78C31E35-1BEE-2D42-B909-61FDED0A3A85}" type="datetimeFigureOut">
               <a:rPr kumimoji="1" lang="zh-TW" altLang="en-US" smtClean="0"/>
-              <a:t>10/15/15</a:t>
+              <a:t>10/19/15</a:t>
             </a:fld>
             <a:endParaRPr kumimoji="1" lang="zh-TW" altLang="en-US"/>
           </a:p>
@@ -1885,7 +1886,7 @@
           <a:p>
             <a:fld id="{78C31E35-1BEE-2D42-B909-61FDED0A3A85}" type="datetimeFigureOut">
               <a:rPr kumimoji="1" lang="zh-TW" altLang="en-US" smtClean="0"/>
-              <a:t>10/15/15</a:t>
+              <a:t>10/19/15</a:t>
             </a:fld>
             <a:endParaRPr kumimoji="1" lang="zh-TW" altLang="en-US"/>
           </a:p>
@@ -1980,7 +1981,7 @@
           <a:p>
             <a:fld id="{78C31E35-1BEE-2D42-B909-61FDED0A3A85}" type="datetimeFigureOut">
               <a:rPr kumimoji="1" lang="zh-TW" altLang="en-US" smtClean="0"/>
-              <a:t>10/15/15</a:t>
+              <a:t>10/19/15</a:t>
             </a:fld>
             <a:endParaRPr kumimoji="1" lang="zh-TW" altLang="en-US"/>
           </a:p>
@@ -2257,7 +2258,7 @@
           <a:p>
             <a:fld id="{78C31E35-1BEE-2D42-B909-61FDED0A3A85}" type="datetimeFigureOut">
               <a:rPr kumimoji="1" lang="zh-TW" altLang="en-US" smtClean="0"/>
-              <a:t>10/15/15</a:t>
+              <a:t>10/19/15</a:t>
             </a:fld>
             <a:endParaRPr kumimoji="1" lang="zh-TW" altLang="en-US"/>
           </a:p>
@@ -2510,7 +2511,7 @@
           <a:p>
             <a:fld id="{78C31E35-1BEE-2D42-B909-61FDED0A3A85}" type="datetimeFigureOut">
               <a:rPr kumimoji="1" lang="zh-TW" altLang="en-US" smtClean="0"/>
-              <a:t>10/15/15</a:t>
+              <a:t>10/19/15</a:t>
             </a:fld>
             <a:endParaRPr kumimoji="1" lang="zh-TW" altLang="en-US"/>
           </a:p>
@@ -2723,7 +2724,7 @@
           <a:p>
             <a:fld id="{78C31E35-1BEE-2D42-B909-61FDED0A3A85}" type="datetimeFigureOut">
               <a:rPr kumimoji="1" lang="zh-TW" altLang="en-US" smtClean="0"/>
-              <a:t>10/15/15</a:t>
+              <a:t>10/19/15</a:t>
             </a:fld>
             <a:endParaRPr kumimoji="1" lang="zh-TW" altLang="en-US"/>
           </a:p>
@@ -7041,7 +7042,7 @@
           <p:nvPr>
             <p:extLst>
               <p:ext uri="{D42A27DB-BD31-4B8C-83A1-F6EECF244321}">
-                <p14:modId xmlns:p14="http://schemas.microsoft.com/office/powerpoint/2010/main" val="644941583"/>
+                <p14:modId xmlns:p14="http://schemas.microsoft.com/office/powerpoint/2010/main" val="2038729983"/>
               </p:ext>
             </p:extLst>
           </p:nvPr>
@@ -7054,7 +7055,7 @@
           <a:graphicData uri="http://schemas.openxmlformats.org/drawingml/2006/table">
             <a:tbl>
               <a:tblPr firstRow="1" bandRow="1">
-                <a:tableStyleId>{5C22544A-7EE6-4342-B048-85BDC9FD1C3A}</a:tableStyleId>
+                <a:tableStyleId>{F5AB1C69-6EDB-4FF4-983F-18BD219EF322}</a:tableStyleId>
               </a:tblPr>
               <a:tblGrid>
                 <a:gridCol w="6156334"/>
@@ -7988,7 +7989,7 @@
           <p:nvPr>
             <p:extLst>
               <p:ext uri="{D42A27DB-BD31-4B8C-83A1-F6EECF244321}">
-                <p14:modId xmlns:p14="http://schemas.microsoft.com/office/powerpoint/2010/main" val="977442253"/>
+                <p14:modId xmlns:p14="http://schemas.microsoft.com/office/powerpoint/2010/main" val="1020261587"/>
               </p:ext>
             </p:extLst>
           </p:nvPr>
@@ -8001,7 +8002,7 @@
           <a:graphicData uri="http://schemas.openxmlformats.org/drawingml/2006/table">
             <a:tbl>
               <a:tblPr firstCol="1" bandRow="1">
-                <a:tableStyleId>{5C22544A-7EE6-4342-B048-85BDC9FD1C3A}</a:tableStyleId>
+                <a:tableStyleId>{F5AB1C69-6EDB-4FF4-983F-18BD219EF322}</a:tableStyleId>
               </a:tblPr>
               <a:tblGrid>
                 <a:gridCol w="2580919"/>
@@ -9527,6 +9528,9 @@
           <a:prstGeom prst="flowChartInputOutput">
             <a:avLst/>
           </a:prstGeom>
+          <a:solidFill>
+            <a:schemeClr val="accent3"/>
+          </a:solidFill>
         </p:spPr>
         <p:style>
           <a:lnRef idx="1">
@@ -9672,6 +9676,9 @@
           <a:prstGeom prst="roundRect">
             <a:avLst/>
           </a:prstGeom>
+          <a:solidFill>
+            <a:schemeClr val="accent3"/>
+          </a:solidFill>
         </p:spPr>
         <p:style>
           <a:lnRef idx="1">
@@ -9714,6 +9721,9 @@
           <a:prstGeom prst="roundRect">
             <a:avLst/>
           </a:prstGeom>
+          <a:solidFill>
+            <a:schemeClr val="accent3"/>
+          </a:solidFill>
         </p:spPr>
         <p:style>
           <a:lnRef idx="1">
@@ -9756,6 +9766,9 @@
           <a:prstGeom prst="roundRect">
             <a:avLst/>
           </a:prstGeom>
+          <a:solidFill>
+            <a:schemeClr val="accent3"/>
+          </a:solidFill>
         </p:spPr>
         <p:style>
           <a:lnRef idx="1">
@@ -9798,7 +9811,9 @@
           <a:prstGeom prst="rect">
             <a:avLst/>
           </a:prstGeom>
-          <a:noFill/>
+          <a:solidFill>
+            <a:srgbClr val="FFFFFF"/>
+          </a:solidFill>
         </p:spPr>
         <p:txBody>
           <a:bodyPr vert="eaVert" wrap="none" rtlCol="0">
@@ -9927,6 +9942,9 @@
           <a:prstGeom prst="roundRect">
             <a:avLst/>
           </a:prstGeom>
+          <a:solidFill>
+            <a:schemeClr val="accent3"/>
+          </a:solidFill>
         </p:spPr>
         <p:style>
           <a:lnRef idx="1">
@@ -9969,6 +9987,9 @@
           <a:prstGeom prst="roundRect">
             <a:avLst/>
           </a:prstGeom>
+          <a:solidFill>
+            <a:schemeClr val="accent3"/>
+          </a:solidFill>
         </p:spPr>
         <p:style>
           <a:lnRef idx="1">
@@ -10011,6 +10032,9 @@
           <a:prstGeom prst="roundRect">
             <a:avLst/>
           </a:prstGeom>
+          <a:solidFill>
+            <a:schemeClr val="accent3"/>
+          </a:solidFill>
         </p:spPr>
         <p:style>
           <a:lnRef idx="1">
@@ -10184,6 +10208,9 @@
           <a:prstGeom prst="roundRect">
             <a:avLst/>
           </a:prstGeom>
+          <a:solidFill>
+            <a:schemeClr val="accent3"/>
+          </a:solidFill>
         </p:spPr>
         <p:style>
           <a:lnRef idx="1">
@@ -10226,6 +10253,9 @@
           <a:prstGeom prst="roundRect">
             <a:avLst/>
           </a:prstGeom>
+          <a:solidFill>
+            <a:schemeClr val="accent3"/>
+          </a:solidFill>
         </p:spPr>
         <p:style>
           <a:lnRef idx="1">
@@ -10428,6 +10458,9 @@
           <a:prstGeom prst="flowChartInputOutput">
             <a:avLst/>
           </a:prstGeom>
+          <a:solidFill>
+            <a:srgbClr val="9BBB59"/>
+          </a:solidFill>
         </p:spPr>
         <p:style>
           <a:lnRef idx="1">
@@ -10507,6 +10540,9 @@
           <a:prstGeom prst="rect">
             <a:avLst/>
           </a:prstGeom>
+          <a:solidFill>
+            <a:srgbClr val="9BBB59"/>
+          </a:solidFill>
         </p:spPr>
         <p:style>
           <a:lnRef idx="1">
@@ -10529,11 +10565,7 @@
             <a:pPr algn="ctr"/>
             <a:r>
               <a:rPr kumimoji="1" lang="en-US" altLang="zh-CN" sz="4800" dirty="0" smtClean="0"/>
-              <a:t>CQT</a:t>
-            </a:r>
-            <a:r>
-              <a:rPr kumimoji="1" lang="en-US" altLang="zh-CN" sz="4800" dirty="0" smtClean="0"/>
-              <a:t>+PCA</a:t>
+              <a:t>CQT+PCA</a:t>
             </a:r>
             <a:endParaRPr kumimoji="1" lang="zh-CN" altLang="en-US" sz="4800" dirty="0"/>
           </a:p>
@@ -10586,6 +10618,9 @@
           <a:prstGeom prst="rect">
             <a:avLst/>
           </a:prstGeom>
+          <a:solidFill>
+            <a:srgbClr val="9BBB59"/>
+          </a:solidFill>
         </p:spPr>
         <p:style>
           <a:lnRef idx="1">
@@ -10661,6 +10696,9 @@
           <a:prstGeom prst="rect">
             <a:avLst/>
           </a:prstGeom>
+          <a:solidFill>
+            <a:srgbClr val="9BBB59"/>
+          </a:solidFill>
         </p:spPr>
         <p:style>
           <a:lnRef idx="1">
@@ -10736,6 +10774,9 @@
           <a:prstGeom prst="rect">
             <a:avLst/>
           </a:prstGeom>
+          <a:solidFill>
+            <a:srgbClr val="9BBB59"/>
+          </a:solidFill>
         </p:spPr>
         <p:style>
           <a:lnRef idx="1">
@@ -10844,6 +10885,9 @@
           <a:prstGeom prst="rect">
             <a:avLst/>
           </a:prstGeom>
+          <a:solidFill>
+            <a:srgbClr val="9BBB59"/>
+          </a:solidFill>
         </p:spPr>
         <p:style>
           <a:lnRef idx="1">
@@ -10894,6 +10938,9 @@
           <a:prstGeom prst="rect">
             <a:avLst/>
           </a:prstGeom>
+          <a:solidFill>
+            <a:srgbClr val="9BBB59"/>
+          </a:solidFill>
         </p:spPr>
         <p:style>
           <a:lnRef idx="1">
@@ -11055,6 +11102,9 @@
           <a:prstGeom prst="rect">
             <a:avLst/>
           </a:prstGeom>
+          <a:solidFill>
+            <a:srgbClr val="9BBB59"/>
+          </a:solidFill>
         </p:spPr>
         <p:style>
           <a:lnRef idx="1">
@@ -11175,6 +11225,9 @@
           <a:prstGeom prst="rect">
             <a:avLst/>
           </a:prstGeom>
+          <a:solidFill>
+            <a:srgbClr val="9BBB59"/>
+          </a:solidFill>
         </p:spPr>
         <p:style>
           <a:lnRef idx="1">
@@ -11283,6 +11336,9 @@
           <a:prstGeom prst="rect">
             <a:avLst/>
           </a:prstGeom>
+          <a:solidFill>
+            <a:srgbClr val="9BBB59"/>
+          </a:solidFill>
         </p:spPr>
         <p:style>
           <a:lnRef idx="1">
@@ -11325,6 +11381,9 @@
           <a:prstGeom prst="rect">
             <a:avLst/>
           </a:prstGeom>
+          <a:solidFill>
+            <a:srgbClr val="9BBB59"/>
+          </a:solidFill>
         </p:spPr>
         <p:style>
           <a:lnRef idx="1">
@@ -11445,6 +11504,9 @@
           <a:prstGeom prst="rect">
             <a:avLst/>
           </a:prstGeom>
+          <a:solidFill>
+            <a:srgbClr val="9BBB59"/>
+          </a:solidFill>
         </p:spPr>
         <p:style>
           <a:lnRef idx="1">
@@ -11477,6 +11539,5077 @@
     <p:extLst>
       <p:ext uri="{BB962C8B-B14F-4D97-AF65-F5344CB8AC3E}">
         <p14:creationId xmlns:p14="http://schemas.microsoft.com/office/powerpoint/2010/main" val="3073518024"/>
+      </p:ext>
+    </p:extLst>
+  </p:cSld>
+  <p:clrMapOvr>
+    <a:masterClrMapping/>
+  </p:clrMapOvr>
+</p:sld>
+</file>
+
+<file path=ppt/slides/slide5.xml><?xml version="1.0" encoding="utf-8"?>
+<p:sld xmlns:a="http://schemas.openxmlformats.org/drawingml/2006/main" xmlns:r="http://schemas.openxmlformats.org/officeDocument/2006/relationships" xmlns:p="http://schemas.openxmlformats.org/presentationml/2006/main">
+  <p:cSld>
+    <p:spTree>
+      <p:nvGrpSpPr>
+        <p:cNvPr id="1" name=""/>
+        <p:cNvGrpSpPr/>
+        <p:nvPr/>
+      </p:nvGrpSpPr>
+      <p:grpSpPr>
+        <a:xfrm>
+          <a:off x="0" y="0"/>
+          <a:ext cx="0" cy="0"/>
+          <a:chOff x="0" y="0"/>
+          <a:chExt cx="0" cy="0"/>
+        </a:xfrm>
+      </p:grpSpPr>
+      <p:sp>
+        <p:nvSpPr>
+          <p:cNvPr id="2" name="标题 1"/>
+          <p:cNvSpPr>
+            <a:spLocks noGrp="1"/>
+          </p:cNvSpPr>
+          <p:nvPr>
+            <p:ph type="title"/>
+          </p:nvPr>
+        </p:nvSpPr>
+        <p:spPr/>
+        <p:txBody>
+          <a:bodyPr/>
+          <a:lstStyle/>
+          <a:p>
+            <a:endParaRPr kumimoji="1" lang="zh-CN" altLang="en-US"/>
+          </a:p>
+        </p:txBody>
+      </p:sp>
+      <p:sp>
+        <p:nvSpPr>
+          <p:cNvPr id="5" name="椭圆 4"/>
+          <p:cNvSpPr/>
+          <p:nvPr/>
+        </p:nvSpPr>
+        <p:spPr>
+          <a:xfrm>
+            <a:off x="12667416" y="9070846"/>
+            <a:ext cx="712419" cy="712419"/>
+          </a:xfrm>
+          <a:prstGeom prst="ellipse">
+            <a:avLst/>
+          </a:prstGeom>
+          <a:solidFill>
+            <a:srgbClr val="9BBB59"/>
+          </a:solidFill>
+        </p:spPr>
+        <p:style>
+          <a:lnRef idx="1">
+            <a:schemeClr val="accent1"/>
+          </a:lnRef>
+          <a:fillRef idx="3">
+            <a:schemeClr val="accent1"/>
+          </a:fillRef>
+          <a:effectRef idx="2">
+            <a:schemeClr val="accent1"/>
+          </a:effectRef>
+          <a:fontRef idx="minor">
+            <a:schemeClr val="lt1"/>
+          </a:fontRef>
+        </p:style>
+        <p:txBody>
+          <a:bodyPr rtlCol="0" anchor="ctr"/>
+          <a:lstStyle/>
+          <a:p>
+            <a:pPr algn="ctr"/>
+            <a:endParaRPr kumimoji="1" lang="zh-CN" altLang="en-US"/>
+          </a:p>
+        </p:txBody>
+      </p:sp>
+      <p:sp>
+        <p:nvSpPr>
+          <p:cNvPr id="6" name="椭圆 5"/>
+          <p:cNvSpPr/>
+          <p:nvPr/>
+        </p:nvSpPr>
+        <p:spPr>
+          <a:xfrm>
+            <a:off x="13379835" y="9070846"/>
+            <a:ext cx="712419" cy="712419"/>
+          </a:xfrm>
+          <a:prstGeom prst="ellipse">
+            <a:avLst/>
+          </a:prstGeom>
+          <a:solidFill>
+            <a:srgbClr val="9BBB59"/>
+          </a:solidFill>
+        </p:spPr>
+        <p:style>
+          <a:lnRef idx="1">
+            <a:schemeClr val="accent1"/>
+          </a:lnRef>
+          <a:fillRef idx="3">
+            <a:schemeClr val="accent1"/>
+          </a:fillRef>
+          <a:effectRef idx="2">
+            <a:schemeClr val="accent1"/>
+          </a:effectRef>
+          <a:fontRef idx="minor">
+            <a:schemeClr val="lt1"/>
+          </a:fontRef>
+        </p:style>
+        <p:txBody>
+          <a:bodyPr rtlCol="0" anchor="ctr"/>
+          <a:lstStyle/>
+          <a:p>
+            <a:pPr algn="ctr"/>
+            <a:endParaRPr kumimoji="1" lang="zh-CN" altLang="en-US"/>
+          </a:p>
+        </p:txBody>
+      </p:sp>
+      <p:sp>
+        <p:nvSpPr>
+          <p:cNvPr id="7" name="椭圆 6"/>
+          <p:cNvSpPr/>
+          <p:nvPr/>
+        </p:nvSpPr>
+        <p:spPr>
+          <a:xfrm>
+            <a:off x="14804673" y="9070846"/>
+            <a:ext cx="712419" cy="712419"/>
+          </a:xfrm>
+          <a:prstGeom prst="ellipse">
+            <a:avLst/>
+          </a:prstGeom>
+          <a:solidFill>
+            <a:srgbClr val="9BBB59"/>
+          </a:solidFill>
+        </p:spPr>
+        <p:style>
+          <a:lnRef idx="1">
+            <a:schemeClr val="accent1"/>
+          </a:lnRef>
+          <a:fillRef idx="3">
+            <a:schemeClr val="accent1"/>
+          </a:fillRef>
+          <a:effectRef idx="2">
+            <a:schemeClr val="accent1"/>
+          </a:effectRef>
+          <a:fontRef idx="minor">
+            <a:schemeClr val="lt1"/>
+          </a:fontRef>
+        </p:style>
+        <p:txBody>
+          <a:bodyPr rtlCol="0" anchor="ctr"/>
+          <a:lstStyle/>
+          <a:p>
+            <a:pPr algn="ctr"/>
+            <a:endParaRPr kumimoji="1" lang="zh-CN" altLang="en-US"/>
+          </a:p>
+        </p:txBody>
+      </p:sp>
+      <p:sp>
+        <p:nvSpPr>
+          <p:cNvPr id="8" name="椭圆 7"/>
+          <p:cNvSpPr/>
+          <p:nvPr/>
+        </p:nvSpPr>
+        <p:spPr>
+          <a:xfrm>
+            <a:off x="14092254" y="9070846"/>
+            <a:ext cx="712419" cy="712419"/>
+          </a:xfrm>
+          <a:prstGeom prst="ellipse">
+            <a:avLst/>
+          </a:prstGeom>
+          <a:solidFill>
+            <a:srgbClr val="9BBB59"/>
+          </a:solidFill>
+        </p:spPr>
+        <p:style>
+          <a:lnRef idx="1">
+            <a:schemeClr val="accent1"/>
+          </a:lnRef>
+          <a:fillRef idx="3">
+            <a:schemeClr val="accent1"/>
+          </a:fillRef>
+          <a:effectRef idx="2">
+            <a:schemeClr val="accent1"/>
+          </a:effectRef>
+          <a:fontRef idx="minor">
+            <a:schemeClr val="lt1"/>
+          </a:fontRef>
+        </p:style>
+        <p:txBody>
+          <a:bodyPr rtlCol="0" anchor="ctr"/>
+          <a:lstStyle/>
+          <a:p>
+            <a:pPr algn="ctr"/>
+            <a:endParaRPr kumimoji="1" lang="zh-CN" altLang="en-US"/>
+          </a:p>
+        </p:txBody>
+      </p:sp>
+      <p:sp>
+        <p:nvSpPr>
+          <p:cNvPr id="14" name="椭圆 13"/>
+          <p:cNvSpPr/>
+          <p:nvPr/>
+        </p:nvSpPr>
+        <p:spPr>
+          <a:xfrm>
+            <a:off x="17001461" y="9070846"/>
+            <a:ext cx="712419" cy="712419"/>
+          </a:xfrm>
+          <a:prstGeom prst="ellipse">
+            <a:avLst/>
+          </a:prstGeom>
+          <a:solidFill>
+            <a:srgbClr val="9BBB59"/>
+          </a:solidFill>
+        </p:spPr>
+        <p:style>
+          <a:lnRef idx="1">
+            <a:schemeClr val="accent1"/>
+          </a:lnRef>
+          <a:fillRef idx="3">
+            <a:schemeClr val="accent1"/>
+          </a:fillRef>
+          <a:effectRef idx="2">
+            <a:schemeClr val="accent1"/>
+          </a:effectRef>
+          <a:fontRef idx="minor">
+            <a:schemeClr val="lt1"/>
+          </a:fontRef>
+        </p:style>
+        <p:txBody>
+          <a:bodyPr rtlCol="0" anchor="ctr"/>
+          <a:lstStyle/>
+          <a:p>
+            <a:pPr algn="ctr"/>
+            <a:endParaRPr kumimoji="1" lang="zh-CN" altLang="en-US"/>
+          </a:p>
+        </p:txBody>
+      </p:sp>
+      <p:sp>
+        <p:nvSpPr>
+          <p:cNvPr id="15" name="椭圆 14"/>
+          <p:cNvSpPr/>
+          <p:nvPr/>
+        </p:nvSpPr>
+        <p:spPr>
+          <a:xfrm>
+            <a:off x="17713880" y="9070846"/>
+            <a:ext cx="712419" cy="712419"/>
+          </a:xfrm>
+          <a:prstGeom prst="ellipse">
+            <a:avLst/>
+          </a:prstGeom>
+          <a:solidFill>
+            <a:srgbClr val="9BBB59"/>
+          </a:solidFill>
+        </p:spPr>
+        <p:style>
+          <a:lnRef idx="1">
+            <a:schemeClr val="accent1"/>
+          </a:lnRef>
+          <a:fillRef idx="3">
+            <a:schemeClr val="accent1"/>
+          </a:fillRef>
+          <a:effectRef idx="2">
+            <a:schemeClr val="accent1"/>
+          </a:effectRef>
+          <a:fontRef idx="minor">
+            <a:schemeClr val="lt1"/>
+          </a:fontRef>
+        </p:style>
+        <p:txBody>
+          <a:bodyPr rtlCol="0" anchor="ctr"/>
+          <a:lstStyle/>
+          <a:p>
+            <a:pPr algn="ctr"/>
+            <a:endParaRPr kumimoji="1" lang="zh-CN" altLang="en-US"/>
+          </a:p>
+        </p:txBody>
+      </p:sp>
+      <p:sp>
+        <p:nvSpPr>
+          <p:cNvPr id="16" name="椭圆 15"/>
+          <p:cNvSpPr/>
+          <p:nvPr/>
+        </p:nvSpPr>
+        <p:spPr>
+          <a:xfrm>
+            <a:off x="19138718" y="9070846"/>
+            <a:ext cx="712419" cy="712419"/>
+          </a:xfrm>
+          <a:prstGeom prst="ellipse">
+            <a:avLst/>
+          </a:prstGeom>
+          <a:solidFill>
+            <a:srgbClr val="9BBB59"/>
+          </a:solidFill>
+        </p:spPr>
+        <p:style>
+          <a:lnRef idx="1">
+            <a:schemeClr val="accent1"/>
+          </a:lnRef>
+          <a:fillRef idx="3">
+            <a:schemeClr val="accent1"/>
+          </a:fillRef>
+          <a:effectRef idx="2">
+            <a:schemeClr val="accent1"/>
+          </a:effectRef>
+          <a:fontRef idx="minor">
+            <a:schemeClr val="lt1"/>
+          </a:fontRef>
+        </p:style>
+        <p:txBody>
+          <a:bodyPr rtlCol="0" anchor="ctr"/>
+          <a:lstStyle/>
+          <a:p>
+            <a:pPr algn="ctr"/>
+            <a:endParaRPr kumimoji="1" lang="zh-CN" altLang="en-US"/>
+          </a:p>
+        </p:txBody>
+      </p:sp>
+      <p:sp>
+        <p:nvSpPr>
+          <p:cNvPr id="17" name="椭圆 16"/>
+          <p:cNvSpPr/>
+          <p:nvPr/>
+        </p:nvSpPr>
+        <p:spPr>
+          <a:xfrm>
+            <a:off x="18426299" y="9070846"/>
+            <a:ext cx="712419" cy="712419"/>
+          </a:xfrm>
+          <a:prstGeom prst="ellipse">
+            <a:avLst/>
+          </a:prstGeom>
+          <a:solidFill>
+            <a:srgbClr val="9BBB59"/>
+          </a:solidFill>
+        </p:spPr>
+        <p:style>
+          <a:lnRef idx="1">
+            <a:schemeClr val="accent1"/>
+          </a:lnRef>
+          <a:fillRef idx="3">
+            <a:schemeClr val="accent1"/>
+          </a:fillRef>
+          <a:effectRef idx="2">
+            <a:schemeClr val="accent1"/>
+          </a:effectRef>
+          <a:fontRef idx="minor">
+            <a:schemeClr val="lt1"/>
+          </a:fontRef>
+        </p:style>
+        <p:txBody>
+          <a:bodyPr rtlCol="0" anchor="ctr"/>
+          <a:lstStyle/>
+          <a:p>
+            <a:pPr algn="ctr"/>
+            <a:endParaRPr kumimoji="1" lang="zh-CN" altLang="en-US"/>
+          </a:p>
+        </p:txBody>
+      </p:sp>
+      <p:sp>
+        <p:nvSpPr>
+          <p:cNvPr id="18" name="文本框 17"/>
+          <p:cNvSpPr txBox="1"/>
+          <p:nvPr/>
+        </p:nvSpPr>
+        <p:spPr>
+          <a:xfrm>
+            <a:off x="15831862" y="8470681"/>
+            <a:ext cx="822160" cy="1200329"/>
+          </a:xfrm>
+          <a:prstGeom prst="rect">
+            <a:avLst/>
+          </a:prstGeom>
+          <a:noFill/>
+        </p:spPr>
+        <p:txBody>
+          <a:bodyPr wrap="none" rtlCol="0">
+            <a:spAutoFit/>
+          </a:bodyPr>
+          <a:lstStyle/>
+          <a:p>
+            <a:r>
+              <a:rPr kumimoji="1" lang="is-IS" altLang="zh-CN" dirty="0" smtClean="0"/>
+              <a:t>…</a:t>
+            </a:r>
+            <a:endParaRPr kumimoji="1" lang="zh-CN" altLang="en-US" dirty="0"/>
+          </a:p>
+        </p:txBody>
+      </p:sp>
+      <p:sp>
+        <p:nvSpPr>
+          <p:cNvPr id="19" name="文本框 18"/>
+          <p:cNvSpPr txBox="1"/>
+          <p:nvPr/>
+        </p:nvSpPr>
+        <p:spPr>
+          <a:xfrm>
+            <a:off x="10186519" y="8902555"/>
+            <a:ext cx="2214481" cy="923330"/>
+          </a:xfrm>
+          <a:prstGeom prst="rect">
+            <a:avLst/>
+          </a:prstGeom>
+          <a:noFill/>
+        </p:spPr>
+        <p:txBody>
+          <a:bodyPr wrap="none" rtlCol="0">
+            <a:spAutoFit/>
+          </a:bodyPr>
+          <a:lstStyle/>
+          <a:p>
+            <a:r>
+              <a:rPr kumimoji="1" lang="en-US" altLang="zh-CN" sz="5400" dirty="0" smtClean="0"/>
+              <a:t>Layer</a:t>
+            </a:r>
+            <a:r>
+              <a:rPr kumimoji="1" lang="zh-CN" altLang="en-US" sz="5400" dirty="0" smtClean="0"/>
+              <a:t> </a:t>
+            </a:r>
+            <a:r>
+              <a:rPr kumimoji="1" lang="en-US" altLang="zh-CN" sz="5400" dirty="0" smtClean="0"/>
+              <a:t>6</a:t>
+            </a:r>
+            <a:endParaRPr kumimoji="1" lang="zh-CN" altLang="en-US" sz="5400" dirty="0"/>
+          </a:p>
+        </p:txBody>
+      </p:sp>
+      <p:sp>
+        <p:nvSpPr>
+          <p:cNvPr id="20" name="左大括号 19"/>
+          <p:cNvSpPr/>
+          <p:nvPr/>
+        </p:nvSpPr>
+        <p:spPr>
+          <a:xfrm rot="5400000">
+            <a:off x="15856599" y="4878822"/>
+            <a:ext cx="805354" cy="7183720"/>
+          </a:xfrm>
+          <a:prstGeom prst="leftBrace">
+            <a:avLst>
+              <a:gd name="adj1" fmla="val 12179"/>
+              <a:gd name="adj2" fmla="val 50000"/>
+            </a:avLst>
+          </a:prstGeom>
+        </p:spPr>
+        <p:style>
+          <a:lnRef idx="2">
+            <a:schemeClr val="accent1"/>
+          </a:lnRef>
+          <a:fillRef idx="0">
+            <a:schemeClr val="accent1"/>
+          </a:fillRef>
+          <a:effectRef idx="1">
+            <a:schemeClr val="accent1"/>
+          </a:effectRef>
+          <a:fontRef idx="minor">
+            <a:schemeClr val="tx1"/>
+          </a:fontRef>
+        </p:style>
+        <p:txBody>
+          <a:bodyPr rtlCol="0" anchor="ctr"/>
+          <a:lstStyle/>
+          <a:p>
+            <a:pPr algn="ctr"/>
+            <a:endParaRPr kumimoji="1" lang="zh-CN" altLang="en-US"/>
+          </a:p>
+        </p:txBody>
+      </p:sp>
+      <p:sp>
+        <p:nvSpPr>
+          <p:cNvPr id="21" name="文本框 20"/>
+          <p:cNvSpPr txBox="1"/>
+          <p:nvPr/>
+        </p:nvSpPr>
+        <p:spPr>
+          <a:xfrm>
+            <a:off x="14804673" y="7391488"/>
+            <a:ext cx="2915857" cy="769441"/>
+          </a:xfrm>
+          <a:prstGeom prst="rect">
+            <a:avLst/>
+          </a:prstGeom>
+          <a:noFill/>
+        </p:spPr>
+        <p:txBody>
+          <a:bodyPr wrap="none" rtlCol="0">
+            <a:spAutoFit/>
+          </a:bodyPr>
+          <a:lstStyle/>
+          <a:p>
+            <a:r>
+              <a:rPr kumimoji="1" lang="en-US" altLang="zh-CN" sz="4400" dirty="0" smtClean="0"/>
+              <a:t>1024</a:t>
+            </a:r>
+            <a:r>
+              <a:rPr kumimoji="1" lang="zh-CN" altLang="en-US" sz="4400" dirty="0" smtClean="0"/>
+              <a:t> </a:t>
+            </a:r>
+            <a:r>
+              <a:rPr kumimoji="1" lang="en-US" altLang="zh-CN" sz="4400" dirty="0" smtClean="0"/>
+              <a:t>Nodes</a:t>
+            </a:r>
+            <a:endParaRPr kumimoji="1" lang="zh-CN" altLang="en-US" sz="4400" dirty="0"/>
+          </a:p>
+        </p:txBody>
+      </p:sp>
+      <p:sp>
+        <p:nvSpPr>
+          <p:cNvPr id="35" name="椭圆 34"/>
+          <p:cNvSpPr/>
+          <p:nvPr/>
+        </p:nvSpPr>
+        <p:spPr>
+          <a:xfrm>
+            <a:off x="13532235" y="11474728"/>
+            <a:ext cx="712419" cy="712419"/>
+          </a:xfrm>
+          <a:prstGeom prst="ellipse">
+            <a:avLst/>
+          </a:prstGeom>
+          <a:solidFill>
+            <a:srgbClr val="9BBB59"/>
+          </a:solidFill>
+        </p:spPr>
+        <p:style>
+          <a:lnRef idx="1">
+            <a:schemeClr val="accent1"/>
+          </a:lnRef>
+          <a:fillRef idx="3">
+            <a:schemeClr val="accent1"/>
+          </a:fillRef>
+          <a:effectRef idx="2">
+            <a:schemeClr val="accent1"/>
+          </a:effectRef>
+          <a:fontRef idx="minor">
+            <a:schemeClr val="lt1"/>
+          </a:fontRef>
+        </p:style>
+        <p:txBody>
+          <a:bodyPr rtlCol="0" anchor="ctr"/>
+          <a:lstStyle/>
+          <a:p>
+            <a:pPr algn="ctr"/>
+            <a:endParaRPr kumimoji="1" lang="zh-CN" altLang="en-US"/>
+          </a:p>
+        </p:txBody>
+      </p:sp>
+      <p:sp>
+        <p:nvSpPr>
+          <p:cNvPr id="36" name="椭圆 35"/>
+          <p:cNvSpPr/>
+          <p:nvPr/>
+        </p:nvSpPr>
+        <p:spPr>
+          <a:xfrm>
+            <a:off x="14957073" y="11474728"/>
+            <a:ext cx="712419" cy="712419"/>
+          </a:xfrm>
+          <a:prstGeom prst="ellipse">
+            <a:avLst/>
+          </a:prstGeom>
+          <a:solidFill>
+            <a:srgbClr val="9BBB59"/>
+          </a:solidFill>
+        </p:spPr>
+        <p:style>
+          <a:lnRef idx="1">
+            <a:schemeClr val="accent1"/>
+          </a:lnRef>
+          <a:fillRef idx="3">
+            <a:schemeClr val="accent1"/>
+          </a:fillRef>
+          <a:effectRef idx="2">
+            <a:schemeClr val="accent1"/>
+          </a:effectRef>
+          <a:fontRef idx="minor">
+            <a:schemeClr val="lt1"/>
+          </a:fontRef>
+        </p:style>
+        <p:txBody>
+          <a:bodyPr rtlCol="0" anchor="ctr"/>
+          <a:lstStyle/>
+          <a:p>
+            <a:pPr algn="ctr"/>
+            <a:endParaRPr kumimoji="1" lang="zh-CN" altLang="en-US"/>
+          </a:p>
+        </p:txBody>
+      </p:sp>
+      <p:sp>
+        <p:nvSpPr>
+          <p:cNvPr id="37" name="椭圆 36"/>
+          <p:cNvSpPr/>
+          <p:nvPr/>
+        </p:nvSpPr>
+        <p:spPr>
+          <a:xfrm>
+            <a:off x="14244654" y="11474728"/>
+            <a:ext cx="712419" cy="712419"/>
+          </a:xfrm>
+          <a:prstGeom prst="ellipse">
+            <a:avLst/>
+          </a:prstGeom>
+          <a:solidFill>
+            <a:srgbClr val="9BBB59"/>
+          </a:solidFill>
+        </p:spPr>
+        <p:style>
+          <a:lnRef idx="1">
+            <a:schemeClr val="accent1"/>
+          </a:lnRef>
+          <a:fillRef idx="3">
+            <a:schemeClr val="accent1"/>
+          </a:fillRef>
+          <a:effectRef idx="2">
+            <a:schemeClr val="accent1"/>
+          </a:effectRef>
+          <a:fontRef idx="minor">
+            <a:schemeClr val="lt1"/>
+          </a:fontRef>
+        </p:style>
+        <p:txBody>
+          <a:bodyPr rtlCol="0" anchor="ctr"/>
+          <a:lstStyle/>
+          <a:p>
+            <a:pPr algn="ctr"/>
+            <a:endParaRPr kumimoji="1" lang="zh-CN" altLang="en-US"/>
+          </a:p>
+        </p:txBody>
+      </p:sp>
+      <p:sp>
+        <p:nvSpPr>
+          <p:cNvPr id="38" name="椭圆 37"/>
+          <p:cNvSpPr/>
+          <p:nvPr/>
+        </p:nvSpPr>
+        <p:spPr>
+          <a:xfrm>
+            <a:off x="17153861" y="11474728"/>
+            <a:ext cx="712419" cy="712419"/>
+          </a:xfrm>
+          <a:prstGeom prst="ellipse">
+            <a:avLst/>
+          </a:prstGeom>
+          <a:solidFill>
+            <a:srgbClr val="9BBB59"/>
+          </a:solidFill>
+        </p:spPr>
+        <p:style>
+          <a:lnRef idx="1">
+            <a:schemeClr val="accent1"/>
+          </a:lnRef>
+          <a:fillRef idx="3">
+            <a:schemeClr val="accent1"/>
+          </a:fillRef>
+          <a:effectRef idx="2">
+            <a:schemeClr val="accent1"/>
+          </a:effectRef>
+          <a:fontRef idx="minor">
+            <a:schemeClr val="lt1"/>
+          </a:fontRef>
+        </p:style>
+        <p:txBody>
+          <a:bodyPr rtlCol="0" anchor="ctr"/>
+          <a:lstStyle/>
+          <a:p>
+            <a:pPr algn="ctr"/>
+            <a:endParaRPr kumimoji="1" lang="zh-CN" altLang="en-US"/>
+          </a:p>
+        </p:txBody>
+      </p:sp>
+      <p:sp>
+        <p:nvSpPr>
+          <p:cNvPr id="39" name="椭圆 38"/>
+          <p:cNvSpPr/>
+          <p:nvPr/>
+        </p:nvSpPr>
+        <p:spPr>
+          <a:xfrm>
+            <a:off x="17866280" y="11474728"/>
+            <a:ext cx="712419" cy="712419"/>
+          </a:xfrm>
+          <a:prstGeom prst="ellipse">
+            <a:avLst/>
+          </a:prstGeom>
+          <a:solidFill>
+            <a:srgbClr val="9BBB59"/>
+          </a:solidFill>
+        </p:spPr>
+        <p:style>
+          <a:lnRef idx="1">
+            <a:schemeClr val="accent1"/>
+          </a:lnRef>
+          <a:fillRef idx="3">
+            <a:schemeClr val="accent1"/>
+          </a:fillRef>
+          <a:effectRef idx="2">
+            <a:schemeClr val="accent1"/>
+          </a:effectRef>
+          <a:fontRef idx="minor">
+            <a:schemeClr val="lt1"/>
+          </a:fontRef>
+        </p:style>
+        <p:txBody>
+          <a:bodyPr rtlCol="0" anchor="ctr"/>
+          <a:lstStyle/>
+          <a:p>
+            <a:pPr algn="ctr"/>
+            <a:endParaRPr kumimoji="1" lang="zh-CN" altLang="en-US"/>
+          </a:p>
+        </p:txBody>
+      </p:sp>
+      <p:sp>
+        <p:nvSpPr>
+          <p:cNvPr id="41" name="椭圆 40"/>
+          <p:cNvSpPr/>
+          <p:nvPr/>
+        </p:nvSpPr>
+        <p:spPr>
+          <a:xfrm>
+            <a:off x="18578699" y="11474728"/>
+            <a:ext cx="712419" cy="712419"/>
+          </a:xfrm>
+          <a:prstGeom prst="ellipse">
+            <a:avLst/>
+          </a:prstGeom>
+          <a:solidFill>
+            <a:srgbClr val="9BBB59"/>
+          </a:solidFill>
+        </p:spPr>
+        <p:style>
+          <a:lnRef idx="1">
+            <a:schemeClr val="accent1"/>
+          </a:lnRef>
+          <a:fillRef idx="3">
+            <a:schemeClr val="accent1"/>
+          </a:fillRef>
+          <a:effectRef idx="2">
+            <a:schemeClr val="accent1"/>
+          </a:effectRef>
+          <a:fontRef idx="minor">
+            <a:schemeClr val="lt1"/>
+          </a:fontRef>
+        </p:style>
+        <p:txBody>
+          <a:bodyPr rtlCol="0" anchor="ctr"/>
+          <a:lstStyle/>
+          <a:p>
+            <a:pPr algn="ctr"/>
+            <a:endParaRPr kumimoji="1" lang="zh-CN" altLang="en-US"/>
+          </a:p>
+        </p:txBody>
+      </p:sp>
+      <p:sp>
+        <p:nvSpPr>
+          <p:cNvPr id="42" name="文本框 41"/>
+          <p:cNvSpPr txBox="1"/>
+          <p:nvPr/>
+        </p:nvSpPr>
+        <p:spPr>
+          <a:xfrm>
+            <a:off x="15984262" y="10874563"/>
+            <a:ext cx="822160" cy="1200329"/>
+          </a:xfrm>
+          <a:prstGeom prst="rect">
+            <a:avLst/>
+          </a:prstGeom>
+          <a:noFill/>
+        </p:spPr>
+        <p:txBody>
+          <a:bodyPr wrap="none" rtlCol="0">
+            <a:spAutoFit/>
+          </a:bodyPr>
+          <a:lstStyle/>
+          <a:p>
+            <a:r>
+              <a:rPr kumimoji="1" lang="is-IS" altLang="zh-CN" dirty="0" smtClean="0"/>
+              <a:t>…</a:t>
+            </a:r>
+            <a:endParaRPr kumimoji="1" lang="zh-CN" altLang="en-US" dirty="0"/>
+          </a:p>
+        </p:txBody>
+      </p:sp>
+      <p:sp>
+        <p:nvSpPr>
+          <p:cNvPr id="43" name="文本框 42"/>
+          <p:cNvSpPr txBox="1"/>
+          <p:nvPr/>
+        </p:nvSpPr>
+        <p:spPr>
+          <a:xfrm>
+            <a:off x="10338919" y="11306437"/>
+            <a:ext cx="2209747" cy="923330"/>
+          </a:xfrm>
+          <a:prstGeom prst="rect">
+            <a:avLst/>
+          </a:prstGeom>
+          <a:noFill/>
+        </p:spPr>
+        <p:txBody>
+          <a:bodyPr wrap="none" rtlCol="0">
+            <a:spAutoFit/>
+          </a:bodyPr>
+          <a:lstStyle/>
+          <a:p>
+            <a:r>
+              <a:rPr kumimoji="1" lang="en-US" altLang="zh-CN" sz="5400" dirty="0" smtClean="0"/>
+              <a:t>Layer</a:t>
+            </a:r>
+            <a:r>
+              <a:rPr kumimoji="1" lang="zh-CN" altLang="en-US" sz="5400" dirty="0" smtClean="0"/>
+              <a:t> </a:t>
+            </a:r>
+            <a:r>
+              <a:rPr kumimoji="1" lang="zh-CN" altLang="zh-CN" sz="5400" dirty="0"/>
+              <a:t>5</a:t>
+            </a:r>
+            <a:r>
+              <a:rPr kumimoji="1" lang="zh-CN" altLang="en-US" sz="5400" dirty="0" smtClean="0"/>
+              <a:t>  </a:t>
+            </a:r>
+            <a:endParaRPr kumimoji="1" lang="zh-CN" altLang="en-US" sz="5400" dirty="0"/>
+          </a:p>
+        </p:txBody>
+      </p:sp>
+      <p:sp>
+        <p:nvSpPr>
+          <p:cNvPr id="44" name="左大括号 43"/>
+          <p:cNvSpPr/>
+          <p:nvPr/>
+        </p:nvSpPr>
+        <p:spPr>
+          <a:xfrm rot="5400000">
+            <a:off x="16008999" y="7995122"/>
+            <a:ext cx="805354" cy="5758883"/>
+          </a:xfrm>
+          <a:prstGeom prst="leftBrace">
+            <a:avLst>
+              <a:gd name="adj1" fmla="val 12179"/>
+              <a:gd name="adj2" fmla="val 50000"/>
+            </a:avLst>
+          </a:prstGeom>
+        </p:spPr>
+        <p:style>
+          <a:lnRef idx="2">
+            <a:schemeClr val="accent1"/>
+          </a:lnRef>
+          <a:fillRef idx="0">
+            <a:schemeClr val="accent1"/>
+          </a:fillRef>
+          <a:effectRef idx="1">
+            <a:schemeClr val="accent1"/>
+          </a:effectRef>
+          <a:fontRef idx="minor">
+            <a:schemeClr val="tx1"/>
+          </a:fontRef>
+        </p:style>
+        <p:txBody>
+          <a:bodyPr rtlCol="0" anchor="ctr"/>
+          <a:lstStyle/>
+          <a:p>
+            <a:pPr algn="ctr"/>
+            <a:endParaRPr kumimoji="1" lang="zh-CN" altLang="en-US"/>
+          </a:p>
+        </p:txBody>
+      </p:sp>
+      <p:sp>
+        <p:nvSpPr>
+          <p:cNvPr id="45" name="文本框 44"/>
+          <p:cNvSpPr txBox="1"/>
+          <p:nvPr/>
+        </p:nvSpPr>
+        <p:spPr>
+          <a:xfrm>
+            <a:off x="14957073" y="9795370"/>
+            <a:ext cx="2626014" cy="769441"/>
+          </a:xfrm>
+          <a:prstGeom prst="rect">
+            <a:avLst/>
+          </a:prstGeom>
+          <a:noFill/>
+        </p:spPr>
+        <p:txBody>
+          <a:bodyPr wrap="none" rtlCol="0">
+            <a:spAutoFit/>
+          </a:bodyPr>
+          <a:lstStyle/>
+          <a:p>
+            <a:r>
+              <a:rPr kumimoji="1" lang="zh-CN" altLang="zh-CN" sz="4400" dirty="0" smtClean="0">
+                <a:latin typeface="+mj-lt"/>
+              </a:rPr>
+              <a:t>5</a:t>
+            </a:r>
+            <a:r>
+              <a:rPr kumimoji="1" lang="en-US" altLang="zh-CN" sz="4400" dirty="0" smtClean="0">
+                <a:latin typeface="+mj-lt"/>
+              </a:rPr>
+              <a:t>12</a:t>
+            </a:r>
+            <a:r>
+              <a:rPr kumimoji="1" lang="zh-CN" altLang="en-US" sz="4400" dirty="0" smtClean="0">
+                <a:latin typeface="+mj-lt"/>
+              </a:rPr>
+              <a:t> </a:t>
+            </a:r>
+            <a:r>
+              <a:rPr kumimoji="1" lang="en-US" altLang="zh-CN" sz="4400" dirty="0" smtClean="0">
+                <a:latin typeface="+mj-lt"/>
+              </a:rPr>
+              <a:t>Nodes</a:t>
+            </a:r>
+            <a:endParaRPr kumimoji="1" lang="zh-CN" altLang="en-US" sz="4400" dirty="0">
+              <a:latin typeface="+mj-lt"/>
+            </a:endParaRPr>
+          </a:p>
+        </p:txBody>
+      </p:sp>
+      <p:sp>
+        <p:nvSpPr>
+          <p:cNvPr id="47" name="椭圆 46"/>
+          <p:cNvSpPr/>
+          <p:nvPr/>
+        </p:nvSpPr>
+        <p:spPr>
+          <a:xfrm>
+            <a:off x="15074564" y="13830275"/>
+            <a:ext cx="712419" cy="712419"/>
+          </a:xfrm>
+          <a:prstGeom prst="ellipse">
+            <a:avLst/>
+          </a:prstGeom>
+          <a:solidFill>
+            <a:srgbClr val="9BBB59"/>
+          </a:solidFill>
+        </p:spPr>
+        <p:style>
+          <a:lnRef idx="1">
+            <a:schemeClr val="accent1"/>
+          </a:lnRef>
+          <a:fillRef idx="3">
+            <a:schemeClr val="accent1"/>
+          </a:fillRef>
+          <a:effectRef idx="2">
+            <a:schemeClr val="accent1"/>
+          </a:effectRef>
+          <a:fontRef idx="minor">
+            <a:schemeClr val="lt1"/>
+          </a:fontRef>
+        </p:style>
+        <p:txBody>
+          <a:bodyPr rtlCol="0" anchor="ctr"/>
+          <a:lstStyle/>
+          <a:p>
+            <a:pPr algn="ctr"/>
+            <a:endParaRPr kumimoji="1" lang="zh-CN" altLang="en-US"/>
+          </a:p>
+        </p:txBody>
+      </p:sp>
+      <p:sp>
+        <p:nvSpPr>
+          <p:cNvPr id="48" name="椭圆 47"/>
+          <p:cNvSpPr/>
+          <p:nvPr/>
+        </p:nvSpPr>
+        <p:spPr>
+          <a:xfrm>
+            <a:off x="14362145" y="13830275"/>
+            <a:ext cx="712419" cy="712419"/>
+          </a:xfrm>
+          <a:prstGeom prst="ellipse">
+            <a:avLst/>
+          </a:prstGeom>
+          <a:solidFill>
+            <a:srgbClr val="9BBB59"/>
+          </a:solidFill>
+        </p:spPr>
+        <p:style>
+          <a:lnRef idx="1">
+            <a:schemeClr val="accent1"/>
+          </a:lnRef>
+          <a:fillRef idx="3">
+            <a:schemeClr val="accent1"/>
+          </a:fillRef>
+          <a:effectRef idx="2">
+            <a:schemeClr val="accent1"/>
+          </a:effectRef>
+          <a:fontRef idx="minor">
+            <a:schemeClr val="lt1"/>
+          </a:fontRef>
+        </p:style>
+        <p:txBody>
+          <a:bodyPr rtlCol="0" anchor="ctr"/>
+          <a:lstStyle/>
+          <a:p>
+            <a:pPr algn="ctr"/>
+            <a:endParaRPr kumimoji="1" lang="zh-CN" altLang="en-US"/>
+          </a:p>
+        </p:txBody>
+      </p:sp>
+      <p:sp>
+        <p:nvSpPr>
+          <p:cNvPr id="49" name="椭圆 48"/>
+          <p:cNvSpPr/>
+          <p:nvPr/>
+        </p:nvSpPr>
+        <p:spPr>
+          <a:xfrm>
+            <a:off x="17271352" y="13830275"/>
+            <a:ext cx="712419" cy="712419"/>
+          </a:xfrm>
+          <a:prstGeom prst="ellipse">
+            <a:avLst/>
+          </a:prstGeom>
+          <a:solidFill>
+            <a:srgbClr val="9BBB59"/>
+          </a:solidFill>
+        </p:spPr>
+        <p:style>
+          <a:lnRef idx="1">
+            <a:schemeClr val="accent1"/>
+          </a:lnRef>
+          <a:fillRef idx="3">
+            <a:schemeClr val="accent1"/>
+          </a:fillRef>
+          <a:effectRef idx="2">
+            <a:schemeClr val="accent1"/>
+          </a:effectRef>
+          <a:fontRef idx="minor">
+            <a:schemeClr val="lt1"/>
+          </a:fontRef>
+        </p:style>
+        <p:txBody>
+          <a:bodyPr rtlCol="0" anchor="ctr"/>
+          <a:lstStyle/>
+          <a:p>
+            <a:pPr algn="ctr"/>
+            <a:endParaRPr kumimoji="1" lang="zh-CN" altLang="en-US"/>
+          </a:p>
+        </p:txBody>
+      </p:sp>
+      <p:sp>
+        <p:nvSpPr>
+          <p:cNvPr id="50" name="椭圆 49"/>
+          <p:cNvSpPr/>
+          <p:nvPr/>
+        </p:nvSpPr>
+        <p:spPr>
+          <a:xfrm>
+            <a:off x="17983771" y="13830275"/>
+            <a:ext cx="712419" cy="712419"/>
+          </a:xfrm>
+          <a:prstGeom prst="ellipse">
+            <a:avLst/>
+          </a:prstGeom>
+          <a:solidFill>
+            <a:srgbClr val="9BBB59"/>
+          </a:solidFill>
+        </p:spPr>
+        <p:style>
+          <a:lnRef idx="1">
+            <a:schemeClr val="accent1"/>
+          </a:lnRef>
+          <a:fillRef idx="3">
+            <a:schemeClr val="accent1"/>
+          </a:fillRef>
+          <a:effectRef idx="2">
+            <a:schemeClr val="accent1"/>
+          </a:effectRef>
+          <a:fontRef idx="minor">
+            <a:schemeClr val="lt1"/>
+          </a:fontRef>
+        </p:style>
+        <p:txBody>
+          <a:bodyPr rtlCol="0" anchor="ctr"/>
+          <a:lstStyle/>
+          <a:p>
+            <a:pPr algn="ctr"/>
+            <a:endParaRPr kumimoji="1" lang="zh-CN" altLang="en-US"/>
+          </a:p>
+        </p:txBody>
+      </p:sp>
+      <p:sp>
+        <p:nvSpPr>
+          <p:cNvPr id="52" name="文本框 51"/>
+          <p:cNvSpPr txBox="1"/>
+          <p:nvPr/>
+        </p:nvSpPr>
+        <p:spPr>
+          <a:xfrm>
+            <a:off x="16101753" y="13230110"/>
+            <a:ext cx="822160" cy="1200329"/>
+          </a:xfrm>
+          <a:prstGeom prst="rect">
+            <a:avLst/>
+          </a:prstGeom>
+          <a:noFill/>
+        </p:spPr>
+        <p:txBody>
+          <a:bodyPr wrap="none" rtlCol="0">
+            <a:spAutoFit/>
+          </a:bodyPr>
+          <a:lstStyle/>
+          <a:p>
+            <a:r>
+              <a:rPr kumimoji="1" lang="is-IS" altLang="zh-CN" dirty="0" smtClean="0"/>
+              <a:t>…</a:t>
+            </a:r>
+            <a:endParaRPr kumimoji="1" lang="zh-CN" altLang="en-US" dirty="0"/>
+          </a:p>
+        </p:txBody>
+      </p:sp>
+      <p:sp>
+        <p:nvSpPr>
+          <p:cNvPr id="53" name="文本框 52"/>
+          <p:cNvSpPr txBox="1"/>
+          <p:nvPr/>
+        </p:nvSpPr>
+        <p:spPr>
+          <a:xfrm>
+            <a:off x="10456410" y="13661984"/>
+            <a:ext cx="2209747" cy="923330"/>
+          </a:xfrm>
+          <a:prstGeom prst="rect">
+            <a:avLst/>
+          </a:prstGeom>
+          <a:noFill/>
+        </p:spPr>
+        <p:txBody>
+          <a:bodyPr wrap="none" rtlCol="0">
+            <a:spAutoFit/>
+          </a:bodyPr>
+          <a:lstStyle/>
+          <a:p>
+            <a:r>
+              <a:rPr kumimoji="1" lang="en-US" altLang="zh-CN" sz="5400" dirty="0" smtClean="0"/>
+              <a:t>Layer</a:t>
+            </a:r>
+            <a:r>
+              <a:rPr kumimoji="1" lang="zh-CN" altLang="en-US" sz="5400" dirty="0" smtClean="0"/>
+              <a:t> </a:t>
+            </a:r>
+            <a:r>
+              <a:rPr kumimoji="1" lang="zh-CN" altLang="zh-CN" sz="5400" dirty="0" smtClean="0"/>
+              <a:t>4</a:t>
+            </a:r>
+            <a:r>
+              <a:rPr kumimoji="1" lang="zh-CN" altLang="en-US" sz="5400" dirty="0" smtClean="0"/>
+              <a:t>  </a:t>
+            </a:r>
+            <a:endParaRPr kumimoji="1" lang="zh-CN" altLang="en-US" sz="5400" dirty="0"/>
+          </a:p>
+        </p:txBody>
+      </p:sp>
+      <p:sp>
+        <p:nvSpPr>
+          <p:cNvPr id="54" name="左大括号 53"/>
+          <p:cNvSpPr/>
+          <p:nvPr/>
+        </p:nvSpPr>
+        <p:spPr>
+          <a:xfrm rot="5400000">
+            <a:off x="16126490" y="11063088"/>
+            <a:ext cx="805354" cy="4334045"/>
+          </a:xfrm>
+          <a:prstGeom prst="leftBrace">
+            <a:avLst>
+              <a:gd name="adj1" fmla="val 12179"/>
+              <a:gd name="adj2" fmla="val 50000"/>
+            </a:avLst>
+          </a:prstGeom>
+        </p:spPr>
+        <p:style>
+          <a:lnRef idx="2">
+            <a:schemeClr val="accent1"/>
+          </a:lnRef>
+          <a:fillRef idx="0">
+            <a:schemeClr val="accent1"/>
+          </a:fillRef>
+          <a:effectRef idx="1">
+            <a:schemeClr val="accent1"/>
+          </a:effectRef>
+          <a:fontRef idx="minor">
+            <a:schemeClr val="tx1"/>
+          </a:fontRef>
+        </p:style>
+        <p:txBody>
+          <a:bodyPr rtlCol="0" anchor="ctr"/>
+          <a:lstStyle/>
+          <a:p>
+            <a:pPr algn="ctr"/>
+            <a:endParaRPr kumimoji="1" lang="zh-CN" altLang="en-US"/>
+          </a:p>
+        </p:txBody>
+      </p:sp>
+      <p:sp>
+        <p:nvSpPr>
+          <p:cNvPr id="55" name="文本框 54"/>
+          <p:cNvSpPr txBox="1"/>
+          <p:nvPr/>
+        </p:nvSpPr>
+        <p:spPr>
+          <a:xfrm>
+            <a:off x="15074564" y="12150917"/>
+            <a:ext cx="2626014" cy="769441"/>
+          </a:xfrm>
+          <a:prstGeom prst="rect">
+            <a:avLst/>
+          </a:prstGeom>
+          <a:noFill/>
+        </p:spPr>
+        <p:txBody>
+          <a:bodyPr wrap="none" rtlCol="0">
+            <a:spAutoFit/>
+          </a:bodyPr>
+          <a:lstStyle/>
+          <a:p>
+            <a:r>
+              <a:rPr kumimoji="1" lang="zh-CN" altLang="zh-CN" sz="4400" dirty="0" smtClean="0"/>
+              <a:t>2</a:t>
+            </a:r>
+            <a:r>
+              <a:rPr kumimoji="1" lang="en-US" altLang="zh-CN" sz="4400" dirty="0" smtClean="0"/>
+              <a:t>56</a:t>
+            </a:r>
+            <a:r>
+              <a:rPr kumimoji="1" lang="zh-CN" altLang="en-US" sz="4400" dirty="0" smtClean="0"/>
+              <a:t> </a:t>
+            </a:r>
+            <a:r>
+              <a:rPr kumimoji="1" lang="en-US" altLang="zh-CN" sz="4400" dirty="0" smtClean="0"/>
+              <a:t>Nodes</a:t>
+            </a:r>
+            <a:endParaRPr kumimoji="1" lang="zh-CN" altLang="en-US" sz="4400" dirty="0"/>
+          </a:p>
+        </p:txBody>
+      </p:sp>
+      <p:sp>
+        <p:nvSpPr>
+          <p:cNvPr id="56" name="椭圆 55"/>
+          <p:cNvSpPr/>
+          <p:nvPr/>
+        </p:nvSpPr>
+        <p:spPr>
+          <a:xfrm>
+            <a:off x="15226964" y="16291861"/>
+            <a:ext cx="712419" cy="712419"/>
+          </a:xfrm>
+          <a:prstGeom prst="ellipse">
+            <a:avLst/>
+          </a:prstGeom>
+          <a:solidFill>
+            <a:srgbClr val="9BBB59"/>
+          </a:solidFill>
+        </p:spPr>
+        <p:style>
+          <a:lnRef idx="1">
+            <a:schemeClr val="accent1"/>
+          </a:lnRef>
+          <a:fillRef idx="3">
+            <a:schemeClr val="accent1"/>
+          </a:fillRef>
+          <a:effectRef idx="2">
+            <a:schemeClr val="accent1"/>
+          </a:effectRef>
+          <a:fontRef idx="minor">
+            <a:schemeClr val="lt1"/>
+          </a:fontRef>
+        </p:style>
+        <p:txBody>
+          <a:bodyPr rtlCol="0" anchor="ctr"/>
+          <a:lstStyle/>
+          <a:p>
+            <a:pPr algn="ctr"/>
+            <a:endParaRPr kumimoji="1" lang="zh-CN" altLang="en-US"/>
+          </a:p>
+        </p:txBody>
+      </p:sp>
+      <p:sp>
+        <p:nvSpPr>
+          <p:cNvPr id="57" name="椭圆 56"/>
+          <p:cNvSpPr/>
+          <p:nvPr/>
+        </p:nvSpPr>
+        <p:spPr>
+          <a:xfrm>
+            <a:off x="14514545" y="16291861"/>
+            <a:ext cx="712419" cy="712419"/>
+          </a:xfrm>
+          <a:prstGeom prst="ellipse">
+            <a:avLst/>
+          </a:prstGeom>
+          <a:solidFill>
+            <a:srgbClr val="9BBB59"/>
+          </a:solidFill>
+        </p:spPr>
+        <p:style>
+          <a:lnRef idx="1">
+            <a:schemeClr val="accent1"/>
+          </a:lnRef>
+          <a:fillRef idx="3">
+            <a:schemeClr val="accent1"/>
+          </a:fillRef>
+          <a:effectRef idx="2">
+            <a:schemeClr val="accent1"/>
+          </a:effectRef>
+          <a:fontRef idx="minor">
+            <a:schemeClr val="lt1"/>
+          </a:fontRef>
+        </p:style>
+        <p:txBody>
+          <a:bodyPr rtlCol="0" anchor="ctr"/>
+          <a:lstStyle/>
+          <a:p>
+            <a:pPr algn="ctr"/>
+            <a:endParaRPr kumimoji="1" lang="zh-CN" altLang="en-US"/>
+          </a:p>
+        </p:txBody>
+      </p:sp>
+      <p:sp>
+        <p:nvSpPr>
+          <p:cNvPr id="58" name="椭圆 57"/>
+          <p:cNvSpPr/>
+          <p:nvPr/>
+        </p:nvSpPr>
+        <p:spPr>
+          <a:xfrm>
+            <a:off x="17423752" y="16291861"/>
+            <a:ext cx="712419" cy="712419"/>
+          </a:xfrm>
+          <a:prstGeom prst="ellipse">
+            <a:avLst/>
+          </a:prstGeom>
+          <a:solidFill>
+            <a:srgbClr val="9BBB59"/>
+          </a:solidFill>
+        </p:spPr>
+        <p:style>
+          <a:lnRef idx="1">
+            <a:schemeClr val="accent1"/>
+          </a:lnRef>
+          <a:fillRef idx="3">
+            <a:schemeClr val="accent1"/>
+          </a:fillRef>
+          <a:effectRef idx="2">
+            <a:schemeClr val="accent1"/>
+          </a:effectRef>
+          <a:fontRef idx="minor">
+            <a:schemeClr val="lt1"/>
+          </a:fontRef>
+        </p:style>
+        <p:txBody>
+          <a:bodyPr rtlCol="0" anchor="ctr"/>
+          <a:lstStyle/>
+          <a:p>
+            <a:pPr algn="ctr"/>
+            <a:endParaRPr kumimoji="1" lang="zh-CN" altLang="en-US"/>
+          </a:p>
+        </p:txBody>
+      </p:sp>
+      <p:sp>
+        <p:nvSpPr>
+          <p:cNvPr id="59" name="椭圆 58"/>
+          <p:cNvSpPr/>
+          <p:nvPr/>
+        </p:nvSpPr>
+        <p:spPr>
+          <a:xfrm>
+            <a:off x="18136171" y="16291861"/>
+            <a:ext cx="712419" cy="712419"/>
+          </a:xfrm>
+          <a:prstGeom prst="ellipse">
+            <a:avLst/>
+          </a:prstGeom>
+          <a:solidFill>
+            <a:srgbClr val="9BBB59"/>
+          </a:solidFill>
+        </p:spPr>
+        <p:style>
+          <a:lnRef idx="1">
+            <a:schemeClr val="accent1"/>
+          </a:lnRef>
+          <a:fillRef idx="3">
+            <a:schemeClr val="accent1"/>
+          </a:fillRef>
+          <a:effectRef idx="2">
+            <a:schemeClr val="accent1"/>
+          </a:effectRef>
+          <a:fontRef idx="minor">
+            <a:schemeClr val="lt1"/>
+          </a:fontRef>
+        </p:style>
+        <p:txBody>
+          <a:bodyPr rtlCol="0" anchor="ctr"/>
+          <a:lstStyle/>
+          <a:p>
+            <a:pPr algn="ctr"/>
+            <a:endParaRPr kumimoji="1" lang="zh-CN" altLang="en-US"/>
+          </a:p>
+        </p:txBody>
+      </p:sp>
+      <p:sp>
+        <p:nvSpPr>
+          <p:cNvPr id="60" name="文本框 59"/>
+          <p:cNvSpPr txBox="1"/>
+          <p:nvPr/>
+        </p:nvSpPr>
+        <p:spPr>
+          <a:xfrm>
+            <a:off x="16254153" y="15691696"/>
+            <a:ext cx="822160" cy="1200329"/>
+          </a:xfrm>
+          <a:prstGeom prst="rect">
+            <a:avLst/>
+          </a:prstGeom>
+          <a:noFill/>
+        </p:spPr>
+        <p:txBody>
+          <a:bodyPr wrap="none" rtlCol="0">
+            <a:spAutoFit/>
+          </a:bodyPr>
+          <a:lstStyle/>
+          <a:p>
+            <a:r>
+              <a:rPr kumimoji="1" lang="is-IS" altLang="zh-CN" dirty="0" smtClean="0"/>
+              <a:t>…</a:t>
+            </a:r>
+            <a:endParaRPr kumimoji="1" lang="zh-CN" altLang="en-US" dirty="0"/>
+          </a:p>
+        </p:txBody>
+      </p:sp>
+      <p:sp>
+        <p:nvSpPr>
+          <p:cNvPr id="61" name="文本框 60"/>
+          <p:cNvSpPr txBox="1"/>
+          <p:nvPr/>
+        </p:nvSpPr>
+        <p:spPr>
+          <a:xfrm>
+            <a:off x="10608810" y="15987181"/>
+            <a:ext cx="2209747" cy="923330"/>
+          </a:xfrm>
+          <a:prstGeom prst="rect">
+            <a:avLst/>
+          </a:prstGeom>
+          <a:noFill/>
+        </p:spPr>
+        <p:txBody>
+          <a:bodyPr wrap="none" rtlCol="0">
+            <a:spAutoFit/>
+          </a:bodyPr>
+          <a:lstStyle/>
+          <a:p>
+            <a:r>
+              <a:rPr kumimoji="1" lang="en-US" altLang="zh-CN" sz="5400" dirty="0" smtClean="0"/>
+              <a:t>Layer</a:t>
+            </a:r>
+            <a:r>
+              <a:rPr kumimoji="1" lang="zh-CN" altLang="en-US" sz="5400" dirty="0" smtClean="0"/>
+              <a:t> </a:t>
+            </a:r>
+            <a:r>
+              <a:rPr kumimoji="1" lang="zh-CN" altLang="zh-CN" sz="5400" dirty="0"/>
+              <a:t>3</a:t>
+            </a:r>
+            <a:r>
+              <a:rPr kumimoji="1" lang="zh-CN" altLang="en-US" sz="5400" dirty="0" smtClean="0"/>
+              <a:t>  </a:t>
+            </a:r>
+            <a:endParaRPr kumimoji="1" lang="zh-CN" altLang="en-US" sz="5400" dirty="0"/>
+          </a:p>
+        </p:txBody>
+      </p:sp>
+      <p:sp>
+        <p:nvSpPr>
+          <p:cNvPr id="62" name="左大括号 61"/>
+          <p:cNvSpPr/>
+          <p:nvPr/>
+        </p:nvSpPr>
+        <p:spPr>
+          <a:xfrm rot="5400000">
+            <a:off x="16278890" y="13524674"/>
+            <a:ext cx="805354" cy="4334045"/>
+          </a:xfrm>
+          <a:prstGeom prst="leftBrace">
+            <a:avLst>
+              <a:gd name="adj1" fmla="val 12179"/>
+              <a:gd name="adj2" fmla="val 50000"/>
+            </a:avLst>
+          </a:prstGeom>
+        </p:spPr>
+        <p:style>
+          <a:lnRef idx="2">
+            <a:schemeClr val="accent1"/>
+          </a:lnRef>
+          <a:fillRef idx="0">
+            <a:schemeClr val="accent1"/>
+          </a:fillRef>
+          <a:effectRef idx="1">
+            <a:schemeClr val="accent1"/>
+          </a:effectRef>
+          <a:fontRef idx="minor">
+            <a:schemeClr val="tx1"/>
+          </a:fontRef>
+        </p:style>
+        <p:txBody>
+          <a:bodyPr rtlCol="0" anchor="ctr"/>
+          <a:lstStyle/>
+          <a:p>
+            <a:pPr algn="ctr"/>
+            <a:endParaRPr kumimoji="1" lang="zh-CN" altLang="en-US"/>
+          </a:p>
+        </p:txBody>
+      </p:sp>
+      <p:sp>
+        <p:nvSpPr>
+          <p:cNvPr id="63" name="文本框 62"/>
+          <p:cNvSpPr txBox="1"/>
+          <p:nvPr/>
+        </p:nvSpPr>
+        <p:spPr>
+          <a:xfrm>
+            <a:off x="15226964" y="14612503"/>
+            <a:ext cx="2626014" cy="769441"/>
+          </a:xfrm>
+          <a:prstGeom prst="rect">
+            <a:avLst/>
+          </a:prstGeom>
+          <a:noFill/>
+        </p:spPr>
+        <p:txBody>
+          <a:bodyPr wrap="none" rtlCol="0">
+            <a:spAutoFit/>
+          </a:bodyPr>
+          <a:lstStyle/>
+          <a:p>
+            <a:r>
+              <a:rPr kumimoji="1" lang="zh-CN" altLang="zh-CN" sz="4400" dirty="0" smtClean="0"/>
+              <a:t>2</a:t>
+            </a:r>
+            <a:r>
+              <a:rPr kumimoji="1" lang="en-US" altLang="zh-CN" sz="4400" dirty="0" smtClean="0"/>
+              <a:t>56</a:t>
+            </a:r>
+            <a:r>
+              <a:rPr kumimoji="1" lang="zh-CN" altLang="en-US" sz="4400" dirty="0" smtClean="0"/>
+              <a:t> </a:t>
+            </a:r>
+            <a:r>
+              <a:rPr kumimoji="1" lang="en-US" altLang="zh-CN" sz="4400" dirty="0" smtClean="0"/>
+              <a:t>Nodes</a:t>
+            </a:r>
+            <a:endParaRPr kumimoji="1" lang="zh-CN" altLang="en-US" sz="4400" dirty="0"/>
+          </a:p>
+        </p:txBody>
+      </p:sp>
+      <p:sp>
+        <p:nvSpPr>
+          <p:cNvPr id="64" name="椭圆 63"/>
+          <p:cNvSpPr/>
+          <p:nvPr/>
+        </p:nvSpPr>
+        <p:spPr>
+          <a:xfrm>
+            <a:off x="13800667" y="18553639"/>
+            <a:ext cx="712419" cy="712419"/>
+          </a:xfrm>
+          <a:prstGeom prst="ellipse">
+            <a:avLst/>
+          </a:prstGeom>
+          <a:solidFill>
+            <a:srgbClr val="9BBB59"/>
+          </a:solidFill>
+        </p:spPr>
+        <p:style>
+          <a:lnRef idx="1">
+            <a:schemeClr val="accent1"/>
+          </a:lnRef>
+          <a:fillRef idx="3">
+            <a:schemeClr val="accent1"/>
+          </a:fillRef>
+          <a:effectRef idx="2">
+            <a:schemeClr val="accent1"/>
+          </a:effectRef>
+          <a:fontRef idx="minor">
+            <a:schemeClr val="lt1"/>
+          </a:fontRef>
+        </p:style>
+        <p:txBody>
+          <a:bodyPr rtlCol="0" anchor="ctr"/>
+          <a:lstStyle/>
+          <a:p>
+            <a:pPr algn="ctr"/>
+            <a:endParaRPr kumimoji="1" lang="zh-CN" altLang="en-US"/>
+          </a:p>
+        </p:txBody>
+      </p:sp>
+      <p:sp>
+        <p:nvSpPr>
+          <p:cNvPr id="65" name="椭圆 64"/>
+          <p:cNvSpPr/>
+          <p:nvPr/>
+        </p:nvSpPr>
+        <p:spPr>
+          <a:xfrm>
+            <a:off x="15225505" y="18553639"/>
+            <a:ext cx="712419" cy="712419"/>
+          </a:xfrm>
+          <a:prstGeom prst="ellipse">
+            <a:avLst/>
+          </a:prstGeom>
+          <a:solidFill>
+            <a:srgbClr val="9BBB59"/>
+          </a:solidFill>
+        </p:spPr>
+        <p:style>
+          <a:lnRef idx="1">
+            <a:schemeClr val="accent1"/>
+          </a:lnRef>
+          <a:fillRef idx="3">
+            <a:schemeClr val="accent1"/>
+          </a:fillRef>
+          <a:effectRef idx="2">
+            <a:schemeClr val="accent1"/>
+          </a:effectRef>
+          <a:fontRef idx="minor">
+            <a:schemeClr val="lt1"/>
+          </a:fontRef>
+        </p:style>
+        <p:txBody>
+          <a:bodyPr rtlCol="0" anchor="ctr"/>
+          <a:lstStyle/>
+          <a:p>
+            <a:pPr algn="ctr"/>
+            <a:endParaRPr kumimoji="1" lang="zh-CN" altLang="en-US"/>
+          </a:p>
+        </p:txBody>
+      </p:sp>
+      <p:sp>
+        <p:nvSpPr>
+          <p:cNvPr id="66" name="椭圆 65"/>
+          <p:cNvSpPr/>
+          <p:nvPr/>
+        </p:nvSpPr>
+        <p:spPr>
+          <a:xfrm>
+            <a:off x="14513086" y="18553639"/>
+            <a:ext cx="712419" cy="712419"/>
+          </a:xfrm>
+          <a:prstGeom prst="ellipse">
+            <a:avLst/>
+          </a:prstGeom>
+          <a:solidFill>
+            <a:srgbClr val="9BBB59"/>
+          </a:solidFill>
+        </p:spPr>
+        <p:style>
+          <a:lnRef idx="1">
+            <a:schemeClr val="accent1"/>
+          </a:lnRef>
+          <a:fillRef idx="3">
+            <a:schemeClr val="accent1"/>
+          </a:fillRef>
+          <a:effectRef idx="2">
+            <a:schemeClr val="accent1"/>
+          </a:effectRef>
+          <a:fontRef idx="minor">
+            <a:schemeClr val="lt1"/>
+          </a:fontRef>
+        </p:style>
+        <p:txBody>
+          <a:bodyPr rtlCol="0" anchor="ctr"/>
+          <a:lstStyle/>
+          <a:p>
+            <a:pPr algn="ctr"/>
+            <a:endParaRPr kumimoji="1" lang="zh-CN" altLang="en-US"/>
+          </a:p>
+        </p:txBody>
+      </p:sp>
+      <p:sp>
+        <p:nvSpPr>
+          <p:cNvPr id="67" name="椭圆 66"/>
+          <p:cNvSpPr/>
+          <p:nvPr/>
+        </p:nvSpPr>
+        <p:spPr>
+          <a:xfrm>
+            <a:off x="17422293" y="18553639"/>
+            <a:ext cx="712419" cy="712419"/>
+          </a:xfrm>
+          <a:prstGeom prst="ellipse">
+            <a:avLst/>
+          </a:prstGeom>
+          <a:solidFill>
+            <a:srgbClr val="9BBB59"/>
+          </a:solidFill>
+        </p:spPr>
+        <p:style>
+          <a:lnRef idx="1">
+            <a:schemeClr val="accent1"/>
+          </a:lnRef>
+          <a:fillRef idx="3">
+            <a:schemeClr val="accent1"/>
+          </a:fillRef>
+          <a:effectRef idx="2">
+            <a:schemeClr val="accent1"/>
+          </a:effectRef>
+          <a:fontRef idx="minor">
+            <a:schemeClr val="lt1"/>
+          </a:fontRef>
+        </p:style>
+        <p:txBody>
+          <a:bodyPr rtlCol="0" anchor="ctr"/>
+          <a:lstStyle/>
+          <a:p>
+            <a:pPr algn="ctr"/>
+            <a:endParaRPr kumimoji="1" lang="zh-CN" altLang="en-US"/>
+          </a:p>
+        </p:txBody>
+      </p:sp>
+      <p:sp>
+        <p:nvSpPr>
+          <p:cNvPr id="68" name="椭圆 67"/>
+          <p:cNvSpPr/>
+          <p:nvPr/>
+        </p:nvSpPr>
+        <p:spPr>
+          <a:xfrm>
+            <a:off x="18134712" y="18553639"/>
+            <a:ext cx="712419" cy="712419"/>
+          </a:xfrm>
+          <a:prstGeom prst="ellipse">
+            <a:avLst/>
+          </a:prstGeom>
+          <a:solidFill>
+            <a:srgbClr val="9BBB59"/>
+          </a:solidFill>
+        </p:spPr>
+        <p:style>
+          <a:lnRef idx="1">
+            <a:schemeClr val="accent1"/>
+          </a:lnRef>
+          <a:fillRef idx="3">
+            <a:schemeClr val="accent1"/>
+          </a:fillRef>
+          <a:effectRef idx="2">
+            <a:schemeClr val="accent1"/>
+          </a:effectRef>
+          <a:fontRef idx="minor">
+            <a:schemeClr val="lt1"/>
+          </a:fontRef>
+        </p:style>
+        <p:txBody>
+          <a:bodyPr rtlCol="0" anchor="ctr"/>
+          <a:lstStyle/>
+          <a:p>
+            <a:pPr algn="ctr"/>
+            <a:endParaRPr kumimoji="1" lang="zh-CN" altLang="en-US"/>
+          </a:p>
+        </p:txBody>
+      </p:sp>
+      <p:sp>
+        <p:nvSpPr>
+          <p:cNvPr id="69" name="椭圆 68"/>
+          <p:cNvSpPr/>
+          <p:nvPr/>
+        </p:nvSpPr>
+        <p:spPr>
+          <a:xfrm>
+            <a:off x="18847131" y="18553639"/>
+            <a:ext cx="712419" cy="712419"/>
+          </a:xfrm>
+          <a:prstGeom prst="ellipse">
+            <a:avLst/>
+          </a:prstGeom>
+          <a:solidFill>
+            <a:srgbClr val="9BBB59"/>
+          </a:solidFill>
+        </p:spPr>
+        <p:style>
+          <a:lnRef idx="1">
+            <a:schemeClr val="accent1"/>
+          </a:lnRef>
+          <a:fillRef idx="3">
+            <a:schemeClr val="accent1"/>
+          </a:fillRef>
+          <a:effectRef idx="2">
+            <a:schemeClr val="accent1"/>
+          </a:effectRef>
+          <a:fontRef idx="minor">
+            <a:schemeClr val="lt1"/>
+          </a:fontRef>
+        </p:style>
+        <p:txBody>
+          <a:bodyPr rtlCol="0" anchor="ctr"/>
+          <a:lstStyle/>
+          <a:p>
+            <a:pPr algn="ctr"/>
+            <a:endParaRPr kumimoji="1" lang="zh-CN" altLang="en-US"/>
+          </a:p>
+        </p:txBody>
+      </p:sp>
+      <p:sp>
+        <p:nvSpPr>
+          <p:cNvPr id="70" name="文本框 69"/>
+          <p:cNvSpPr txBox="1"/>
+          <p:nvPr/>
+        </p:nvSpPr>
+        <p:spPr>
+          <a:xfrm>
+            <a:off x="16252694" y="17953474"/>
+            <a:ext cx="822160" cy="1200329"/>
+          </a:xfrm>
+          <a:prstGeom prst="rect">
+            <a:avLst/>
+          </a:prstGeom>
+          <a:noFill/>
+        </p:spPr>
+        <p:txBody>
+          <a:bodyPr wrap="none" rtlCol="0">
+            <a:spAutoFit/>
+          </a:bodyPr>
+          <a:lstStyle/>
+          <a:p>
+            <a:r>
+              <a:rPr kumimoji="1" lang="is-IS" altLang="zh-CN" dirty="0" smtClean="0"/>
+              <a:t>…</a:t>
+            </a:r>
+            <a:endParaRPr kumimoji="1" lang="zh-CN" altLang="en-US" dirty="0"/>
+          </a:p>
+        </p:txBody>
+      </p:sp>
+      <p:sp>
+        <p:nvSpPr>
+          <p:cNvPr id="71" name="文本框 70"/>
+          <p:cNvSpPr txBox="1"/>
+          <p:nvPr/>
+        </p:nvSpPr>
+        <p:spPr>
+          <a:xfrm>
+            <a:off x="10607351" y="18385348"/>
+            <a:ext cx="2209747" cy="923330"/>
+          </a:xfrm>
+          <a:prstGeom prst="rect">
+            <a:avLst/>
+          </a:prstGeom>
+          <a:noFill/>
+        </p:spPr>
+        <p:txBody>
+          <a:bodyPr wrap="none" rtlCol="0">
+            <a:spAutoFit/>
+          </a:bodyPr>
+          <a:lstStyle/>
+          <a:p>
+            <a:r>
+              <a:rPr kumimoji="1" lang="en-US" altLang="zh-CN" sz="5400" dirty="0" smtClean="0"/>
+              <a:t>Layer</a:t>
+            </a:r>
+            <a:r>
+              <a:rPr kumimoji="1" lang="zh-CN" altLang="en-US" sz="5400" dirty="0" smtClean="0"/>
+              <a:t> </a:t>
+            </a:r>
+            <a:r>
+              <a:rPr kumimoji="1" lang="zh-CN" altLang="zh-CN" sz="5400" dirty="0" smtClean="0"/>
+              <a:t>2</a:t>
+            </a:r>
+            <a:r>
+              <a:rPr kumimoji="1" lang="zh-CN" altLang="en-US" sz="5400" dirty="0" smtClean="0"/>
+              <a:t>  </a:t>
+            </a:r>
+            <a:endParaRPr kumimoji="1" lang="zh-CN" altLang="en-US" sz="5400" dirty="0"/>
+          </a:p>
+        </p:txBody>
+      </p:sp>
+      <p:sp>
+        <p:nvSpPr>
+          <p:cNvPr id="72" name="左大括号 71"/>
+          <p:cNvSpPr/>
+          <p:nvPr/>
+        </p:nvSpPr>
+        <p:spPr>
+          <a:xfrm rot="5400000">
+            <a:off x="16277431" y="15074033"/>
+            <a:ext cx="805354" cy="5758883"/>
+          </a:xfrm>
+          <a:prstGeom prst="leftBrace">
+            <a:avLst>
+              <a:gd name="adj1" fmla="val 12179"/>
+              <a:gd name="adj2" fmla="val 50000"/>
+            </a:avLst>
+          </a:prstGeom>
+        </p:spPr>
+        <p:style>
+          <a:lnRef idx="2">
+            <a:schemeClr val="accent1"/>
+          </a:lnRef>
+          <a:fillRef idx="0">
+            <a:schemeClr val="accent1"/>
+          </a:fillRef>
+          <a:effectRef idx="1">
+            <a:schemeClr val="accent1"/>
+          </a:effectRef>
+          <a:fontRef idx="minor">
+            <a:schemeClr val="tx1"/>
+          </a:fontRef>
+        </p:style>
+        <p:txBody>
+          <a:bodyPr rtlCol="0" anchor="ctr"/>
+          <a:lstStyle/>
+          <a:p>
+            <a:pPr algn="ctr"/>
+            <a:endParaRPr kumimoji="1" lang="zh-CN" altLang="en-US"/>
+          </a:p>
+        </p:txBody>
+      </p:sp>
+      <p:sp>
+        <p:nvSpPr>
+          <p:cNvPr id="73" name="文本框 72"/>
+          <p:cNvSpPr txBox="1"/>
+          <p:nvPr/>
+        </p:nvSpPr>
+        <p:spPr>
+          <a:xfrm>
+            <a:off x="15225505" y="16874281"/>
+            <a:ext cx="2626014" cy="769441"/>
+          </a:xfrm>
+          <a:prstGeom prst="rect">
+            <a:avLst/>
+          </a:prstGeom>
+          <a:noFill/>
+        </p:spPr>
+        <p:txBody>
+          <a:bodyPr wrap="none" rtlCol="0">
+            <a:spAutoFit/>
+          </a:bodyPr>
+          <a:lstStyle/>
+          <a:p>
+            <a:r>
+              <a:rPr kumimoji="1" lang="zh-CN" altLang="zh-CN" sz="4400" dirty="0" smtClean="0"/>
+              <a:t>5</a:t>
+            </a:r>
+            <a:r>
+              <a:rPr kumimoji="1" lang="en-US" altLang="zh-CN" sz="4400" dirty="0" smtClean="0"/>
+              <a:t>12</a:t>
+            </a:r>
+            <a:r>
+              <a:rPr kumimoji="1" lang="zh-CN" altLang="en-US" sz="4400" dirty="0" smtClean="0"/>
+              <a:t> </a:t>
+            </a:r>
+            <a:r>
+              <a:rPr kumimoji="1" lang="en-US" altLang="zh-CN" sz="4400" dirty="0" smtClean="0"/>
+              <a:t>Nodes</a:t>
+            </a:r>
+            <a:endParaRPr kumimoji="1" lang="zh-CN" altLang="en-US" sz="4400" dirty="0"/>
+          </a:p>
+        </p:txBody>
+      </p:sp>
+      <p:sp>
+        <p:nvSpPr>
+          <p:cNvPr id="74" name="椭圆 73"/>
+          <p:cNvSpPr/>
+          <p:nvPr/>
+        </p:nvSpPr>
+        <p:spPr>
+          <a:xfrm>
+            <a:off x="12937306" y="21025903"/>
+            <a:ext cx="712419" cy="712419"/>
+          </a:xfrm>
+          <a:prstGeom prst="ellipse">
+            <a:avLst/>
+          </a:prstGeom>
+          <a:solidFill>
+            <a:srgbClr val="9BBB59"/>
+          </a:solidFill>
+        </p:spPr>
+        <p:style>
+          <a:lnRef idx="1">
+            <a:schemeClr val="accent1"/>
+          </a:lnRef>
+          <a:fillRef idx="3">
+            <a:schemeClr val="accent1"/>
+          </a:fillRef>
+          <a:effectRef idx="2">
+            <a:schemeClr val="accent1"/>
+          </a:effectRef>
+          <a:fontRef idx="minor">
+            <a:schemeClr val="lt1"/>
+          </a:fontRef>
+        </p:style>
+        <p:txBody>
+          <a:bodyPr rtlCol="0" anchor="ctr"/>
+          <a:lstStyle/>
+          <a:p>
+            <a:pPr algn="ctr"/>
+            <a:endParaRPr kumimoji="1" lang="zh-CN" altLang="en-US"/>
+          </a:p>
+        </p:txBody>
+      </p:sp>
+      <p:sp>
+        <p:nvSpPr>
+          <p:cNvPr id="75" name="椭圆 74"/>
+          <p:cNvSpPr/>
+          <p:nvPr/>
+        </p:nvSpPr>
+        <p:spPr>
+          <a:xfrm>
+            <a:off x="13649725" y="21025903"/>
+            <a:ext cx="712419" cy="712419"/>
+          </a:xfrm>
+          <a:prstGeom prst="ellipse">
+            <a:avLst/>
+          </a:prstGeom>
+          <a:solidFill>
+            <a:srgbClr val="9BBB59"/>
+          </a:solidFill>
+        </p:spPr>
+        <p:style>
+          <a:lnRef idx="1">
+            <a:schemeClr val="accent1"/>
+          </a:lnRef>
+          <a:fillRef idx="3">
+            <a:schemeClr val="accent1"/>
+          </a:fillRef>
+          <a:effectRef idx="2">
+            <a:schemeClr val="accent1"/>
+          </a:effectRef>
+          <a:fontRef idx="minor">
+            <a:schemeClr val="lt1"/>
+          </a:fontRef>
+        </p:style>
+        <p:txBody>
+          <a:bodyPr rtlCol="0" anchor="ctr"/>
+          <a:lstStyle/>
+          <a:p>
+            <a:pPr algn="ctr"/>
+            <a:endParaRPr kumimoji="1" lang="zh-CN" altLang="en-US"/>
+          </a:p>
+        </p:txBody>
+      </p:sp>
+      <p:sp>
+        <p:nvSpPr>
+          <p:cNvPr id="76" name="椭圆 75"/>
+          <p:cNvSpPr/>
+          <p:nvPr/>
+        </p:nvSpPr>
+        <p:spPr>
+          <a:xfrm>
+            <a:off x="15074563" y="21025903"/>
+            <a:ext cx="712419" cy="712419"/>
+          </a:xfrm>
+          <a:prstGeom prst="ellipse">
+            <a:avLst/>
+          </a:prstGeom>
+          <a:solidFill>
+            <a:srgbClr val="9BBB59"/>
+          </a:solidFill>
+        </p:spPr>
+        <p:style>
+          <a:lnRef idx="1">
+            <a:schemeClr val="accent1"/>
+          </a:lnRef>
+          <a:fillRef idx="3">
+            <a:schemeClr val="accent1"/>
+          </a:fillRef>
+          <a:effectRef idx="2">
+            <a:schemeClr val="accent1"/>
+          </a:effectRef>
+          <a:fontRef idx="minor">
+            <a:schemeClr val="lt1"/>
+          </a:fontRef>
+        </p:style>
+        <p:txBody>
+          <a:bodyPr rtlCol="0" anchor="ctr"/>
+          <a:lstStyle/>
+          <a:p>
+            <a:pPr algn="ctr"/>
+            <a:endParaRPr kumimoji="1" lang="zh-CN" altLang="en-US"/>
+          </a:p>
+        </p:txBody>
+      </p:sp>
+      <p:sp>
+        <p:nvSpPr>
+          <p:cNvPr id="77" name="椭圆 76"/>
+          <p:cNvSpPr/>
+          <p:nvPr/>
+        </p:nvSpPr>
+        <p:spPr>
+          <a:xfrm>
+            <a:off x="14362144" y="21025903"/>
+            <a:ext cx="712419" cy="712419"/>
+          </a:xfrm>
+          <a:prstGeom prst="ellipse">
+            <a:avLst/>
+          </a:prstGeom>
+          <a:solidFill>
+            <a:srgbClr val="9BBB59"/>
+          </a:solidFill>
+        </p:spPr>
+        <p:style>
+          <a:lnRef idx="1">
+            <a:schemeClr val="accent1"/>
+          </a:lnRef>
+          <a:fillRef idx="3">
+            <a:schemeClr val="accent1"/>
+          </a:fillRef>
+          <a:effectRef idx="2">
+            <a:schemeClr val="accent1"/>
+          </a:effectRef>
+          <a:fontRef idx="minor">
+            <a:schemeClr val="lt1"/>
+          </a:fontRef>
+        </p:style>
+        <p:txBody>
+          <a:bodyPr rtlCol="0" anchor="ctr"/>
+          <a:lstStyle/>
+          <a:p>
+            <a:pPr algn="ctr"/>
+            <a:endParaRPr kumimoji="1" lang="zh-CN" altLang="en-US"/>
+          </a:p>
+        </p:txBody>
+      </p:sp>
+      <p:sp>
+        <p:nvSpPr>
+          <p:cNvPr id="78" name="椭圆 77"/>
+          <p:cNvSpPr/>
+          <p:nvPr/>
+        </p:nvSpPr>
+        <p:spPr>
+          <a:xfrm>
+            <a:off x="17271351" y="21025903"/>
+            <a:ext cx="712419" cy="712419"/>
+          </a:xfrm>
+          <a:prstGeom prst="ellipse">
+            <a:avLst/>
+          </a:prstGeom>
+          <a:solidFill>
+            <a:srgbClr val="9BBB59"/>
+          </a:solidFill>
+        </p:spPr>
+        <p:style>
+          <a:lnRef idx="1">
+            <a:schemeClr val="accent1"/>
+          </a:lnRef>
+          <a:fillRef idx="3">
+            <a:schemeClr val="accent1"/>
+          </a:fillRef>
+          <a:effectRef idx="2">
+            <a:schemeClr val="accent1"/>
+          </a:effectRef>
+          <a:fontRef idx="minor">
+            <a:schemeClr val="lt1"/>
+          </a:fontRef>
+        </p:style>
+        <p:txBody>
+          <a:bodyPr rtlCol="0" anchor="ctr"/>
+          <a:lstStyle/>
+          <a:p>
+            <a:pPr algn="ctr"/>
+            <a:endParaRPr kumimoji="1" lang="zh-CN" altLang="en-US"/>
+          </a:p>
+        </p:txBody>
+      </p:sp>
+      <p:sp>
+        <p:nvSpPr>
+          <p:cNvPr id="79" name="椭圆 78"/>
+          <p:cNvSpPr/>
+          <p:nvPr/>
+        </p:nvSpPr>
+        <p:spPr>
+          <a:xfrm>
+            <a:off x="17983770" y="21025903"/>
+            <a:ext cx="712419" cy="712419"/>
+          </a:xfrm>
+          <a:prstGeom prst="ellipse">
+            <a:avLst/>
+          </a:prstGeom>
+          <a:solidFill>
+            <a:srgbClr val="9BBB59"/>
+          </a:solidFill>
+        </p:spPr>
+        <p:style>
+          <a:lnRef idx="1">
+            <a:schemeClr val="accent1"/>
+          </a:lnRef>
+          <a:fillRef idx="3">
+            <a:schemeClr val="accent1"/>
+          </a:fillRef>
+          <a:effectRef idx="2">
+            <a:schemeClr val="accent1"/>
+          </a:effectRef>
+          <a:fontRef idx="minor">
+            <a:schemeClr val="lt1"/>
+          </a:fontRef>
+        </p:style>
+        <p:txBody>
+          <a:bodyPr rtlCol="0" anchor="ctr"/>
+          <a:lstStyle/>
+          <a:p>
+            <a:pPr algn="ctr"/>
+            <a:endParaRPr kumimoji="1" lang="zh-CN" altLang="en-US"/>
+          </a:p>
+        </p:txBody>
+      </p:sp>
+      <p:sp>
+        <p:nvSpPr>
+          <p:cNvPr id="80" name="椭圆 79"/>
+          <p:cNvSpPr/>
+          <p:nvPr/>
+        </p:nvSpPr>
+        <p:spPr>
+          <a:xfrm>
+            <a:off x="19408608" y="21025903"/>
+            <a:ext cx="712419" cy="712419"/>
+          </a:xfrm>
+          <a:prstGeom prst="ellipse">
+            <a:avLst/>
+          </a:prstGeom>
+          <a:solidFill>
+            <a:srgbClr val="9BBB59"/>
+          </a:solidFill>
+        </p:spPr>
+        <p:style>
+          <a:lnRef idx="1">
+            <a:schemeClr val="accent1"/>
+          </a:lnRef>
+          <a:fillRef idx="3">
+            <a:schemeClr val="accent1"/>
+          </a:fillRef>
+          <a:effectRef idx="2">
+            <a:schemeClr val="accent1"/>
+          </a:effectRef>
+          <a:fontRef idx="minor">
+            <a:schemeClr val="lt1"/>
+          </a:fontRef>
+        </p:style>
+        <p:txBody>
+          <a:bodyPr rtlCol="0" anchor="ctr"/>
+          <a:lstStyle/>
+          <a:p>
+            <a:pPr algn="ctr"/>
+            <a:endParaRPr kumimoji="1" lang="zh-CN" altLang="en-US"/>
+          </a:p>
+        </p:txBody>
+      </p:sp>
+      <p:sp>
+        <p:nvSpPr>
+          <p:cNvPr id="81" name="椭圆 80"/>
+          <p:cNvSpPr/>
+          <p:nvPr/>
+        </p:nvSpPr>
+        <p:spPr>
+          <a:xfrm>
+            <a:off x="18696189" y="21025903"/>
+            <a:ext cx="712419" cy="712419"/>
+          </a:xfrm>
+          <a:prstGeom prst="ellipse">
+            <a:avLst/>
+          </a:prstGeom>
+          <a:solidFill>
+            <a:srgbClr val="9BBB59"/>
+          </a:solidFill>
+        </p:spPr>
+        <p:style>
+          <a:lnRef idx="1">
+            <a:schemeClr val="accent1"/>
+          </a:lnRef>
+          <a:fillRef idx="3">
+            <a:schemeClr val="accent1"/>
+          </a:fillRef>
+          <a:effectRef idx="2">
+            <a:schemeClr val="accent1"/>
+          </a:effectRef>
+          <a:fontRef idx="minor">
+            <a:schemeClr val="lt1"/>
+          </a:fontRef>
+        </p:style>
+        <p:txBody>
+          <a:bodyPr rtlCol="0" anchor="ctr"/>
+          <a:lstStyle/>
+          <a:p>
+            <a:pPr algn="ctr"/>
+            <a:endParaRPr kumimoji="1" lang="zh-CN" altLang="en-US"/>
+          </a:p>
+        </p:txBody>
+      </p:sp>
+      <p:sp>
+        <p:nvSpPr>
+          <p:cNvPr id="82" name="文本框 81"/>
+          <p:cNvSpPr txBox="1"/>
+          <p:nvPr/>
+        </p:nvSpPr>
+        <p:spPr>
+          <a:xfrm>
+            <a:off x="16101752" y="20425738"/>
+            <a:ext cx="822160" cy="1200329"/>
+          </a:xfrm>
+          <a:prstGeom prst="rect">
+            <a:avLst/>
+          </a:prstGeom>
+          <a:noFill/>
+        </p:spPr>
+        <p:txBody>
+          <a:bodyPr wrap="none" rtlCol="0">
+            <a:spAutoFit/>
+          </a:bodyPr>
+          <a:lstStyle/>
+          <a:p>
+            <a:r>
+              <a:rPr kumimoji="1" lang="is-IS" altLang="zh-CN" dirty="0" smtClean="0"/>
+              <a:t>…</a:t>
+            </a:r>
+            <a:endParaRPr kumimoji="1" lang="zh-CN" altLang="en-US" dirty="0"/>
+          </a:p>
+        </p:txBody>
+      </p:sp>
+      <p:sp>
+        <p:nvSpPr>
+          <p:cNvPr id="83" name="文本框 82"/>
+          <p:cNvSpPr txBox="1"/>
+          <p:nvPr/>
+        </p:nvSpPr>
+        <p:spPr>
+          <a:xfrm>
+            <a:off x="10456409" y="20857612"/>
+            <a:ext cx="2209747" cy="923330"/>
+          </a:xfrm>
+          <a:prstGeom prst="rect">
+            <a:avLst/>
+          </a:prstGeom>
+          <a:noFill/>
+        </p:spPr>
+        <p:txBody>
+          <a:bodyPr wrap="none" rtlCol="0">
+            <a:spAutoFit/>
+          </a:bodyPr>
+          <a:lstStyle/>
+          <a:p>
+            <a:r>
+              <a:rPr kumimoji="1" lang="en-US" altLang="zh-CN" sz="5400" dirty="0" smtClean="0"/>
+              <a:t>Layer</a:t>
+            </a:r>
+            <a:r>
+              <a:rPr kumimoji="1" lang="zh-CN" altLang="en-US" sz="5400" dirty="0" smtClean="0"/>
+              <a:t> </a:t>
+            </a:r>
+            <a:r>
+              <a:rPr kumimoji="1" lang="zh-CN" altLang="zh-CN" sz="5400" dirty="0" smtClean="0"/>
+              <a:t>1</a:t>
+            </a:r>
+            <a:endParaRPr kumimoji="1" lang="zh-CN" altLang="en-US" sz="5400" dirty="0"/>
+          </a:p>
+        </p:txBody>
+      </p:sp>
+      <p:sp>
+        <p:nvSpPr>
+          <p:cNvPr id="84" name="左大括号 83"/>
+          <p:cNvSpPr/>
+          <p:nvPr/>
+        </p:nvSpPr>
+        <p:spPr>
+          <a:xfrm rot="5400000">
+            <a:off x="16126489" y="16833879"/>
+            <a:ext cx="805354" cy="7183720"/>
+          </a:xfrm>
+          <a:prstGeom prst="leftBrace">
+            <a:avLst>
+              <a:gd name="adj1" fmla="val 12179"/>
+              <a:gd name="adj2" fmla="val 50000"/>
+            </a:avLst>
+          </a:prstGeom>
+        </p:spPr>
+        <p:style>
+          <a:lnRef idx="2">
+            <a:schemeClr val="accent1"/>
+          </a:lnRef>
+          <a:fillRef idx="0">
+            <a:schemeClr val="accent1"/>
+          </a:fillRef>
+          <a:effectRef idx="1">
+            <a:schemeClr val="accent1"/>
+          </a:effectRef>
+          <a:fontRef idx="minor">
+            <a:schemeClr val="tx1"/>
+          </a:fontRef>
+        </p:style>
+        <p:txBody>
+          <a:bodyPr rtlCol="0" anchor="ctr"/>
+          <a:lstStyle/>
+          <a:p>
+            <a:pPr algn="ctr"/>
+            <a:endParaRPr kumimoji="1" lang="zh-CN" altLang="en-US"/>
+          </a:p>
+        </p:txBody>
+      </p:sp>
+      <p:sp>
+        <p:nvSpPr>
+          <p:cNvPr id="85" name="文本框 84"/>
+          <p:cNvSpPr txBox="1"/>
+          <p:nvPr/>
+        </p:nvSpPr>
+        <p:spPr>
+          <a:xfrm>
+            <a:off x="15074563" y="19346545"/>
+            <a:ext cx="2915857" cy="769441"/>
+          </a:xfrm>
+          <a:prstGeom prst="rect">
+            <a:avLst/>
+          </a:prstGeom>
+          <a:noFill/>
+        </p:spPr>
+        <p:txBody>
+          <a:bodyPr wrap="none" rtlCol="0">
+            <a:spAutoFit/>
+          </a:bodyPr>
+          <a:lstStyle/>
+          <a:p>
+            <a:r>
+              <a:rPr kumimoji="1" lang="en-US" altLang="zh-CN" sz="4400" dirty="0" smtClean="0"/>
+              <a:t>1024</a:t>
+            </a:r>
+            <a:r>
+              <a:rPr kumimoji="1" lang="zh-CN" altLang="en-US" sz="4400" dirty="0" smtClean="0"/>
+              <a:t> </a:t>
+            </a:r>
+            <a:r>
+              <a:rPr kumimoji="1" lang="en-US" altLang="zh-CN" sz="4400" dirty="0" smtClean="0"/>
+              <a:t>Nodes</a:t>
+            </a:r>
+            <a:endParaRPr kumimoji="1" lang="zh-CN" altLang="en-US" sz="4400" dirty="0"/>
+          </a:p>
+        </p:txBody>
+      </p:sp>
+      <p:sp>
+        <p:nvSpPr>
+          <p:cNvPr id="100" name="椭圆 99"/>
+          <p:cNvSpPr/>
+          <p:nvPr/>
+        </p:nvSpPr>
+        <p:spPr>
+          <a:xfrm>
+            <a:off x="21112270" y="21178303"/>
+            <a:ext cx="712419" cy="712419"/>
+          </a:xfrm>
+          <a:prstGeom prst="ellipse">
+            <a:avLst/>
+          </a:prstGeom>
+          <a:solidFill>
+            <a:srgbClr val="9BBB59"/>
+          </a:solidFill>
+        </p:spPr>
+        <p:style>
+          <a:lnRef idx="1">
+            <a:schemeClr val="accent1"/>
+          </a:lnRef>
+          <a:fillRef idx="3">
+            <a:schemeClr val="accent1"/>
+          </a:fillRef>
+          <a:effectRef idx="2">
+            <a:schemeClr val="accent1"/>
+          </a:effectRef>
+          <a:fontRef idx="minor">
+            <a:schemeClr val="lt1"/>
+          </a:fontRef>
+        </p:style>
+        <p:txBody>
+          <a:bodyPr rtlCol="0" anchor="ctr"/>
+          <a:lstStyle/>
+          <a:p>
+            <a:pPr algn="ctr"/>
+            <a:endParaRPr kumimoji="1" lang="zh-CN" altLang="en-US"/>
+          </a:p>
+        </p:txBody>
+      </p:sp>
+      <p:sp>
+        <p:nvSpPr>
+          <p:cNvPr id="101" name="椭圆 100"/>
+          <p:cNvSpPr/>
+          <p:nvPr/>
+        </p:nvSpPr>
+        <p:spPr>
+          <a:xfrm>
+            <a:off x="21824689" y="21178303"/>
+            <a:ext cx="712419" cy="712419"/>
+          </a:xfrm>
+          <a:prstGeom prst="ellipse">
+            <a:avLst/>
+          </a:prstGeom>
+          <a:solidFill>
+            <a:srgbClr val="9BBB59"/>
+          </a:solidFill>
+        </p:spPr>
+        <p:style>
+          <a:lnRef idx="1">
+            <a:schemeClr val="accent1"/>
+          </a:lnRef>
+          <a:fillRef idx="3">
+            <a:schemeClr val="accent1"/>
+          </a:fillRef>
+          <a:effectRef idx="2">
+            <a:schemeClr val="accent1"/>
+          </a:effectRef>
+          <a:fontRef idx="minor">
+            <a:schemeClr val="lt1"/>
+          </a:fontRef>
+        </p:style>
+        <p:txBody>
+          <a:bodyPr rtlCol="0" anchor="ctr"/>
+          <a:lstStyle/>
+          <a:p>
+            <a:pPr algn="ctr"/>
+            <a:endParaRPr kumimoji="1" lang="zh-CN" altLang="en-US"/>
+          </a:p>
+        </p:txBody>
+      </p:sp>
+      <p:sp>
+        <p:nvSpPr>
+          <p:cNvPr id="102" name="椭圆 101"/>
+          <p:cNvSpPr/>
+          <p:nvPr/>
+        </p:nvSpPr>
+        <p:spPr>
+          <a:xfrm>
+            <a:off x="23249527" y="21178303"/>
+            <a:ext cx="712419" cy="712419"/>
+          </a:xfrm>
+          <a:prstGeom prst="ellipse">
+            <a:avLst/>
+          </a:prstGeom>
+          <a:solidFill>
+            <a:srgbClr val="9BBB59"/>
+          </a:solidFill>
+        </p:spPr>
+        <p:style>
+          <a:lnRef idx="1">
+            <a:schemeClr val="accent1"/>
+          </a:lnRef>
+          <a:fillRef idx="3">
+            <a:schemeClr val="accent1"/>
+          </a:fillRef>
+          <a:effectRef idx="2">
+            <a:schemeClr val="accent1"/>
+          </a:effectRef>
+          <a:fontRef idx="minor">
+            <a:schemeClr val="lt1"/>
+          </a:fontRef>
+        </p:style>
+        <p:txBody>
+          <a:bodyPr rtlCol="0" anchor="ctr"/>
+          <a:lstStyle/>
+          <a:p>
+            <a:pPr algn="ctr"/>
+            <a:endParaRPr kumimoji="1" lang="zh-CN" altLang="en-US"/>
+          </a:p>
+        </p:txBody>
+      </p:sp>
+      <p:sp>
+        <p:nvSpPr>
+          <p:cNvPr id="103" name="椭圆 102"/>
+          <p:cNvSpPr/>
+          <p:nvPr/>
+        </p:nvSpPr>
+        <p:spPr>
+          <a:xfrm>
+            <a:off x="22537108" y="21178303"/>
+            <a:ext cx="712419" cy="712419"/>
+          </a:xfrm>
+          <a:prstGeom prst="ellipse">
+            <a:avLst/>
+          </a:prstGeom>
+          <a:solidFill>
+            <a:srgbClr val="9BBB59"/>
+          </a:solidFill>
+        </p:spPr>
+        <p:style>
+          <a:lnRef idx="1">
+            <a:schemeClr val="accent1"/>
+          </a:lnRef>
+          <a:fillRef idx="3">
+            <a:schemeClr val="accent1"/>
+          </a:fillRef>
+          <a:effectRef idx="2">
+            <a:schemeClr val="accent1"/>
+          </a:effectRef>
+          <a:fontRef idx="minor">
+            <a:schemeClr val="lt1"/>
+          </a:fontRef>
+        </p:style>
+        <p:txBody>
+          <a:bodyPr rtlCol="0" anchor="ctr"/>
+          <a:lstStyle/>
+          <a:p>
+            <a:pPr algn="ctr"/>
+            <a:endParaRPr kumimoji="1" lang="zh-CN" altLang="en-US"/>
+          </a:p>
+        </p:txBody>
+      </p:sp>
+      <p:sp>
+        <p:nvSpPr>
+          <p:cNvPr id="104" name="椭圆 103"/>
+          <p:cNvSpPr/>
+          <p:nvPr/>
+        </p:nvSpPr>
+        <p:spPr>
+          <a:xfrm>
+            <a:off x="25446315" y="21178303"/>
+            <a:ext cx="712419" cy="712419"/>
+          </a:xfrm>
+          <a:prstGeom prst="ellipse">
+            <a:avLst/>
+          </a:prstGeom>
+          <a:solidFill>
+            <a:srgbClr val="9BBB59"/>
+          </a:solidFill>
+        </p:spPr>
+        <p:style>
+          <a:lnRef idx="1">
+            <a:schemeClr val="accent1"/>
+          </a:lnRef>
+          <a:fillRef idx="3">
+            <a:schemeClr val="accent1"/>
+          </a:fillRef>
+          <a:effectRef idx="2">
+            <a:schemeClr val="accent1"/>
+          </a:effectRef>
+          <a:fontRef idx="minor">
+            <a:schemeClr val="lt1"/>
+          </a:fontRef>
+        </p:style>
+        <p:txBody>
+          <a:bodyPr rtlCol="0" anchor="ctr"/>
+          <a:lstStyle/>
+          <a:p>
+            <a:pPr algn="ctr"/>
+            <a:endParaRPr kumimoji="1" lang="zh-CN" altLang="en-US"/>
+          </a:p>
+        </p:txBody>
+      </p:sp>
+      <p:sp>
+        <p:nvSpPr>
+          <p:cNvPr id="105" name="椭圆 104"/>
+          <p:cNvSpPr/>
+          <p:nvPr/>
+        </p:nvSpPr>
+        <p:spPr>
+          <a:xfrm>
+            <a:off x="26158734" y="21178303"/>
+            <a:ext cx="712419" cy="712419"/>
+          </a:xfrm>
+          <a:prstGeom prst="ellipse">
+            <a:avLst/>
+          </a:prstGeom>
+          <a:solidFill>
+            <a:srgbClr val="9BBB59"/>
+          </a:solidFill>
+        </p:spPr>
+        <p:style>
+          <a:lnRef idx="1">
+            <a:schemeClr val="accent1"/>
+          </a:lnRef>
+          <a:fillRef idx="3">
+            <a:schemeClr val="accent1"/>
+          </a:fillRef>
+          <a:effectRef idx="2">
+            <a:schemeClr val="accent1"/>
+          </a:effectRef>
+          <a:fontRef idx="minor">
+            <a:schemeClr val="lt1"/>
+          </a:fontRef>
+        </p:style>
+        <p:txBody>
+          <a:bodyPr rtlCol="0" anchor="ctr"/>
+          <a:lstStyle/>
+          <a:p>
+            <a:pPr algn="ctr"/>
+            <a:endParaRPr kumimoji="1" lang="zh-CN" altLang="en-US"/>
+          </a:p>
+        </p:txBody>
+      </p:sp>
+      <p:sp>
+        <p:nvSpPr>
+          <p:cNvPr id="106" name="椭圆 105"/>
+          <p:cNvSpPr/>
+          <p:nvPr/>
+        </p:nvSpPr>
+        <p:spPr>
+          <a:xfrm>
+            <a:off x="27583572" y="21178303"/>
+            <a:ext cx="712419" cy="712419"/>
+          </a:xfrm>
+          <a:prstGeom prst="ellipse">
+            <a:avLst/>
+          </a:prstGeom>
+          <a:solidFill>
+            <a:srgbClr val="9BBB59"/>
+          </a:solidFill>
+        </p:spPr>
+        <p:style>
+          <a:lnRef idx="1">
+            <a:schemeClr val="accent1"/>
+          </a:lnRef>
+          <a:fillRef idx="3">
+            <a:schemeClr val="accent1"/>
+          </a:fillRef>
+          <a:effectRef idx="2">
+            <a:schemeClr val="accent1"/>
+          </a:effectRef>
+          <a:fontRef idx="minor">
+            <a:schemeClr val="lt1"/>
+          </a:fontRef>
+        </p:style>
+        <p:txBody>
+          <a:bodyPr rtlCol="0" anchor="ctr"/>
+          <a:lstStyle/>
+          <a:p>
+            <a:pPr algn="ctr"/>
+            <a:endParaRPr kumimoji="1" lang="zh-CN" altLang="en-US"/>
+          </a:p>
+        </p:txBody>
+      </p:sp>
+      <p:sp>
+        <p:nvSpPr>
+          <p:cNvPr id="107" name="椭圆 106"/>
+          <p:cNvSpPr/>
+          <p:nvPr/>
+        </p:nvSpPr>
+        <p:spPr>
+          <a:xfrm>
+            <a:off x="26871153" y="21178303"/>
+            <a:ext cx="712419" cy="712419"/>
+          </a:xfrm>
+          <a:prstGeom prst="ellipse">
+            <a:avLst/>
+          </a:prstGeom>
+          <a:solidFill>
+            <a:srgbClr val="9BBB59"/>
+          </a:solidFill>
+        </p:spPr>
+        <p:style>
+          <a:lnRef idx="1">
+            <a:schemeClr val="accent1"/>
+          </a:lnRef>
+          <a:fillRef idx="3">
+            <a:schemeClr val="accent1"/>
+          </a:fillRef>
+          <a:effectRef idx="2">
+            <a:schemeClr val="accent1"/>
+          </a:effectRef>
+          <a:fontRef idx="minor">
+            <a:schemeClr val="lt1"/>
+          </a:fontRef>
+        </p:style>
+        <p:txBody>
+          <a:bodyPr rtlCol="0" anchor="ctr"/>
+          <a:lstStyle/>
+          <a:p>
+            <a:pPr algn="ctr"/>
+            <a:endParaRPr kumimoji="1" lang="zh-CN" altLang="en-US"/>
+          </a:p>
+        </p:txBody>
+      </p:sp>
+      <p:sp>
+        <p:nvSpPr>
+          <p:cNvPr id="108" name="文本框 107"/>
+          <p:cNvSpPr txBox="1"/>
+          <p:nvPr/>
+        </p:nvSpPr>
+        <p:spPr>
+          <a:xfrm>
+            <a:off x="24276716" y="20578138"/>
+            <a:ext cx="822160" cy="1200329"/>
+          </a:xfrm>
+          <a:prstGeom prst="rect">
+            <a:avLst/>
+          </a:prstGeom>
+          <a:noFill/>
+        </p:spPr>
+        <p:txBody>
+          <a:bodyPr wrap="none" rtlCol="0">
+            <a:spAutoFit/>
+          </a:bodyPr>
+          <a:lstStyle/>
+          <a:p>
+            <a:r>
+              <a:rPr kumimoji="1" lang="is-IS" altLang="zh-CN" dirty="0" smtClean="0"/>
+              <a:t>…</a:t>
+            </a:r>
+            <a:endParaRPr kumimoji="1" lang="zh-CN" altLang="en-US" dirty="0"/>
+          </a:p>
+        </p:txBody>
+      </p:sp>
+      <p:sp>
+        <p:nvSpPr>
+          <p:cNvPr id="109" name="左大括号 108"/>
+          <p:cNvSpPr/>
+          <p:nvPr/>
+        </p:nvSpPr>
+        <p:spPr>
+          <a:xfrm rot="5400000">
+            <a:off x="24301453" y="16986279"/>
+            <a:ext cx="805354" cy="7183720"/>
+          </a:xfrm>
+          <a:prstGeom prst="leftBrace">
+            <a:avLst>
+              <a:gd name="adj1" fmla="val 12179"/>
+              <a:gd name="adj2" fmla="val 50000"/>
+            </a:avLst>
+          </a:prstGeom>
+        </p:spPr>
+        <p:style>
+          <a:lnRef idx="2">
+            <a:schemeClr val="accent1"/>
+          </a:lnRef>
+          <a:fillRef idx="0">
+            <a:schemeClr val="accent1"/>
+          </a:fillRef>
+          <a:effectRef idx="1">
+            <a:schemeClr val="accent1"/>
+          </a:effectRef>
+          <a:fontRef idx="minor">
+            <a:schemeClr val="tx1"/>
+          </a:fontRef>
+        </p:style>
+        <p:txBody>
+          <a:bodyPr rtlCol="0" anchor="ctr"/>
+          <a:lstStyle/>
+          <a:p>
+            <a:pPr algn="ctr"/>
+            <a:endParaRPr kumimoji="1" lang="zh-CN" altLang="en-US"/>
+          </a:p>
+        </p:txBody>
+      </p:sp>
+      <p:sp>
+        <p:nvSpPr>
+          <p:cNvPr id="110" name="文本框 109"/>
+          <p:cNvSpPr txBox="1"/>
+          <p:nvPr/>
+        </p:nvSpPr>
+        <p:spPr>
+          <a:xfrm>
+            <a:off x="23249527" y="19498945"/>
+            <a:ext cx="2915857" cy="769441"/>
+          </a:xfrm>
+          <a:prstGeom prst="rect">
+            <a:avLst/>
+          </a:prstGeom>
+          <a:noFill/>
+        </p:spPr>
+        <p:txBody>
+          <a:bodyPr wrap="none" rtlCol="0">
+            <a:spAutoFit/>
+          </a:bodyPr>
+          <a:lstStyle/>
+          <a:p>
+            <a:r>
+              <a:rPr kumimoji="1" lang="en-US" altLang="zh-CN" sz="4400" dirty="0" smtClean="0"/>
+              <a:t>1024</a:t>
+            </a:r>
+            <a:r>
+              <a:rPr kumimoji="1" lang="zh-CN" altLang="en-US" sz="4400" dirty="0" smtClean="0"/>
+              <a:t> </a:t>
+            </a:r>
+            <a:r>
+              <a:rPr kumimoji="1" lang="en-US" altLang="zh-CN" sz="4400" dirty="0" smtClean="0"/>
+              <a:t>Nodes</a:t>
+            </a:r>
+            <a:endParaRPr kumimoji="1" lang="zh-CN" altLang="en-US" sz="4400" dirty="0"/>
+          </a:p>
+        </p:txBody>
+      </p:sp>
+      <p:sp>
+        <p:nvSpPr>
+          <p:cNvPr id="122" name="椭圆 121"/>
+          <p:cNvSpPr/>
+          <p:nvPr/>
+        </p:nvSpPr>
+        <p:spPr>
+          <a:xfrm>
+            <a:off x="21264670" y="18695253"/>
+            <a:ext cx="712419" cy="712419"/>
+          </a:xfrm>
+          <a:prstGeom prst="ellipse">
+            <a:avLst/>
+          </a:prstGeom>
+          <a:solidFill>
+            <a:srgbClr val="9BBB59"/>
+          </a:solidFill>
+        </p:spPr>
+        <p:style>
+          <a:lnRef idx="1">
+            <a:schemeClr val="accent1"/>
+          </a:lnRef>
+          <a:fillRef idx="3">
+            <a:schemeClr val="accent1"/>
+          </a:fillRef>
+          <a:effectRef idx="2">
+            <a:schemeClr val="accent1"/>
+          </a:effectRef>
+          <a:fontRef idx="minor">
+            <a:schemeClr val="lt1"/>
+          </a:fontRef>
+        </p:style>
+        <p:txBody>
+          <a:bodyPr rtlCol="0" anchor="ctr"/>
+          <a:lstStyle/>
+          <a:p>
+            <a:pPr algn="ctr"/>
+            <a:endParaRPr kumimoji="1" lang="zh-CN" altLang="en-US"/>
+          </a:p>
+        </p:txBody>
+      </p:sp>
+      <p:sp>
+        <p:nvSpPr>
+          <p:cNvPr id="123" name="椭圆 122"/>
+          <p:cNvSpPr/>
+          <p:nvPr/>
+        </p:nvSpPr>
+        <p:spPr>
+          <a:xfrm>
+            <a:off x="21977089" y="18695253"/>
+            <a:ext cx="712419" cy="712419"/>
+          </a:xfrm>
+          <a:prstGeom prst="ellipse">
+            <a:avLst/>
+          </a:prstGeom>
+          <a:solidFill>
+            <a:srgbClr val="9BBB59"/>
+          </a:solidFill>
+        </p:spPr>
+        <p:style>
+          <a:lnRef idx="1">
+            <a:schemeClr val="accent1"/>
+          </a:lnRef>
+          <a:fillRef idx="3">
+            <a:schemeClr val="accent1"/>
+          </a:fillRef>
+          <a:effectRef idx="2">
+            <a:schemeClr val="accent1"/>
+          </a:effectRef>
+          <a:fontRef idx="minor">
+            <a:schemeClr val="lt1"/>
+          </a:fontRef>
+        </p:style>
+        <p:txBody>
+          <a:bodyPr rtlCol="0" anchor="ctr"/>
+          <a:lstStyle/>
+          <a:p>
+            <a:pPr algn="ctr"/>
+            <a:endParaRPr kumimoji="1" lang="zh-CN" altLang="en-US"/>
+          </a:p>
+        </p:txBody>
+      </p:sp>
+      <p:sp>
+        <p:nvSpPr>
+          <p:cNvPr id="124" name="椭圆 123"/>
+          <p:cNvSpPr/>
+          <p:nvPr/>
+        </p:nvSpPr>
+        <p:spPr>
+          <a:xfrm>
+            <a:off x="23401927" y="18695253"/>
+            <a:ext cx="712419" cy="712419"/>
+          </a:xfrm>
+          <a:prstGeom prst="ellipse">
+            <a:avLst/>
+          </a:prstGeom>
+          <a:solidFill>
+            <a:srgbClr val="9BBB59"/>
+          </a:solidFill>
+        </p:spPr>
+        <p:style>
+          <a:lnRef idx="1">
+            <a:schemeClr val="accent1"/>
+          </a:lnRef>
+          <a:fillRef idx="3">
+            <a:schemeClr val="accent1"/>
+          </a:fillRef>
+          <a:effectRef idx="2">
+            <a:schemeClr val="accent1"/>
+          </a:effectRef>
+          <a:fontRef idx="minor">
+            <a:schemeClr val="lt1"/>
+          </a:fontRef>
+        </p:style>
+        <p:txBody>
+          <a:bodyPr rtlCol="0" anchor="ctr"/>
+          <a:lstStyle/>
+          <a:p>
+            <a:pPr algn="ctr"/>
+            <a:endParaRPr kumimoji="1" lang="zh-CN" altLang="en-US"/>
+          </a:p>
+        </p:txBody>
+      </p:sp>
+      <p:sp>
+        <p:nvSpPr>
+          <p:cNvPr id="125" name="椭圆 124"/>
+          <p:cNvSpPr/>
+          <p:nvPr/>
+        </p:nvSpPr>
+        <p:spPr>
+          <a:xfrm>
+            <a:off x="22689508" y="18695253"/>
+            <a:ext cx="712419" cy="712419"/>
+          </a:xfrm>
+          <a:prstGeom prst="ellipse">
+            <a:avLst/>
+          </a:prstGeom>
+          <a:solidFill>
+            <a:srgbClr val="9BBB59"/>
+          </a:solidFill>
+        </p:spPr>
+        <p:style>
+          <a:lnRef idx="1">
+            <a:schemeClr val="accent1"/>
+          </a:lnRef>
+          <a:fillRef idx="3">
+            <a:schemeClr val="accent1"/>
+          </a:fillRef>
+          <a:effectRef idx="2">
+            <a:schemeClr val="accent1"/>
+          </a:effectRef>
+          <a:fontRef idx="minor">
+            <a:schemeClr val="lt1"/>
+          </a:fontRef>
+        </p:style>
+        <p:txBody>
+          <a:bodyPr rtlCol="0" anchor="ctr"/>
+          <a:lstStyle/>
+          <a:p>
+            <a:pPr algn="ctr"/>
+            <a:endParaRPr kumimoji="1" lang="zh-CN" altLang="en-US"/>
+          </a:p>
+        </p:txBody>
+      </p:sp>
+      <p:sp>
+        <p:nvSpPr>
+          <p:cNvPr id="126" name="椭圆 125"/>
+          <p:cNvSpPr/>
+          <p:nvPr/>
+        </p:nvSpPr>
+        <p:spPr>
+          <a:xfrm>
+            <a:off x="25598715" y="18695253"/>
+            <a:ext cx="712419" cy="712419"/>
+          </a:xfrm>
+          <a:prstGeom prst="ellipse">
+            <a:avLst/>
+          </a:prstGeom>
+          <a:solidFill>
+            <a:srgbClr val="9BBB59"/>
+          </a:solidFill>
+        </p:spPr>
+        <p:style>
+          <a:lnRef idx="1">
+            <a:schemeClr val="accent1"/>
+          </a:lnRef>
+          <a:fillRef idx="3">
+            <a:schemeClr val="accent1"/>
+          </a:fillRef>
+          <a:effectRef idx="2">
+            <a:schemeClr val="accent1"/>
+          </a:effectRef>
+          <a:fontRef idx="minor">
+            <a:schemeClr val="lt1"/>
+          </a:fontRef>
+        </p:style>
+        <p:txBody>
+          <a:bodyPr rtlCol="0" anchor="ctr"/>
+          <a:lstStyle/>
+          <a:p>
+            <a:pPr algn="ctr"/>
+            <a:endParaRPr kumimoji="1" lang="zh-CN" altLang="en-US"/>
+          </a:p>
+        </p:txBody>
+      </p:sp>
+      <p:sp>
+        <p:nvSpPr>
+          <p:cNvPr id="127" name="椭圆 126"/>
+          <p:cNvSpPr/>
+          <p:nvPr/>
+        </p:nvSpPr>
+        <p:spPr>
+          <a:xfrm>
+            <a:off x="26311134" y="18695253"/>
+            <a:ext cx="712419" cy="712419"/>
+          </a:xfrm>
+          <a:prstGeom prst="ellipse">
+            <a:avLst/>
+          </a:prstGeom>
+          <a:solidFill>
+            <a:srgbClr val="9BBB59"/>
+          </a:solidFill>
+        </p:spPr>
+        <p:style>
+          <a:lnRef idx="1">
+            <a:schemeClr val="accent1"/>
+          </a:lnRef>
+          <a:fillRef idx="3">
+            <a:schemeClr val="accent1"/>
+          </a:fillRef>
+          <a:effectRef idx="2">
+            <a:schemeClr val="accent1"/>
+          </a:effectRef>
+          <a:fontRef idx="minor">
+            <a:schemeClr val="lt1"/>
+          </a:fontRef>
+        </p:style>
+        <p:txBody>
+          <a:bodyPr rtlCol="0" anchor="ctr"/>
+          <a:lstStyle/>
+          <a:p>
+            <a:pPr algn="ctr"/>
+            <a:endParaRPr kumimoji="1" lang="zh-CN" altLang="en-US"/>
+          </a:p>
+        </p:txBody>
+      </p:sp>
+      <p:sp>
+        <p:nvSpPr>
+          <p:cNvPr id="128" name="椭圆 127"/>
+          <p:cNvSpPr/>
+          <p:nvPr/>
+        </p:nvSpPr>
+        <p:spPr>
+          <a:xfrm>
+            <a:off x="27735972" y="18695253"/>
+            <a:ext cx="712419" cy="712419"/>
+          </a:xfrm>
+          <a:prstGeom prst="ellipse">
+            <a:avLst/>
+          </a:prstGeom>
+          <a:solidFill>
+            <a:srgbClr val="9BBB59"/>
+          </a:solidFill>
+        </p:spPr>
+        <p:style>
+          <a:lnRef idx="1">
+            <a:schemeClr val="accent1"/>
+          </a:lnRef>
+          <a:fillRef idx="3">
+            <a:schemeClr val="accent1"/>
+          </a:fillRef>
+          <a:effectRef idx="2">
+            <a:schemeClr val="accent1"/>
+          </a:effectRef>
+          <a:fontRef idx="minor">
+            <a:schemeClr val="lt1"/>
+          </a:fontRef>
+        </p:style>
+        <p:txBody>
+          <a:bodyPr rtlCol="0" anchor="ctr"/>
+          <a:lstStyle/>
+          <a:p>
+            <a:pPr algn="ctr"/>
+            <a:endParaRPr kumimoji="1" lang="zh-CN" altLang="en-US"/>
+          </a:p>
+        </p:txBody>
+      </p:sp>
+      <p:sp>
+        <p:nvSpPr>
+          <p:cNvPr id="129" name="椭圆 128"/>
+          <p:cNvSpPr/>
+          <p:nvPr/>
+        </p:nvSpPr>
+        <p:spPr>
+          <a:xfrm>
+            <a:off x="27023553" y="18695253"/>
+            <a:ext cx="712419" cy="712419"/>
+          </a:xfrm>
+          <a:prstGeom prst="ellipse">
+            <a:avLst/>
+          </a:prstGeom>
+          <a:solidFill>
+            <a:srgbClr val="9BBB59"/>
+          </a:solidFill>
+        </p:spPr>
+        <p:style>
+          <a:lnRef idx="1">
+            <a:schemeClr val="accent1"/>
+          </a:lnRef>
+          <a:fillRef idx="3">
+            <a:schemeClr val="accent1"/>
+          </a:fillRef>
+          <a:effectRef idx="2">
+            <a:schemeClr val="accent1"/>
+          </a:effectRef>
+          <a:fontRef idx="minor">
+            <a:schemeClr val="lt1"/>
+          </a:fontRef>
+        </p:style>
+        <p:txBody>
+          <a:bodyPr rtlCol="0" anchor="ctr"/>
+          <a:lstStyle/>
+          <a:p>
+            <a:pPr algn="ctr"/>
+            <a:endParaRPr kumimoji="1" lang="zh-CN" altLang="en-US"/>
+          </a:p>
+        </p:txBody>
+      </p:sp>
+      <p:sp>
+        <p:nvSpPr>
+          <p:cNvPr id="130" name="文本框 129"/>
+          <p:cNvSpPr txBox="1"/>
+          <p:nvPr/>
+        </p:nvSpPr>
+        <p:spPr>
+          <a:xfrm>
+            <a:off x="24429116" y="18095088"/>
+            <a:ext cx="822160" cy="1200329"/>
+          </a:xfrm>
+          <a:prstGeom prst="rect">
+            <a:avLst/>
+          </a:prstGeom>
+          <a:noFill/>
+        </p:spPr>
+        <p:txBody>
+          <a:bodyPr wrap="none" rtlCol="0">
+            <a:spAutoFit/>
+          </a:bodyPr>
+          <a:lstStyle/>
+          <a:p>
+            <a:r>
+              <a:rPr kumimoji="1" lang="is-IS" altLang="zh-CN" dirty="0" smtClean="0"/>
+              <a:t>…</a:t>
+            </a:r>
+            <a:endParaRPr kumimoji="1" lang="zh-CN" altLang="en-US" dirty="0"/>
+          </a:p>
+        </p:txBody>
+      </p:sp>
+      <p:sp>
+        <p:nvSpPr>
+          <p:cNvPr id="131" name="左大括号 130"/>
+          <p:cNvSpPr/>
+          <p:nvPr/>
+        </p:nvSpPr>
+        <p:spPr>
+          <a:xfrm rot="5400000">
+            <a:off x="24453853" y="14503229"/>
+            <a:ext cx="805354" cy="7183720"/>
+          </a:xfrm>
+          <a:prstGeom prst="leftBrace">
+            <a:avLst>
+              <a:gd name="adj1" fmla="val 12179"/>
+              <a:gd name="adj2" fmla="val 50000"/>
+            </a:avLst>
+          </a:prstGeom>
+        </p:spPr>
+        <p:style>
+          <a:lnRef idx="2">
+            <a:schemeClr val="accent1"/>
+          </a:lnRef>
+          <a:fillRef idx="0">
+            <a:schemeClr val="accent1"/>
+          </a:fillRef>
+          <a:effectRef idx="1">
+            <a:schemeClr val="accent1"/>
+          </a:effectRef>
+          <a:fontRef idx="minor">
+            <a:schemeClr val="tx1"/>
+          </a:fontRef>
+        </p:style>
+        <p:txBody>
+          <a:bodyPr rtlCol="0" anchor="ctr"/>
+          <a:lstStyle/>
+          <a:p>
+            <a:pPr algn="ctr"/>
+            <a:endParaRPr kumimoji="1" lang="zh-CN" altLang="en-US"/>
+          </a:p>
+        </p:txBody>
+      </p:sp>
+      <p:sp>
+        <p:nvSpPr>
+          <p:cNvPr id="132" name="文本框 131"/>
+          <p:cNvSpPr txBox="1"/>
+          <p:nvPr/>
+        </p:nvSpPr>
+        <p:spPr>
+          <a:xfrm>
+            <a:off x="23401927" y="17015895"/>
+            <a:ext cx="2915857" cy="769441"/>
+          </a:xfrm>
+          <a:prstGeom prst="rect">
+            <a:avLst/>
+          </a:prstGeom>
+          <a:noFill/>
+        </p:spPr>
+        <p:txBody>
+          <a:bodyPr wrap="none" rtlCol="0">
+            <a:spAutoFit/>
+          </a:bodyPr>
+          <a:lstStyle/>
+          <a:p>
+            <a:r>
+              <a:rPr kumimoji="1" lang="en-US" altLang="zh-CN" sz="4400" dirty="0" smtClean="0"/>
+              <a:t>1024</a:t>
+            </a:r>
+            <a:r>
+              <a:rPr kumimoji="1" lang="zh-CN" altLang="en-US" sz="4400" dirty="0" smtClean="0"/>
+              <a:t> </a:t>
+            </a:r>
+            <a:r>
+              <a:rPr kumimoji="1" lang="en-US" altLang="zh-CN" sz="4400" dirty="0" smtClean="0"/>
+              <a:t>Nodes</a:t>
+            </a:r>
+            <a:endParaRPr kumimoji="1" lang="zh-CN" altLang="en-US" sz="4400" dirty="0"/>
+          </a:p>
+        </p:txBody>
+      </p:sp>
+      <p:sp>
+        <p:nvSpPr>
+          <p:cNvPr id="133" name="椭圆 132"/>
+          <p:cNvSpPr/>
+          <p:nvPr/>
+        </p:nvSpPr>
+        <p:spPr>
+          <a:xfrm>
+            <a:off x="21112271" y="16299016"/>
+            <a:ext cx="712419" cy="712419"/>
+          </a:xfrm>
+          <a:prstGeom prst="ellipse">
+            <a:avLst/>
+          </a:prstGeom>
+          <a:solidFill>
+            <a:srgbClr val="9BBB59"/>
+          </a:solidFill>
+        </p:spPr>
+        <p:style>
+          <a:lnRef idx="1">
+            <a:schemeClr val="accent1"/>
+          </a:lnRef>
+          <a:fillRef idx="3">
+            <a:schemeClr val="accent1"/>
+          </a:fillRef>
+          <a:effectRef idx="2">
+            <a:schemeClr val="accent1"/>
+          </a:effectRef>
+          <a:fontRef idx="minor">
+            <a:schemeClr val="lt1"/>
+          </a:fontRef>
+        </p:style>
+        <p:txBody>
+          <a:bodyPr rtlCol="0" anchor="ctr"/>
+          <a:lstStyle/>
+          <a:p>
+            <a:pPr algn="ctr"/>
+            <a:endParaRPr kumimoji="1" lang="zh-CN" altLang="en-US"/>
+          </a:p>
+        </p:txBody>
+      </p:sp>
+      <p:sp>
+        <p:nvSpPr>
+          <p:cNvPr id="134" name="椭圆 133"/>
+          <p:cNvSpPr/>
+          <p:nvPr/>
+        </p:nvSpPr>
+        <p:spPr>
+          <a:xfrm>
+            <a:off x="21824690" y="16299016"/>
+            <a:ext cx="712419" cy="712419"/>
+          </a:xfrm>
+          <a:prstGeom prst="ellipse">
+            <a:avLst/>
+          </a:prstGeom>
+          <a:solidFill>
+            <a:srgbClr val="9BBB59"/>
+          </a:solidFill>
+        </p:spPr>
+        <p:style>
+          <a:lnRef idx="1">
+            <a:schemeClr val="accent1"/>
+          </a:lnRef>
+          <a:fillRef idx="3">
+            <a:schemeClr val="accent1"/>
+          </a:fillRef>
+          <a:effectRef idx="2">
+            <a:schemeClr val="accent1"/>
+          </a:effectRef>
+          <a:fontRef idx="minor">
+            <a:schemeClr val="lt1"/>
+          </a:fontRef>
+        </p:style>
+        <p:txBody>
+          <a:bodyPr rtlCol="0" anchor="ctr"/>
+          <a:lstStyle/>
+          <a:p>
+            <a:pPr algn="ctr"/>
+            <a:endParaRPr kumimoji="1" lang="zh-CN" altLang="en-US"/>
+          </a:p>
+        </p:txBody>
+      </p:sp>
+      <p:sp>
+        <p:nvSpPr>
+          <p:cNvPr id="135" name="椭圆 134"/>
+          <p:cNvSpPr/>
+          <p:nvPr/>
+        </p:nvSpPr>
+        <p:spPr>
+          <a:xfrm>
+            <a:off x="23249528" y="16299016"/>
+            <a:ext cx="712419" cy="712419"/>
+          </a:xfrm>
+          <a:prstGeom prst="ellipse">
+            <a:avLst/>
+          </a:prstGeom>
+          <a:solidFill>
+            <a:srgbClr val="9BBB59"/>
+          </a:solidFill>
+        </p:spPr>
+        <p:style>
+          <a:lnRef idx="1">
+            <a:schemeClr val="accent1"/>
+          </a:lnRef>
+          <a:fillRef idx="3">
+            <a:schemeClr val="accent1"/>
+          </a:fillRef>
+          <a:effectRef idx="2">
+            <a:schemeClr val="accent1"/>
+          </a:effectRef>
+          <a:fontRef idx="minor">
+            <a:schemeClr val="lt1"/>
+          </a:fontRef>
+        </p:style>
+        <p:txBody>
+          <a:bodyPr rtlCol="0" anchor="ctr"/>
+          <a:lstStyle/>
+          <a:p>
+            <a:pPr algn="ctr"/>
+            <a:endParaRPr kumimoji="1" lang="zh-CN" altLang="en-US"/>
+          </a:p>
+        </p:txBody>
+      </p:sp>
+      <p:sp>
+        <p:nvSpPr>
+          <p:cNvPr id="136" name="椭圆 135"/>
+          <p:cNvSpPr/>
+          <p:nvPr/>
+        </p:nvSpPr>
+        <p:spPr>
+          <a:xfrm>
+            <a:off x="22537109" y="16299016"/>
+            <a:ext cx="712419" cy="712419"/>
+          </a:xfrm>
+          <a:prstGeom prst="ellipse">
+            <a:avLst/>
+          </a:prstGeom>
+          <a:solidFill>
+            <a:srgbClr val="9BBB59"/>
+          </a:solidFill>
+        </p:spPr>
+        <p:style>
+          <a:lnRef idx="1">
+            <a:schemeClr val="accent1"/>
+          </a:lnRef>
+          <a:fillRef idx="3">
+            <a:schemeClr val="accent1"/>
+          </a:fillRef>
+          <a:effectRef idx="2">
+            <a:schemeClr val="accent1"/>
+          </a:effectRef>
+          <a:fontRef idx="minor">
+            <a:schemeClr val="lt1"/>
+          </a:fontRef>
+        </p:style>
+        <p:txBody>
+          <a:bodyPr rtlCol="0" anchor="ctr"/>
+          <a:lstStyle/>
+          <a:p>
+            <a:pPr algn="ctr"/>
+            <a:endParaRPr kumimoji="1" lang="zh-CN" altLang="en-US"/>
+          </a:p>
+        </p:txBody>
+      </p:sp>
+      <p:sp>
+        <p:nvSpPr>
+          <p:cNvPr id="137" name="椭圆 136"/>
+          <p:cNvSpPr/>
+          <p:nvPr/>
+        </p:nvSpPr>
+        <p:spPr>
+          <a:xfrm>
+            <a:off x="25446316" y="16299016"/>
+            <a:ext cx="712419" cy="712419"/>
+          </a:xfrm>
+          <a:prstGeom prst="ellipse">
+            <a:avLst/>
+          </a:prstGeom>
+          <a:solidFill>
+            <a:srgbClr val="9BBB59"/>
+          </a:solidFill>
+        </p:spPr>
+        <p:style>
+          <a:lnRef idx="1">
+            <a:schemeClr val="accent1"/>
+          </a:lnRef>
+          <a:fillRef idx="3">
+            <a:schemeClr val="accent1"/>
+          </a:fillRef>
+          <a:effectRef idx="2">
+            <a:schemeClr val="accent1"/>
+          </a:effectRef>
+          <a:fontRef idx="minor">
+            <a:schemeClr val="lt1"/>
+          </a:fontRef>
+        </p:style>
+        <p:txBody>
+          <a:bodyPr rtlCol="0" anchor="ctr"/>
+          <a:lstStyle/>
+          <a:p>
+            <a:pPr algn="ctr"/>
+            <a:endParaRPr kumimoji="1" lang="zh-CN" altLang="en-US"/>
+          </a:p>
+        </p:txBody>
+      </p:sp>
+      <p:sp>
+        <p:nvSpPr>
+          <p:cNvPr id="138" name="椭圆 137"/>
+          <p:cNvSpPr/>
+          <p:nvPr/>
+        </p:nvSpPr>
+        <p:spPr>
+          <a:xfrm>
+            <a:off x="26158735" y="16299016"/>
+            <a:ext cx="712419" cy="712419"/>
+          </a:xfrm>
+          <a:prstGeom prst="ellipse">
+            <a:avLst/>
+          </a:prstGeom>
+          <a:solidFill>
+            <a:srgbClr val="9BBB59"/>
+          </a:solidFill>
+        </p:spPr>
+        <p:style>
+          <a:lnRef idx="1">
+            <a:schemeClr val="accent1"/>
+          </a:lnRef>
+          <a:fillRef idx="3">
+            <a:schemeClr val="accent1"/>
+          </a:fillRef>
+          <a:effectRef idx="2">
+            <a:schemeClr val="accent1"/>
+          </a:effectRef>
+          <a:fontRef idx="minor">
+            <a:schemeClr val="lt1"/>
+          </a:fontRef>
+        </p:style>
+        <p:txBody>
+          <a:bodyPr rtlCol="0" anchor="ctr"/>
+          <a:lstStyle/>
+          <a:p>
+            <a:pPr algn="ctr"/>
+            <a:endParaRPr kumimoji="1" lang="zh-CN" altLang="en-US"/>
+          </a:p>
+        </p:txBody>
+      </p:sp>
+      <p:sp>
+        <p:nvSpPr>
+          <p:cNvPr id="139" name="椭圆 138"/>
+          <p:cNvSpPr/>
+          <p:nvPr/>
+        </p:nvSpPr>
+        <p:spPr>
+          <a:xfrm>
+            <a:off x="27583573" y="16299016"/>
+            <a:ext cx="712419" cy="712419"/>
+          </a:xfrm>
+          <a:prstGeom prst="ellipse">
+            <a:avLst/>
+          </a:prstGeom>
+          <a:solidFill>
+            <a:srgbClr val="9BBB59"/>
+          </a:solidFill>
+        </p:spPr>
+        <p:style>
+          <a:lnRef idx="1">
+            <a:schemeClr val="accent1"/>
+          </a:lnRef>
+          <a:fillRef idx="3">
+            <a:schemeClr val="accent1"/>
+          </a:fillRef>
+          <a:effectRef idx="2">
+            <a:schemeClr val="accent1"/>
+          </a:effectRef>
+          <a:fontRef idx="minor">
+            <a:schemeClr val="lt1"/>
+          </a:fontRef>
+        </p:style>
+        <p:txBody>
+          <a:bodyPr rtlCol="0" anchor="ctr"/>
+          <a:lstStyle/>
+          <a:p>
+            <a:pPr algn="ctr"/>
+            <a:endParaRPr kumimoji="1" lang="zh-CN" altLang="en-US"/>
+          </a:p>
+        </p:txBody>
+      </p:sp>
+      <p:sp>
+        <p:nvSpPr>
+          <p:cNvPr id="140" name="椭圆 139"/>
+          <p:cNvSpPr/>
+          <p:nvPr/>
+        </p:nvSpPr>
+        <p:spPr>
+          <a:xfrm>
+            <a:off x="26871154" y="16299016"/>
+            <a:ext cx="712419" cy="712419"/>
+          </a:xfrm>
+          <a:prstGeom prst="ellipse">
+            <a:avLst/>
+          </a:prstGeom>
+          <a:solidFill>
+            <a:srgbClr val="9BBB59"/>
+          </a:solidFill>
+        </p:spPr>
+        <p:style>
+          <a:lnRef idx="1">
+            <a:schemeClr val="accent1"/>
+          </a:lnRef>
+          <a:fillRef idx="3">
+            <a:schemeClr val="accent1"/>
+          </a:fillRef>
+          <a:effectRef idx="2">
+            <a:schemeClr val="accent1"/>
+          </a:effectRef>
+          <a:fontRef idx="minor">
+            <a:schemeClr val="lt1"/>
+          </a:fontRef>
+        </p:style>
+        <p:txBody>
+          <a:bodyPr rtlCol="0" anchor="ctr"/>
+          <a:lstStyle/>
+          <a:p>
+            <a:pPr algn="ctr"/>
+            <a:endParaRPr kumimoji="1" lang="zh-CN" altLang="en-US"/>
+          </a:p>
+        </p:txBody>
+      </p:sp>
+      <p:sp>
+        <p:nvSpPr>
+          <p:cNvPr id="141" name="文本框 140"/>
+          <p:cNvSpPr txBox="1"/>
+          <p:nvPr/>
+        </p:nvSpPr>
+        <p:spPr>
+          <a:xfrm>
+            <a:off x="24276717" y="15698851"/>
+            <a:ext cx="822160" cy="1200329"/>
+          </a:xfrm>
+          <a:prstGeom prst="rect">
+            <a:avLst/>
+          </a:prstGeom>
+          <a:noFill/>
+        </p:spPr>
+        <p:txBody>
+          <a:bodyPr wrap="none" rtlCol="0">
+            <a:spAutoFit/>
+          </a:bodyPr>
+          <a:lstStyle/>
+          <a:p>
+            <a:r>
+              <a:rPr kumimoji="1" lang="is-IS" altLang="zh-CN" dirty="0" smtClean="0"/>
+              <a:t>…</a:t>
+            </a:r>
+            <a:endParaRPr kumimoji="1" lang="zh-CN" altLang="en-US" dirty="0"/>
+          </a:p>
+        </p:txBody>
+      </p:sp>
+      <p:sp>
+        <p:nvSpPr>
+          <p:cNvPr id="142" name="左大括号 141"/>
+          <p:cNvSpPr/>
+          <p:nvPr/>
+        </p:nvSpPr>
+        <p:spPr>
+          <a:xfrm rot="5400000">
+            <a:off x="24301454" y="12106992"/>
+            <a:ext cx="805354" cy="7183720"/>
+          </a:xfrm>
+          <a:prstGeom prst="leftBrace">
+            <a:avLst>
+              <a:gd name="adj1" fmla="val 12179"/>
+              <a:gd name="adj2" fmla="val 50000"/>
+            </a:avLst>
+          </a:prstGeom>
+        </p:spPr>
+        <p:style>
+          <a:lnRef idx="2">
+            <a:schemeClr val="accent1"/>
+          </a:lnRef>
+          <a:fillRef idx="0">
+            <a:schemeClr val="accent1"/>
+          </a:fillRef>
+          <a:effectRef idx="1">
+            <a:schemeClr val="accent1"/>
+          </a:effectRef>
+          <a:fontRef idx="minor">
+            <a:schemeClr val="tx1"/>
+          </a:fontRef>
+        </p:style>
+        <p:txBody>
+          <a:bodyPr rtlCol="0" anchor="ctr"/>
+          <a:lstStyle/>
+          <a:p>
+            <a:pPr algn="ctr"/>
+            <a:endParaRPr kumimoji="1" lang="zh-CN" altLang="en-US"/>
+          </a:p>
+        </p:txBody>
+      </p:sp>
+      <p:sp>
+        <p:nvSpPr>
+          <p:cNvPr id="143" name="文本框 142"/>
+          <p:cNvSpPr txBox="1"/>
+          <p:nvPr/>
+        </p:nvSpPr>
+        <p:spPr>
+          <a:xfrm>
+            <a:off x="23249528" y="14619658"/>
+            <a:ext cx="2915857" cy="769441"/>
+          </a:xfrm>
+          <a:prstGeom prst="rect">
+            <a:avLst/>
+          </a:prstGeom>
+          <a:noFill/>
+        </p:spPr>
+        <p:txBody>
+          <a:bodyPr wrap="none" rtlCol="0">
+            <a:spAutoFit/>
+          </a:bodyPr>
+          <a:lstStyle/>
+          <a:p>
+            <a:r>
+              <a:rPr kumimoji="1" lang="en-US" altLang="zh-CN" sz="4400" dirty="0" smtClean="0"/>
+              <a:t>1024</a:t>
+            </a:r>
+            <a:r>
+              <a:rPr kumimoji="1" lang="zh-CN" altLang="en-US" sz="4400" dirty="0" smtClean="0"/>
+              <a:t> </a:t>
+            </a:r>
+            <a:r>
+              <a:rPr kumimoji="1" lang="en-US" altLang="zh-CN" sz="4400" dirty="0" smtClean="0"/>
+              <a:t>Nodes</a:t>
+            </a:r>
+            <a:endParaRPr kumimoji="1" lang="zh-CN" altLang="en-US" sz="4400" dirty="0"/>
+          </a:p>
+        </p:txBody>
+      </p:sp>
+      <p:sp>
+        <p:nvSpPr>
+          <p:cNvPr id="155" name="椭圆 154"/>
+          <p:cNvSpPr/>
+          <p:nvPr/>
+        </p:nvSpPr>
+        <p:spPr>
+          <a:xfrm>
+            <a:off x="21112270" y="13923199"/>
+            <a:ext cx="712419" cy="712419"/>
+          </a:xfrm>
+          <a:prstGeom prst="ellipse">
+            <a:avLst/>
+          </a:prstGeom>
+          <a:solidFill>
+            <a:srgbClr val="9BBB59"/>
+          </a:solidFill>
+        </p:spPr>
+        <p:style>
+          <a:lnRef idx="1">
+            <a:schemeClr val="accent1"/>
+          </a:lnRef>
+          <a:fillRef idx="3">
+            <a:schemeClr val="accent1"/>
+          </a:fillRef>
+          <a:effectRef idx="2">
+            <a:schemeClr val="accent1"/>
+          </a:effectRef>
+          <a:fontRef idx="minor">
+            <a:schemeClr val="lt1"/>
+          </a:fontRef>
+        </p:style>
+        <p:txBody>
+          <a:bodyPr rtlCol="0" anchor="ctr"/>
+          <a:lstStyle/>
+          <a:p>
+            <a:pPr algn="ctr"/>
+            <a:endParaRPr kumimoji="1" lang="zh-CN" altLang="en-US"/>
+          </a:p>
+        </p:txBody>
+      </p:sp>
+      <p:sp>
+        <p:nvSpPr>
+          <p:cNvPr id="156" name="椭圆 155"/>
+          <p:cNvSpPr/>
+          <p:nvPr/>
+        </p:nvSpPr>
+        <p:spPr>
+          <a:xfrm>
+            <a:off x="21824689" y="13923199"/>
+            <a:ext cx="712419" cy="712419"/>
+          </a:xfrm>
+          <a:prstGeom prst="ellipse">
+            <a:avLst/>
+          </a:prstGeom>
+          <a:solidFill>
+            <a:srgbClr val="9BBB59"/>
+          </a:solidFill>
+        </p:spPr>
+        <p:style>
+          <a:lnRef idx="1">
+            <a:schemeClr val="accent1"/>
+          </a:lnRef>
+          <a:fillRef idx="3">
+            <a:schemeClr val="accent1"/>
+          </a:fillRef>
+          <a:effectRef idx="2">
+            <a:schemeClr val="accent1"/>
+          </a:effectRef>
+          <a:fontRef idx="minor">
+            <a:schemeClr val="lt1"/>
+          </a:fontRef>
+        </p:style>
+        <p:txBody>
+          <a:bodyPr rtlCol="0" anchor="ctr"/>
+          <a:lstStyle/>
+          <a:p>
+            <a:pPr algn="ctr"/>
+            <a:endParaRPr kumimoji="1" lang="zh-CN" altLang="en-US"/>
+          </a:p>
+        </p:txBody>
+      </p:sp>
+      <p:sp>
+        <p:nvSpPr>
+          <p:cNvPr id="157" name="椭圆 156"/>
+          <p:cNvSpPr/>
+          <p:nvPr/>
+        </p:nvSpPr>
+        <p:spPr>
+          <a:xfrm>
+            <a:off x="23249527" y="13923199"/>
+            <a:ext cx="712419" cy="712419"/>
+          </a:xfrm>
+          <a:prstGeom prst="ellipse">
+            <a:avLst/>
+          </a:prstGeom>
+          <a:solidFill>
+            <a:srgbClr val="9BBB59"/>
+          </a:solidFill>
+        </p:spPr>
+        <p:style>
+          <a:lnRef idx="1">
+            <a:schemeClr val="accent1"/>
+          </a:lnRef>
+          <a:fillRef idx="3">
+            <a:schemeClr val="accent1"/>
+          </a:fillRef>
+          <a:effectRef idx="2">
+            <a:schemeClr val="accent1"/>
+          </a:effectRef>
+          <a:fontRef idx="minor">
+            <a:schemeClr val="lt1"/>
+          </a:fontRef>
+        </p:style>
+        <p:txBody>
+          <a:bodyPr rtlCol="0" anchor="ctr"/>
+          <a:lstStyle/>
+          <a:p>
+            <a:pPr algn="ctr"/>
+            <a:endParaRPr kumimoji="1" lang="zh-CN" altLang="en-US"/>
+          </a:p>
+        </p:txBody>
+      </p:sp>
+      <p:sp>
+        <p:nvSpPr>
+          <p:cNvPr id="158" name="椭圆 157"/>
+          <p:cNvSpPr/>
+          <p:nvPr/>
+        </p:nvSpPr>
+        <p:spPr>
+          <a:xfrm>
+            <a:off x="22537108" y="13923199"/>
+            <a:ext cx="712419" cy="712419"/>
+          </a:xfrm>
+          <a:prstGeom prst="ellipse">
+            <a:avLst/>
+          </a:prstGeom>
+          <a:solidFill>
+            <a:srgbClr val="9BBB59"/>
+          </a:solidFill>
+        </p:spPr>
+        <p:style>
+          <a:lnRef idx="1">
+            <a:schemeClr val="accent1"/>
+          </a:lnRef>
+          <a:fillRef idx="3">
+            <a:schemeClr val="accent1"/>
+          </a:fillRef>
+          <a:effectRef idx="2">
+            <a:schemeClr val="accent1"/>
+          </a:effectRef>
+          <a:fontRef idx="minor">
+            <a:schemeClr val="lt1"/>
+          </a:fontRef>
+        </p:style>
+        <p:txBody>
+          <a:bodyPr rtlCol="0" anchor="ctr"/>
+          <a:lstStyle/>
+          <a:p>
+            <a:pPr algn="ctr"/>
+            <a:endParaRPr kumimoji="1" lang="zh-CN" altLang="en-US"/>
+          </a:p>
+        </p:txBody>
+      </p:sp>
+      <p:sp>
+        <p:nvSpPr>
+          <p:cNvPr id="159" name="椭圆 158"/>
+          <p:cNvSpPr/>
+          <p:nvPr/>
+        </p:nvSpPr>
+        <p:spPr>
+          <a:xfrm>
+            <a:off x="25446315" y="13923199"/>
+            <a:ext cx="712419" cy="712419"/>
+          </a:xfrm>
+          <a:prstGeom prst="ellipse">
+            <a:avLst/>
+          </a:prstGeom>
+          <a:solidFill>
+            <a:srgbClr val="9BBB59"/>
+          </a:solidFill>
+        </p:spPr>
+        <p:style>
+          <a:lnRef idx="1">
+            <a:schemeClr val="accent1"/>
+          </a:lnRef>
+          <a:fillRef idx="3">
+            <a:schemeClr val="accent1"/>
+          </a:fillRef>
+          <a:effectRef idx="2">
+            <a:schemeClr val="accent1"/>
+          </a:effectRef>
+          <a:fontRef idx="minor">
+            <a:schemeClr val="lt1"/>
+          </a:fontRef>
+        </p:style>
+        <p:txBody>
+          <a:bodyPr rtlCol="0" anchor="ctr"/>
+          <a:lstStyle/>
+          <a:p>
+            <a:pPr algn="ctr"/>
+            <a:endParaRPr kumimoji="1" lang="zh-CN" altLang="en-US"/>
+          </a:p>
+        </p:txBody>
+      </p:sp>
+      <p:sp>
+        <p:nvSpPr>
+          <p:cNvPr id="160" name="椭圆 159"/>
+          <p:cNvSpPr/>
+          <p:nvPr/>
+        </p:nvSpPr>
+        <p:spPr>
+          <a:xfrm>
+            <a:off x="26158734" y="13923199"/>
+            <a:ext cx="712419" cy="712419"/>
+          </a:xfrm>
+          <a:prstGeom prst="ellipse">
+            <a:avLst/>
+          </a:prstGeom>
+          <a:solidFill>
+            <a:srgbClr val="9BBB59"/>
+          </a:solidFill>
+        </p:spPr>
+        <p:style>
+          <a:lnRef idx="1">
+            <a:schemeClr val="accent1"/>
+          </a:lnRef>
+          <a:fillRef idx="3">
+            <a:schemeClr val="accent1"/>
+          </a:fillRef>
+          <a:effectRef idx="2">
+            <a:schemeClr val="accent1"/>
+          </a:effectRef>
+          <a:fontRef idx="minor">
+            <a:schemeClr val="lt1"/>
+          </a:fontRef>
+        </p:style>
+        <p:txBody>
+          <a:bodyPr rtlCol="0" anchor="ctr"/>
+          <a:lstStyle/>
+          <a:p>
+            <a:pPr algn="ctr"/>
+            <a:endParaRPr kumimoji="1" lang="zh-CN" altLang="en-US"/>
+          </a:p>
+        </p:txBody>
+      </p:sp>
+      <p:sp>
+        <p:nvSpPr>
+          <p:cNvPr id="161" name="椭圆 160"/>
+          <p:cNvSpPr/>
+          <p:nvPr/>
+        </p:nvSpPr>
+        <p:spPr>
+          <a:xfrm>
+            <a:off x="27583572" y="13923199"/>
+            <a:ext cx="712419" cy="712419"/>
+          </a:xfrm>
+          <a:prstGeom prst="ellipse">
+            <a:avLst/>
+          </a:prstGeom>
+          <a:solidFill>
+            <a:srgbClr val="9BBB59"/>
+          </a:solidFill>
+        </p:spPr>
+        <p:style>
+          <a:lnRef idx="1">
+            <a:schemeClr val="accent1"/>
+          </a:lnRef>
+          <a:fillRef idx="3">
+            <a:schemeClr val="accent1"/>
+          </a:fillRef>
+          <a:effectRef idx="2">
+            <a:schemeClr val="accent1"/>
+          </a:effectRef>
+          <a:fontRef idx="minor">
+            <a:schemeClr val="lt1"/>
+          </a:fontRef>
+        </p:style>
+        <p:txBody>
+          <a:bodyPr rtlCol="0" anchor="ctr"/>
+          <a:lstStyle/>
+          <a:p>
+            <a:pPr algn="ctr"/>
+            <a:endParaRPr kumimoji="1" lang="zh-CN" altLang="en-US"/>
+          </a:p>
+        </p:txBody>
+      </p:sp>
+      <p:sp>
+        <p:nvSpPr>
+          <p:cNvPr id="162" name="椭圆 161"/>
+          <p:cNvSpPr/>
+          <p:nvPr/>
+        </p:nvSpPr>
+        <p:spPr>
+          <a:xfrm>
+            <a:off x="26871153" y="13923199"/>
+            <a:ext cx="712419" cy="712419"/>
+          </a:xfrm>
+          <a:prstGeom prst="ellipse">
+            <a:avLst/>
+          </a:prstGeom>
+          <a:solidFill>
+            <a:srgbClr val="9BBB59"/>
+          </a:solidFill>
+        </p:spPr>
+        <p:style>
+          <a:lnRef idx="1">
+            <a:schemeClr val="accent1"/>
+          </a:lnRef>
+          <a:fillRef idx="3">
+            <a:schemeClr val="accent1"/>
+          </a:fillRef>
+          <a:effectRef idx="2">
+            <a:schemeClr val="accent1"/>
+          </a:effectRef>
+          <a:fontRef idx="minor">
+            <a:schemeClr val="lt1"/>
+          </a:fontRef>
+        </p:style>
+        <p:txBody>
+          <a:bodyPr rtlCol="0" anchor="ctr"/>
+          <a:lstStyle/>
+          <a:p>
+            <a:pPr algn="ctr"/>
+            <a:endParaRPr kumimoji="1" lang="zh-CN" altLang="en-US"/>
+          </a:p>
+        </p:txBody>
+      </p:sp>
+      <p:sp>
+        <p:nvSpPr>
+          <p:cNvPr id="163" name="文本框 162"/>
+          <p:cNvSpPr txBox="1"/>
+          <p:nvPr/>
+        </p:nvSpPr>
+        <p:spPr>
+          <a:xfrm>
+            <a:off x="24276716" y="13323034"/>
+            <a:ext cx="822160" cy="1200329"/>
+          </a:xfrm>
+          <a:prstGeom prst="rect">
+            <a:avLst/>
+          </a:prstGeom>
+          <a:noFill/>
+        </p:spPr>
+        <p:txBody>
+          <a:bodyPr wrap="none" rtlCol="0">
+            <a:spAutoFit/>
+          </a:bodyPr>
+          <a:lstStyle/>
+          <a:p>
+            <a:r>
+              <a:rPr kumimoji="1" lang="is-IS" altLang="zh-CN" dirty="0" smtClean="0"/>
+              <a:t>…</a:t>
+            </a:r>
+            <a:endParaRPr kumimoji="1" lang="zh-CN" altLang="en-US" dirty="0"/>
+          </a:p>
+        </p:txBody>
+      </p:sp>
+      <p:sp>
+        <p:nvSpPr>
+          <p:cNvPr id="164" name="左大括号 163"/>
+          <p:cNvSpPr/>
+          <p:nvPr/>
+        </p:nvSpPr>
+        <p:spPr>
+          <a:xfrm rot="5400000">
+            <a:off x="24301453" y="9731175"/>
+            <a:ext cx="805354" cy="7183720"/>
+          </a:xfrm>
+          <a:prstGeom prst="leftBrace">
+            <a:avLst>
+              <a:gd name="adj1" fmla="val 12179"/>
+              <a:gd name="adj2" fmla="val 50000"/>
+            </a:avLst>
+          </a:prstGeom>
+        </p:spPr>
+        <p:style>
+          <a:lnRef idx="2">
+            <a:schemeClr val="accent1"/>
+          </a:lnRef>
+          <a:fillRef idx="0">
+            <a:schemeClr val="accent1"/>
+          </a:fillRef>
+          <a:effectRef idx="1">
+            <a:schemeClr val="accent1"/>
+          </a:effectRef>
+          <a:fontRef idx="minor">
+            <a:schemeClr val="tx1"/>
+          </a:fontRef>
+        </p:style>
+        <p:txBody>
+          <a:bodyPr rtlCol="0" anchor="ctr"/>
+          <a:lstStyle/>
+          <a:p>
+            <a:pPr algn="ctr"/>
+            <a:endParaRPr kumimoji="1" lang="zh-CN" altLang="en-US"/>
+          </a:p>
+        </p:txBody>
+      </p:sp>
+      <p:sp>
+        <p:nvSpPr>
+          <p:cNvPr id="165" name="文本框 164"/>
+          <p:cNvSpPr txBox="1"/>
+          <p:nvPr/>
+        </p:nvSpPr>
+        <p:spPr>
+          <a:xfrm>
+            <a:off x="23249527" y="12243841"/>
+            <a:ext cx="2915857" cy="769441"/>
+          </a:xfrm>
+          <a:prstGeom prst="rect">
+            <a:avLst/>
+          </a:prstGeom>
+          <a:noFill/>
+        </p:spPr>
+        <p:txBody>
+          <a:bodyPr wrap="none" rtlCol="0">
+            <a:spAutoFit/>
+          </a:bodyPr>
+          <a:lstStyle/>
+          <a:p>
+            <a:r>
+              <a:rPr kumimoji="1" lang="en-US" altLang="zh-CN" sz="4400" dirty="0" smtClean="0"/>
+              <a:t>1024</a:t>
+            </a:r>
+            <a:r>
+              <a:rPr kumimoji="1" lang="zh-CN" altLang="en-US" sz="4400" dirty="0" smtClean="0"/>
+              <a:t> </a:t>
+            </a:r>
+            <a:r>
+              <a:rPr kumimoji="1" lang="en-US" altLang="zh-CN" sz="4400" dirty="0" smtClean="0"/>
+              <a:t>Nodes</a:t>
+            </a:r>
+            <a:endParaRPr kumimoji="1" lang="zh-CN" altLang="en-US" sz="4400" dirty="0"/>
+          </a:p>
+        </p:txBody>
+      </p:sp>
+      <p:sp>
+        <p:nvSpPr>
+          <p:cNvPr id="177" name="椭圆 176"/>
+          <p:cNvSpPr/>
+          <p:nvPr/>
+        </p:nvSpPr>
+        <p:spPr>
+          <a:xfrm>
+            <a:off x="21112270" y="11503924"/>
+            <a:ext cx="712419" cy="712419"/>
+          </a:xfrm>
+          <a:prstGeom prst="ellipse">
+            <a:avLst/>
+          </a:prstGeom>
+          <a:solidFill>
+            <a:srgbClr val="9BBB59"/>
+          </a:solidFill>
+        </p:spPr>
+        <p:style>
+          <a:lnRef idx="1">
+            <a:schemeClr val="accent1"/>
+          </a:lnRef>
+          <a:fillRef idx="3">
+            <a:schemeClr val="accent1"/>
+          </a:fillRef>
+          <a:effectRef idx="2">
+            <a:schemeClr val="accent1"/>
+          </a:effectRef>
+          <a:fontRef idx="minor">
+            <a:schemeClr val="lt1"/>
+          </a:fontRef>
+        </p:style>
+        <p:txBody>
+          <a:bodyPr rtlCol="0" anchor="ctr"/>
+          <a:lstStyle/>
+          <a:p>
+            <a:pPr algn="ctr"/>
+            <a:endParaRPr kumimoji="1" lang="zh-CN" altLang="en-US"/>
+          </a:p>
+        </p:txBody>
+      </p:sp>
+      <p:sp>
+        <p:nvSpPr>
+          <p:cNvPr id="178" name="椭圆 177"/>
+          <p:cNvSpPr/>
+          <p:nvPr/>
+        </p:nvSpPr>
+        <p:spPr>
+          <a:xfrm>
+            <a:off x="21824689" y="11503924"/>
+            <a:ext cx="712419" cy="712419"/>
+          </a:xfrm>
+          <a:prstGeom prst="ellipse">
+            <a:avLst/>
+          </a:prstGeom>
+          <a:solidFill>
+            <a:srgbClr val="9BBB59"/>
+          </a:solidFill>
+        </p:spPr>
+        <p:style>
+          <a:lnRef idx="1">
+            <a:schemeClr val="accent1"/>
+          </a:lnRef>
+          <a:fillRef idx="3">
+            <a:schemeClr val="accent1"/>
+          </a:fillRef>
+          <a:effectRef idx="2">
+            <a:schemeClr val="accent1"/>
+          </a:effectRef>
+          <a:fontRef idx="minor">
+            <a:schemeClr val="lt1"/>
+          </a:fontRef>
+        </p:style>
+        <p:txBody>
+          <a:bodyPr rtlCol="0" anchor="ctr"/>
+          <a:lstStyle/>
+          <a:p>
+            <a:pPr algn="ctr"/>
+            <a:endParaRPr kumimoji="1" lang="zh-CN" altLang="en-US"/>
+          </a:p>
+        </p:txBody>
+      </p:sp>
+      <p:sp>
+        <p:nvSpPr>
+          <p:cNvPr id="179" name="椭圆 178"/>
+          <p:cNvSpPr/>
+          <p:nvPr/>
+        </p:nvSpPr>
+        <p:spPr>
+          <a:xfrm>
+            <a:off x="23249527" y="11503924"/>
+            <a:ext cx="712419" cy="712419"/>
+          </a:xfrm>
+          <a:prstGeom prst="ellipse">
+            <a:avLst/>
+          </a:prstGeom>
+          <a:solidFill>
+            <a:srgbClr val="9BBB59"/>
+          </a:solidFill>
+        </p:spPr>
+        <p:style>
+          <a:lnRef idx="1">
+            <a:schemeClr val="accent1"/>
+          </a:lnRef>
+          <a:fillRef idx="3">
+            <a:schemeClr val="accent1"/>
+          </a:fillRef>
+          <a:effectRef idx="2">
+            <a:schemeClr val="accent1"/>
+          </a:effectRef>
+          <a:fontRef idx="minor">
+            <a:schemeClr val="lt1"/>
+          </a:fontRef>
+        </p:style>
+        <p:txBody>
+          <a:bodyPr rtlCol="0" anchor="ctr"/>
+          <a:lstStyle/>
+          <a:p>
+            <a:pPr algn="ctr"/>
+            <a:endParaRPr kumimoji="1" lang="zh-CN" altLang="en-US"/>
+          </a:p>
+        </p:txBody>
+      </p:sp>
+      <p:sp>
+        <p:nvSpPr>
+          <p:cNvPr id="180" name="椭圆 179"/>
+          <p:cNvSpPr/>
+          <p:nvPr/>
+        </p:nvSpPr>
+        <p:spPr>
+          <a:xfrm>
+            <a:off x="22537108" y="11503924"/>
+            <a:ext cx="712419" cy="712419"/>
+          </a:xfrm>
+          <a:prstGeom prst="ellipse">
+            <a:avLst/>
+          </a:prstGeom>
+          <a:solidFill>
+            <a:srgbClr val="9BBB59"/>
+          </a:solidFill>
+        </p:spPr>
+        <p:style>
+          <a:lnRef idx="1">
+            <a:schemeClr val="accent1"/>
+          </a:lnRef>
+          <a:fillRef idx="3">
+            <a:schemeClr val="accent1"/>
+          </a:fillRef>
+          <a:effectRef idx="2">
+            <a:schemeClr val="accent1"/>
+          </a:effectRef>
+          <a:fontRef idx="minor">
+            <a:schemeClr val="lt1"/>
+          </a:fontRef>
+        </p:style>
+        <p:txBody>
+          <a:bodyPr rtlCol="0" anchor="ctr"/>
+          <a:lstStyle/>
+          <a:p>
+            <a:pPr algn="ctr"/>
+            <a:endParaRPr kumimoji="1" lang="zh-CN" altLang="en-US"/>
+          </a:p>
+        </p:txBody>
+      </p:sp>
+      <p:sp>
+        <p:nvSpPr>
+          <p:cNvPr id="181" name="椭圆 180"/>
+          <p:cNvSpPr/>
+          <p:nvPr/>
+        </p:nvSpPr>
+        <p:spPr>
+          <a:xfrm>
+            <a:off x="25446315" y="11503924"/>
+            <a:ext cx="712419" cy="712419"/>
+          </a:xfrm>
+          <a:prstGeom prst="ellipse">
+            <a:avLst/>
+          </a:prstGeom>
+          <a:solidFill>
+            <a:srgbClr val="9BBB59"/>
+          </a:solidFill>
+        </p:spPr>
+        <p:style>
+          <a:lnRef idx="1">
+            <a:schemeClr val="accent1"/>
+          </a:lnRef>
+          <a:fillRef idx="3">
+            <a:schemeClr val="accent1"/>
+          </a:fillRef>
+          <a:effectRef idx="2">
+            <a:schemeClr val="accent1"/>
+          </a:effectRef>
+          <a:fontRef idx="minor">
+            <a:schemeClr val="lt1"/>
+          </a:fontRef>
+        </p:style>
+        <p:txBody>
+          <a:bodyPr rtlCol="0" anchor="ctr"/>
+          <a:lstStyle/>
+          <a:p>
+            <a:pPr algn="ctr"/>
+            <a:endParaRPr kumimoji="1" lang="zh-CN" altLang="en-US"/>
+          </a:p>
+        </p:txBody>
+      </p:sp>
+      <p:sp>
+        <p:nvSpPr>
+          <p:cNvPr id="182" name="椭圆 181"/>
+          <p:cNvSpPr/>
+          <p:nvPr/>
+        </p:nvSpPr>
+        <p:spPr>
+          <a:xfrm>
+            <a:off x="26158734" y="11503924"/>
+            <a:ext cx="712419" cy="712419"/>
+          </a:xfrm>
+          <a:prstGeom prst="ellipse">
+            <a:avLst/>
+          </a:prstGeom>
+          <a:solidFill>
+            <a:srgbClr val="9BBB59"/>
+          </a:solidFill>
+        </p:spPr>
+        <p:style>
+          <a:lnRef idx="1">
+            <a:schemeClr val="accent1"/>
+          </a:lnRef>
+          <a:fillRef idx="3">
+            <a:schemeClr val="accent1"/>
+          </a:fillRef>
+          <a:effectRef idx="2">
+            <a:schemeClr val="accent1"/>
+          </a:effectRef>
+          <a:fontRef idx="minor">
+            <a:schemeClr val="lt1"/>
+          </a:fontRef>
+        </p:style>
+        <p:txBody>
+          <a:bodyPr rtlCol="0" anchor="ctr"/>
+          <a:lstStyle/>
+          <a:p>
+            <a:pPr algn="ctr"/>
+            <a:endParaRPr kumimoji="1" lang="zh-CN" altLang="en-US"/>
+          </a:p>
+        </p:txBody>
+      </p:sp>
+      <p:sp>
+        <p:nvSpPr>
+          <p:cNvPr id="183" name="椭圆 182"/>
+          <p:cNvSpPr/>
+          <p:nvPr/>
+        </p:nvSpPr>
+        <p:spPr>
+          <a:xfrm>
+            <a:off x="27583572" y="11503924"/>
+            <a:ext cx="712419" cy="712419"/>
+          </a:xfrm>
+          <a:prstGeom prst="ellipse">
+            <a:avLst/>
+          </a:prstGeom>
+          <a:solidFill>
+            <a:srgbClr val="9BBB59"/>
+          </a:solidFill>
+        </p:spPr>
+        <p:style>
+          <a:lnRef idx="1">
+            <a:schemeClr val="accent1"/>
+          </a:lnRef>
+          <a:fillRef idx="3">
+            <a:schemeClr val="accent1"/>
+          </a:fillRef>
+          <a:effectRef idx="2">
+            <a:schemeClr val="accent1"/>
+          </a:effectRef>
+          <a:fontRef idx="minor">
+            <a:schemeClr val="lt1"/>
+          </a:fontRef>
+        </p:style>
+        <p:txBody>
+          <a:bodyPr rtlCol="0" anchor="ctr"/>
+          <a:lstStyle/>
+          <a:p>
+            <a:pPr algn="ctr"/>
+            <a:endParaRPr kumimoji="1" lang="zh-CN" altLang="en-US"/>
+          </a:p>
+        </p:txBody>
+      </p:sp>
+      <p:sp>
+        <p:nvSpPr>
+          <p:cNvPr id="184" name="椭圆 183"/>
+          <p:cNvSpPr/>
+          <p:nvPr/>
+        </p:nvSpPr>
+        <p:spPr>
+          <a:xfrm>
+            <a:off x="26871153" y="11503924"/>
+            <a:ext cx="712419" cy="712419"/>
+          </a:xfrm>
+          <a:prstGeom prst="ellipse">
+            <a:avLst/>
+          </a:prstGeom>
+          <a:solidFill>
+            <a:srgbClr val="9BBB59"/>
+          </a:solidFill>
+        </p:spPr>
+        <p:style>
+          <a:lnRef idx="1">
+            <a:schemeClr val="accent1"/>
+          </a:lnRef>
+          <a:fillRef idx="3">
+            <a:schemeClr val="accent1"/>
+          </a:fillRef>
+          <a:effectRef idx="2">
+            <a:schemeClr val="accent1"/>
+          </a:effectRef>
+          <a:fontRef idx="minor">
+            <a:schemeClr val="lt1"/>
+          </a:fontRef>
+        </p:style>
+        <p:txBody>
+          <a:bodyPr rtlCol="0" anchor="ctr"/>
+          <a:lstStyle/>
+          <a:p>
+            <a:pPr algn="ctr"/>
+            <a:endParaRPr kumimoji="1" lang="zh-CN" altLang="en-US"/>
+          </a:p>
+        </p:txBody>
+      </p:sp>
+      <p:sp>
+        <p:nvSpPr>
+          <p:cNvPr id="185" name="文本框 184"/>
+          <p:cNvSpPr txBox="1"/>
+          <p:nvPr/>
+        </p:nvSpPr>
+        <p:spPr>
+          <a:xfrm>
+            <a:off x="24276716" y="10903759"/>
+            <a:ext cx="822160" cy="1200329"/>
+          </a:xfrm>
+          <a:prstGeom prst="rect">
+            <a:avLst/>
+          </a:prstGeom>
+          <a:noFill/>
+        </p:spPr>
+        <p:txBody>
+          <a:bodyPr wrap="none" rtlCol="0">
+            <a:spAutoFit/>
+          </a:bodyPr>
+          <a:lstStyle/>
+          <a:p>
+            <a:r>
+              <a:rPr kumimoji="1" lang="is-IS" altLang="zh-CN" dirty="0" smtClean="0"/>
+              <a:t>…</a:t>
+            </a:r>
+            <a:endParaRPr kumimoji="1" lang="zh-CN" altLang="en-US" dirty="0"/>
+          </a:p>
+        </p:txBody>
+      </p:sp>
+      <p:sp>
+        <p:nvSpPr>
+          <p:cNvPr id="186" name="左大括号 185"/>
+          <p:cNvSpPr/>
+          <p:nvPr/>
+        </p:nvSpPr>
+        <p:spPr>
+          <a:xfrm rot="5400000">
+            <a:off x="24301453" y="7311900"/>
+            <a:ext cx="805354" cy="7183720"/>
+          </a:xfrm>
+          <a:prstGeom prst="leftBrace">
+            <a:avLst>
+              <a:gd name="adj1" fmla="val 12179"/>
+              <a:gd name="adj2" fmla="val 50000"/>
+            </a:avLst>
+          </a:prstGeom>
+        </p:spPr>
+        <p:style>
+          <a:lnRef idx="2">
+            <a:schemeClr val="accent1"/>
+          </a:lnRef>
+          <a:fillRef idx="0">
+            <a:schemeClr val="accent1"/>
+          </a:fillRef>
+          <a:effectRef idx="1">
+            <a:schemeClr val="accent1"/>
+          </a:effectRef>
+          <a:fontRef idx="minor">
+            <a:schemeClr val="tx1"/>
+          </a:fontRef>
+        </p:style>
+        <p:txBody>
+          <a:bodyPr rtlCol="0" anchor="ctr"/>
+          <a:lstStyle/>
+          <a:p>
+            <a:pPr algn="ctr"/>
+            <a:endParaRPr kumimoji="1" lang="zh-CN" altLang="en-US"/>
+          </a:p>
+        </p:txBody>
+      </p:sp>
+      <p:sp>
+        <p:nvSpPr>
+          <p:cNvPr id="187" name="文本框 186"/>
+          <p:cNvSpPr txBox="1"/>
+          <p:nvPr/>
+        </p:nvSpPr>
+        <p:spPr>
+          <a:xfrm>
+            <a:off x="23249527" y="9824566"/>
+            <a:ext cx="2915857" cy="769441"/>
+          </a:xfrm>
+          <a:prstGeom prst="rect">
+            <a:avLst/>
+          </a:prstGeom>
+          <a:noFill/>
+        </p:spPr>
+        <p:txBody>
+          <a:bodyPr wrap="none" rtlCol="0">
+            <a:spAutoFit/>
+          </a:bodyPr>
+          <a:lstStyle/>
+          <a:p>
+            <a:r>
+              <a:rPr kumimoji="1" lang="en-US" altLang="zh-CN" sz="4400" dirty="0" smtClean="0"/>
+              <a:t>1024</a:t>
+            </a:r>
+            <a:r>
+              <a:rPr kumimoji="1" lang="zh-CN" altLang="en-US" sz="4400" dirty="0" smtClean="0"/>
+              <a:t> </a:t>
+            </a:r>
+            <a:r>
+              <a:rPr kumimoji="1" lang="en-US" altLang="zh-CN" sz="4400" dirty="0" smtClean="0"/>
+              <a:t>Nodes</a:t>
+            </a:r>
+            <a:endParaRPr kumimoji="1" lang="zh-CN" altLang="en-US" sz="4400" dirty="0"/>
+          </a:p>
+        </p:txBody>
+      </p:sp>
+      <p:sp>
+        <p:nvSpPr>
+          <p:cNvPr id="188" name="椭圆 187"/>
+          <p:cNvSpPr/>
+          <p:nvPr/>
+        </p:nvSpPr>
+        <p:spPr>
+          <a:xfrm>
+            <a:off x="21264670" y="9070846"/>
+            <a:ext cx="712419" cy="712419"/>
+          </a:xfrm>
+          <a:prstGeom prst="ellipse">
+            <a:avLst/>
+          </a:prstGeom>
+          <a:solidFill>
+            <a:srgbClr val="9BBB59"/>
+          </a:solidFill>
+        </p:spPr>
+        <p:style>
+          <a:lnRef idx="1">
+            <a:schemeClr val="accent1"/>
+          </a:lnRef>
+          <a:fillRef idx="3">
+            <a:schemeClr val="accent1"/>
+          </a:fillRef>
+          <a:effectRef idx="2">
+            <a:schemeClr val="accent1"/>
+          </a:effectRef>
+          <a:fontRef idx="minor">
+            <a:schemeClr val="lt1"/>
+          </a:fontRef>
+        </p:style>
+        <p:txBody>
+          <a:bodyPr rtlCol="0" anchor="ctr"/>
+          <a:lstStyle/>
+          <a:p>
+            <a:pPr algn="ctr"/>
+            <a:endParaRPr kumimoji="1" lang="zh-CN" altLang="en-US"/>
+          </a:p>
+        </p:txBody>
+      </p:sp>
+      <p:sp>
+        <p:nvSpPr>
+          <p:cNvPr id="189" name="椭圆 188"/>
+          <p:cNvSpPr/>
+          <p:nvPr/>
+        </p:nvSpPr>
+        <p:spPr>
+          <a:xfrm>
+            <a:off x="21977089" y="9070846"/>
+            <a:ext cx="712419" cy="712419"/>
+          </a:xfrm>
+          <a:prstGeom prst="ellipse">
+            <a:avLst/>
+          </a:prstGeom>
+          <a:solidFill>
+            <a:srgbClr val="9BBB59"/>
+          </a:solidFill>
+        </p:spPr>
+        <p:style>
+          <a:lnRef idx="1">
+            <a:schemeClr val="accent1"/>
+          </a:lnRef>
+          <a:fillRef idx="3">
+            <a:schemeClr val="accent1"/>
+          </a:fillRef>
+          <a:effectRef idx="2">
+            <a:schemeClr val="accent1"/>
+          </a:effectRef>
+          <a:fontRef idx="minor">
+            <a:schemeClr val="lt1"/>
+          </a:fontRef>
+        </p:style>
+        <p:txBody>
+          <a:bodyPr rtlCol="0" anchor="ctr"/>
+          <a:lstStyle/>
+          <a:p>
+            <a:pPr algn="ctr"/>
+            <a:endParaRPr kumimoji="1" lang="zh-CN" altLang="en-US"/>
+          </a:p>
+        </p:txBody>
+      </p:sp>
+      <p:sp>
+        <p:nvSpPr>
+          <p:cNvPr id="190" name="椭圆 189"/>
+          <p:cNvSpPr/>
+          <p:nvPr/>
+        </p:nvSpPr>
+        <p:spPr>
+          <a:xfrm>
+            <a:off x="23401927" y="9070846"/>
+            <a:ext cx="712419" cy="712419"/>
+          </a:xfrm>
+          <a:prstGeom prst="ellipse">
+            <a:avLst/>
+          </a:prstGeom>
+          <a:solidFill>
+            <a:srgbClr val="9BBB59"/>
+          </a:solidFill>
+        </p:spPr>
+        <p:style>
+          <a:lnRef idx="1">
+            <a:schemeClr val="accent1"/>
+          </a:lnRef>
+          <a:fillRef idx="3">
+            <a:schemeClr val="accent1"/>
+          </a:fillRef>
+          <a:effectRef idx="2">
+            <a:schemeClr val="accent1"/>
+          </a:effectRef>
+          <a:fontRef idx="minor">
+            <a:schemeClr val="lt1"/>
+          </a:fontRef>
+        </p:style>
+        <p:txBody>
+          <a:bodyPr rtlCol="0" anchor="ctr"/>
+          <a:lstStyle/>
+          <a:p>
+            <a:pPr algn="ctr"/>
+            <a:endParaRPr kumimoji="1" lang="zh-CN" altLang="en-US"/>
+          </a:p>
+        </p:txBody>
+      </p:sp>
+      <p:sp>
+        <p:nvSpPr>
+          <p:cNvPr id="191" name="椭圆 190"/>
+          <p:cNvSpPr/>
+          <p:nvPr/>
+        </p:nvSpPr>
+        <p:spPr>
+          <a:xfrm>
+            <a:off x="22689508" y="9070846"/>
+            <a:ext cx="712419" cy="712419"/>
+          </a:xfrm>
+          <a:prstGeom prst="ellipse">
+            <a:avLst/>
+          </a:prstGeom>
+          <a:solidFill>
+            <a:srgbClr val="9BBB59"/>
+          </a:solidFill>
+        </p:spPr>
+        <p:style>
+          <a:lnRef idx="1">
+            <a:schemeClr val="accent1"/>
+          </a:lnRef>
+          <a:fillRef idx="3">
+            <a:schemeClr val="accent1"/>
+          </a:fillRef>
+          <a:effectRef idx="2">
+            <a:schemeClr val="accent1"/>
+          </a:effectRef>
+          <a:fontRef idx="minor">
+            <a:schemeClr val="lt1"/>
+          </a:fontRef>
+        </p:style>
+        <p:txBody>
+          <a:bodyPr rtlCol="0" anchor="ctr"/>
+          <a:lstStyle/>
+          <a:p>
+            <a:pPr algn="ctr"/>
+            <a:endParaRPr kumimoji="1" lang="zh-CN" altLang="en-US"/>
+          </a:p>
+        </p:txBody>
+      </p:sp>
+      <p:sp>
+        <p:nvSpPr>
+          <p:cNvPr id="192" name="椭圆 191"/>
+          <p:cNvSpPr/>
+          <p:nvPr/>
+        </p:nvSpPr>
+        <p:spPr>
+          <a:xfrm>
+            <a:off x="25598715" y="9070846"/>
+            <a:ext cx="712419" cy="712419"/>
+          </a:xfrm>
+          <a:prstGeom prst="ellipse">
+            <a:avLst/>
+          </a:prstGeom>
+          <a:solidFill>
+            <a:srgbClr val="9BBB59"/>
+          </a:solidFill>
+        </p:spPr>
+        <p:style>
+          <a:lnRef idx="1">
+            <a:schemeClr val="accent1"/>
+          </a:lnRef>
+          <a:fillRef idx="3">
+            <a:schemeClr val="accent1"/>
+          </a:fillRef>
+          <a:effectRef idx="2">
+            <a:schemeClr val="accent1"/>
+          </a:effectRef>
+          <a:fontRef idx="minor">
+            <a:schemeClr val="lt1"/>
+          </a:fontRef>
+        </p:style>
+        <p:txBody>
+          <a:bodyPr rtlCol="0" anchor="ctr"/>
+          <a:lstStyle/>
+          <a:p>
+            <a:pPr algn="ctr"/>
+            <a:endParaRPr kumimoji="1" lang="zh-CN" altLang="en-US"/>
+          </a:p>
+        </p:txBody>
+      </p:sp>
+      <p:sp>
+        <p:nvSpPr>
+          <p:cNvPr id="193" name="椭圆 192"/>
+          <p:cNvSpPr/>
+          <p:nvPr/>
+        </p:nvSpPr>
+        <p:spPr>
+          <a:xfrm>
+            <a:off x="26311134" y="9070846"/>
+            <a:ext cx="712419" cy="712419"/>
+          </a:xfrm>
+          <a:prstGeom prst="ellipse">
+            <a:avLst/>
+          </a:prstGeom>
+          <a:solidFill>
+            <a:srgbClr val="9BBB59"/>
+          </a:solidFill>
+        </p:spPr>
+        <p:style>
+          <a:lnRef idx="1">
+            <a:schemeClr val="accent1"/>
+          </a:lnRef>
+          <a:fillRef idx="3">
+            <a:schemeClr val="accent1"/>
+          </a:fillRef>
+          <a:effectRef idx="2">
+            <a:schemeClr val="accent1"/>
+          </a:effectRef>
+          <a:fontRef idx="minor">
+            <a:schemeClr val="lt1"/>
+          </a:fontRef>
+        </p:style>
+        <p:txBody>
+          <a:bodyPr rtlCol="0" anchor="ctr"/>
+          <a:lstStyle/>
+          <a:p>
+            <a:pPr algn="ctr"/>
+            <a:endParaRPr kumimoji="1" lang="zh-CN" altLang="en-US"/>
+          </a:p>
+        </p:txBody>
+      </p:sp>
+      <p:sp>
+        <p:nvSpPr>
+          <p:cNvPr id="194" name="椭圆 193"/>
+          <p:cNvSpPr/>
+          <p:nvPr/>
+        </p:nvSpPr>
+        <p:spPr>
+          <a:xfrm>
+            <a:off x="27735972" y="9070846"/>
+            <a:ext cx="712419" cy="712419"/>
+          </a:xfrm>
+          <a:prstGeom prst="ellipse">
+            <a:avLst/>
+          </a:prstGeom>
+          <a:solidFill>
+            <a:srgbClr val="9BBB59"/>
+          </a:solidFill>
+        </p:spPr>
+        <p:style>
+          <a:lnRef idx="1">
+            <a:schemeClr val="accent1"/>
+          </a:lnRef>
+          <a:fillRef idx="3">
+            <a:schemeClr val="accent1"/>
+          </a:fillRef>
+          <a:effectRef idx="2">
+            <a:schemeClr val="accent1"/>
+          </a:effectRef>
+          <a:fontRef idx="minor">
+            <a:schemeClr val="lt1"/>
+          </a:fontRef>
+        </p:style>
+        <p:txBody>
+          <a:bodyPr rtlCol="0" anchor="ctr"/>
+          <a:lstStyle/>
+          <a:p>
+            <a:pPr algn="ctr"/>
+            <a:endParaRPr kumimoji="1" lang="zh-CN" altLang="en-US"/>
+          </a:p>
+        </p:txBody>
+      </p:sp>
+      <p:sp>
+        <p:nvSpPr>
+          <p:cNvPr id="195" name="椭圆 194"/>
+          <p:cNvSpPr/>
+          <p:nvPr/>
+        </p:nvSpPr>
+        <p:spPr>
+          <a:xfrm>
+            <a:off x="27023553" y="9070846"/>
+            <a:ext cx="712419" cy="712419"/>
+          </a:xfrm>
+          <a:prstGeom prst="ellipse">
+            <a:avLst/>
+          </a:prstGeom>
+          <a:solidFill>
+            <a:srgbClr val="9BBB59"/>
+          </a:solidFill>
+        </p:spPr>
+        <p:style>
+          <a:lnRef idx="1">
+            <a:schemeClr val="accent1"/>
+          </a:lnRef>
+          <a:fillRef idx="3">
+            <a:schemeClr val="accent1"/>
+          </a:fillRef>
+          <a:effectRef idx="2">
+            <a:schemeClr val="accent1"/>
+          </a:effectRef>
+          <a:fontRef idx="minor">
+            <a:schemeClr val="lt1"/>
+          </a:fontRef>
+        </p:style>
+        <p:txBody>
+          <a:bodyPr rtlCol="0" anchor="ctr"/>
+          <a:lstStyle/>
+          <a:p>
+            <a:pPr algn="ctr"/>
+            <a:endParaRPr kumimoji="1" lang="zh-CN" altLang="en-US"/>
+          </a:p>
+        </p:txBody>
+      </p:sp>
+      <p:sp>
+        <p:nvSpPr>
+          <p:cNvPr id="196" name="文本框 195"/>
+          <p:cNvSpPr txBox="1"/>
+          <p:nvPr/>
+        </p:nvSpPr>
+        <p:spPr>
+          <a:xfrm>
+            <a:off x="24429116" y="8470681"/>
+            <a:ext cx="822160" cy="1200329"/>
+          </a:xfrm>
+          <a:prstGeom prst="rect">
+            <a:avLst/>
+          </a:prstGeom>
+          <a:noFill/>
+        </p:spPr>
+        <p:txBody>
+          <a:bodyPr wrap="none" rtlCol="0">
+            <a:spAutoFit/>
+          </a:bodyPr>
+          <a:lstStyle/>
+          <a:p>
+            <a:r>
+              <a:rPr kumimoji="1" lang="is-IS" altLang="zh-CN" dirty="0" smtClean="0"/>
+              <a:t>…</a:t>
+            </a:r>
+            <a:endParaRPr kumimoji="1" lang="zh-CN" altLang="en-US" dirty="0"/>
+          </a:p>
+        </p:txBody>
+      </p:sp>
+      <p:sp>
+        <p:nvSpPr>
+          <p:cNvPr id="197" name="左大括号 196"/>
+          <p:cNvSpPr/>
+          <p:nvPr/>
+        </p:nvSpPr>
+        <p:spPr>
+          <a:xfrm rot="5400000">
+            <a:off x="24453853" y="4878822"/>
+            <a:ext cx="805354" cy="7183720"/>
+          </a:xfrm>
+          <a:prstGeom prst="leftBrace">
+            <a:avLst>
+              <a:gd name="adj1" fmla="val 12179"/>
+              <a:gd name="adj2" fmla="val 50000"/>
+            </a:avLst>
+          </a:prstGeom>
+        </p:spPr>
+        <p:style>
+          <a:lnRef idx="2">
+            <a:schemeClr val="accent1"/>
+          </a:lnRef>
+          <a:fillRef idx="0">
+            <a:schemeClr val="accent1"/>
+          </a:fillRef>
+          <a:effectRef idx="1">
+            <a:schemeClr val="accent1"/>
+          </a:effectRef>
+          <a:fontRef idx="minor">
+            <a:schemeClr val="tx1"/>
+          </a:fontRef>
+        </p:style>
+        <p:txBody>
+          <a:bodyPr rtlCol="0" anchor="ctr"/>
+          <a:lstStyle/>
+          <a:p>
+            <a:pPr algn="ctr"/>
+            <a:endParaRPr kumimoji="1" lang="zh-CN" altLang="en-US"/>
+          </a:p>
+        </p:txBody>
+      </p:sp>
+      <p:sp>
+        <p:nvSpPr>
+          <p:cNvPr id="198" name="文本框 197"/>
+          <p:cNvSpPr txBox="1"/>
+          <p:nvPr/>
+        </p:nvSpPr>
+        <p:spPr>
+          <a:xfrm>
+            <a:off x="23401927" y="7391488"/>
+            <a:ext cx="2915857" cy="769441"/>
+          </a:xfrm>
+          <a:prstGeom prst="rect">
+            <a:avLst/>
+          </a:prstGeom>
+          <a:noFill/>
+        </p:spPr>
+        <p:txBody>
+          <a:bodyPr wrap="none" rtlCol="0">
+            <a:spAutoFit/>
+          </a:bodyPr>
+          <a:lstStyle/>
+          <a:p>
+            <a:r>
+              <a:rPr kumimoji="1" lang="en-US" altLang="zh-CN" sz="4400" dirty="0" smtClean="0"/>
+              <a:t>1024</a:t>
+            </a:r>
+            <a:r>
+              <a:rPr kumimoji="1" lang="zh-CN" altLang="en-US" sz="4400" dirty="0" smtClean="0"/>
+              <a:t> </a:t>
+            </a:r>
+            <a:r>
+              <a:rPr kumimoji="1" lang="en-US" altLang="zh-CN" sz="4400" dirty="0" smtClean="0"/>
+              <a:t>Nodes</a:t>
+            </a:r>
+            <a:endParaRPr kumimoji="1" lang="zh-CN" altLang="en-US" sz="4400" dirty="0"/>
+          </a:p>
+        </p:txBody>
+      </p:sp>
+    </p:spTree>
+    <p:extLst>
+      <p:ext uri="{BB962C8B-B14F-4D97-AF65-F5344CB8AC3E}">
+        <p14:creationId xmlns:p14="http://schemas.microsoft.com/office/powerpoint/2010/main" val="3024292603"/>
       </p:ext>
     </p:extLst>
   </p:cSld>

--- a/Posters/XZ_poster.pptx
+++ b/Posters/XZ_poster.pptx
@@ -9811,9 +9811,7 @@
           <a:prstGeom prst="rect">
             <a:avLst/>
           </a:prstGeom>
-          <a:solidFill>
-            <a:srgbClr val="FFFFFF"/>
-          </a:solidFill>
+          <a:noFill/>
         </p:spPr>
         <p:txBody>
           <a:bodyPr vert="eaVert" wrap="none" rtlCol="0">
@@ -11545,6 +11543,13 @@
   <p:clrMapOvr>
     <a:masterClrMapping/>
   </p:clrMapOvr>
+  <p:timing>
+    <p:tnLst>
+      <p:par>
+        <p:cTn xmlns:p14="http://schemas.microsoft.com/office/powerpoint/2010/main" id="1" dur="indefinite" restart="never" nodeType="tmRoot"/>
+      </p:par>
+    </p:tnLst>
+  </p:timing>
 </p:sld>
 </file>
 
@@ -11621,7 +11626,10 @@
           <a:lstStyle/>
           <a:p>
             <a:pPr algn="ctr"/>
-            <a:endParaRPr kumimoji="1" lang="zh-CN" altLang="en-US"/>
+            <a:endParaRPr kumimoji="1" lang="zh-CN" altLang="en-US">
+              <a:latin typeface="Arial"/>
+              <a:cs typeface="Arial"/>
+            </a:endParaRPr>
           </a:p>
         </p:txBody>
       </p:sp>
@@ -11662,7 +11670,10 @@
           <a:lstStyle/>
           <a:p>
             <a:pPr algn="ctr"/>
-            <a:endParaRPr kumimoji="1" lang="zh-CN" altLang="en-US"/>
+            <a:endParaRPr kumimoji="1" lang="zh-CN" altLang="en-US">
+              <a:latin typeface="Arial"/>
+              <a:cs typeface="Arial"/>
+            </a:endParaRPr>
           </a:p>
         </p:txBody>
       </p:sp>
@@ -11703,7 +11714,10 @@
           <a:lstStyle/>
           <a:p>
             <a:pPr algn="ctr"/>
-            <a:endParaRPr kumimoji="1" lang="zh-CN" altLang="en-US"/>
+            <a:endParaRPr kumimoji="1" lang="zh-CN" altLang="en-US">
+              <a:latin typeface="Arial"/>
+              <a:cs typeface="Arial"/>
+            </a:endParaRPr>
           </a:p>
         </p:txBody>
       </p:sp>
@@ -11744,7 +11758,10 @@
           <a:lstStyle/>
           <a:p>
             <a:pPr algn="ctr"/>
-            <a:endParaRPr kumimoji="1" lang="zh-CN" altLang="en-US"/>
+            <a:endParaRPr kumimoji="1" lang="zh-CN" altLang="en-US">
+              <a:latin typeface="Arial"/>
+              <a:cs typeface="Arial"/>
+            </a:endParaRPr>
           </a:p>
         </p:txBody>
       </p:sp>
@@ -11785,7 +11802,10 @@
           <a:lstStyle/>
           <a:p>
             <a:pPr algn="ctr"/>
-            <a:endParaRPr kumimoji="1" lang="zh-CN" altLang="en-US"/>
+            <a:endParaRPr kumimoji="1" lang="zh-CN" altLang="en-US">
+              <a:latin typeface="Arial"/>
+              <a:cs typeface="Arial"/>
+            </a:endParaRPr>
           </a:p>
         </p:txBody>
       </p:sp>
@@ -11826,7 +11846,10 @@
           <a:lstStyle/>
           <a:p>
             <a:pPr algn="ctr"/>
-            <a:endParaRPr kumimoji="1" lang="zh-CN" altLang="en-US"/>
+            <a:endParaRPr kumimoji="1" lang="zh-CN" altLang="en-US">
+              <a:latin typeface="Arial"/>
+              <a:cs typeface="Arial"/>
+            </a:endParaRPr>
           </a:p>
         </p:txBody>
       </p:sp>
@@ -11867,7 +11890,10 @@
           <a:lstStyle/>
           <a:p>
             <a:pPr algn="ctr"/>
-            <a:endParaRPr kumimoji="1" lang="zh-CN" altLang="en-US"/>
+            <a:endParaRPr kumimoji="1" lang="zh-CN" altLang="en-US">
+              <a:latin typeface="Arial"/>
+              <a:cs typeface="Arial"/>
+            </a:endParaRPr>
           </a:p>
         </p:txBody>
       </p:sp>
@@ -11908,7 +11934,10 @@
           <a:lstStyle/>
           <a:p>
             <a:pPr algn="ctr"/>
-            <a:endParaRPr kumimoji="1" lang="zh-CN" altLang="en-US"/>
+            <a:endParaRPr kumimoji="1" lang="zh-CN" altLang="en-US">
+              <a:latin typeface="Arial"/>
+              <a:cs typeface="Arial"/>
+            </a:endParaRPr>
           </a:p>
         </p:txBody>
       </p:sp>
@@ -11921,7 +11950,7 @@
         <p:spPr>
           <a:xfrm>
             <a:off x="15831862" y="8470681"/>
-            <a:ext cx="822160" cy="1200329"/>
+            <a:ext cx="1107996" cy="1200329"/>
           </a:xfrm>
           <a:prstGeom prst="rect">
             <a:avLst/>
@@ -11935,10 +11964,16 @@
           <a:lstStyle/>
           <a:p>
             <a:r>
-              <a:rPr kumimoji="1" lang="is-IS" altLang="zh-CN" dirty="0" smtClean="0"/>
+              <a:rPr kumimoji="1" lang="is-IS" altLang="zh-CN" dirty="0" smtClean="0">
+                <a:latin typeface="Arial"/>
+                <a:cs typeface="Arial"/>
+              </a:rPr>
               <a:t>…</a:t>
             </a:r>
-            <a:endParaRPr kumimoji="1" lang="zh-CN" altLang="en-US" dirty="0"/>
+            <a:endParaRPr kumimoji="1" lang="zh-CN" altLang="en-US" dirty="0">
+              <a:latin typeface="Arial"/>
+              <a:cs typeface="Arial"/>
+            </a:endParaRPr>
           </a:p>
         </p:txBody>
       </p:sp>
@@ -11950,8 +11985,8 @@
         </p:nvSpPr>
         <p:spPr>
           <a:xfrm>
-            <a:off x="10186519" y="8902555"/>
-            <a:ext cx="2214481" cy="923330"/>
+            <a:off x="9845794" y="8902555"/>
+            <a:ext cx="2494455" cy="923330"/>
           </a:xfrm>
           <a:prstGeom prst="rect">
             <a:avLst/>
@@ -11965,18 +12000,30 @@
           <a:lstStyle/>
           <a:p>
             <a:r>
-              <a:rPr kumimoji="1" lang="en-US" altLang="zh-CN" sz="5400" dirty="0" smtClean="0"/>
+              <a:rPr kumimoji="1" lang="en-US" altLang="zh-CN" sz="5400" dirty="0" smtClean="0">
+                <a:latin typeface="Arial"/>
+                <a:cs typeface="Arial"/>
+              </a:rPr>
               <a:t>Layer</a:t>
             </a:r>
             <a:r>
-              <a:rPr kumimoji="1" lang="zh-CN" altLang="en-US" sz="5400" dirty="0" smtClean="0"/>
-              <a:t> </a:t>
-            </a:r>
-            <a:r>
-              <a:rPr kumimoji="1" lang="en-US" altLang="zh-CN" sz="5400" dirty="0" smtClean="0"/>
+              <a:rPr kumimoji="1" lang="zh-CN" altLang="en-US" sz="5400" dirty="0" smtClean="0">
+                <a:latin typeface="Arial"/>
+                <a:cs typeface="Arial"/>
+              </a:rPr>
+              <a:t> </a:t>
+            </a:r>
+            <a:r>
+              <a:rPr kumimoji="1" lang="en-US" altLang="zh-CN" sz="5400" dirty="0" smtClean="0">
+                <a:latin typeface="Arial"/>
+                <a:cs typeface="Arial"/>
+              </a:rPr>
               <a:t>6</a:t>
             </a:r>
-            <a:endParaRPr kumimoji="1" lang="zh-CN" altLang="en-US" sz="5400" dirty="0"/>
+            <a:endParaRPr kumimoji="1" lang="zh-CN" altLang="en-US" sz="5400" dirty="0">
+              <a:latin typeface="Arial"/>
+              <a:cs typeface="Arial"/>
+            </a:endParaRPr>
           </a:p>
         </p:txBody>
       </p:sp>
@@ -12017,7 +12064,10 @@
           <a:lstStyle/>
           <a:p>
             <a:pPr algn="ctr"/>
-            <a:endParaRPr kumimoji="1" lang="zh-CN" altLang="en-US"/>
+            <a:endParaRPr kumimoji="1" lang="zh-CN" altLang="en-US">
+              <a:latin typeface="Arial"/>
+              <a:cs typeface="Arial"/>
+            </a:endParaRPr>
           </a:p>
         </p:txBody>
       </p:sp>
@@ -12030,7 +12080,7 @@
         <p:spPr>
           <a:xfrm>
             <a:off x="14804673" y="7391488"/>
-            <a:ext cx="2915857" cy="769441"/>
+            <a:ext cx="3227742" cy="769441"/>
           </a:xfrm>
           <a:prstGeom prst="rect">
             <a:avLst/>
@@ -12044,18 +12094,30 @@
           <a:lstStyle/>
           <a:p>
             <a:r>
-              <a:rPr kumimoji="1" lang="en-US" altLang="zh-CN" sz="4400" dirty="0" smtClean="0"/>
+              <a:rPr kumimoji="1" lang="en-US" altLang="zh-CN" sz="4400" dirty="0" smtClean="0">
+                <a:latin typeface="Arial"/>
+                <a:cs typeface="Arial"/>
+              </a:rPr>
               <a:t>1024</a:t>
             </a:r>
             <a:r>
-              <a:rPr kumimoji="1" lang="zh-CN" altLang="en-US" sz="4400" dirty="0" smtClean="0"/>
-              <a:t> </a:t>
-            </a:r>
-            <a:r>
-              <a:rPr kumimoji="1" lang="en-US" altLang="zh-CN" sz="4400" dirty="0" smtClean="0"/>
+              <a:rPr kumimoji="1" lang="zh-CN" altLang="en-US" sz="4400" dirty="0" smtClean="0">
+                <a:latin typeface="Arial"/>
+                <a:cs typeface="Arial"/>
+              </a:rPr>
+              <a:t> </a:t>
+            </a:r>
+            <a:r>
+              <a:rPr kumimoji="1" lang="en-US" altLang="zh-CN" sz="4400" dirty="0" smtClean="0">
+                <a:latin typeface="Arial"/>
+                <a:cs typeface="Arial"/>
+              </a:rPr>
               <a:t>Nodes</a:t>
             </a:r>
-            <a:endParaRPr kumimoji="1" lang="zh-CN" altLang="en-US" sz="4400" dirty="0"/>
+            <a:endParaRPr kumimoji="1" lang="zh-CN" altLang="en-US" sz="4400" dirty="0">
+              <a:latin typeface="Arial"/>
+              <a:cs typeface="Arial"/>
+            </a:endParaRPr>
           </a:p>
         </p:txBody>
       </p:sp>
@@ -12096,7 +12158,10 @@
           <a:lstStyle/>
           <a:p>
             <a:pPr algn="ctr"/>
-            <a:endParaRPr kumimoji="1" lang="zh-CN" altLang="en-US"/>
+            <a:endParaRPr kumimoji="1" lang="zh-CN" altLang="en-US">
+              <a:latin typeface="Arial"/>
+              <a:cs typeface="Arial"/>
+            </a:endParaRPr>
           </a:p>
         </p:txBody>
       </p:sp>
@@ -12137,7 +12202,10 @@
           <a:lstStyle/>
           <a:p>
             <a:pPr algn="ctr"/>
-            <a:endParaRPr kumimoji="1" lang="zh-CN" altLang="en-US"/>
+            <a:endParaRPr kumimoji="1" lang="zh-CN" altLang="en-US">
+              <a:latin typeface="Arial"/>
+              <a:cs typeface="Arial"/>
+            </a:endParaRPr>
           </a:p>
         </p:txBody>
       </p:sp>
@@ -12178,7 +12246,10 @@
           <a:lstStyle/>
           <a:p>
             <a:pPr algn="ctr"/>
-            <a:endParaRPr kumimoji="1" lang="zh-CN" altLang="en-US"/>
+            <a:endParaRPr kumimoji="1" lang="zh-CN" altLang="en-US">
+              <a:latin typeface="Arial"/>
+              <a:cs typeface="Arial"/>
+            </a:endParaRPr>
           </a:p>
         </p:txBody>
       </p:sp>
@@ -12219,7 +12290,10 @@
           <a:lstStyle/>
           <a:p>
             <a:pPr algn="ctr"/>
-            <a:endParaRPr kumimoji="1" lang="zh-CN" altLang="en-US"/>
+            <a:endParaRPr kumimoji="1" lang="zh-CN" altLang="en-US">
+              <a:latin typeface="Arial"/>
+              <a:cs typeface="Arial"/>
+            </a:endParaRPr>
           </a:p>
         </p:txBody>
       </p:sp>
@@ -12260,7 +12334,10 @@
           <a:lstStyle/>
           <a:p>
             <a:pPr algn="ctr"/>
-            <a:endParaRPr kumimoji="1" lang="zh-CN" altLang="en-US"/>
+            <a:endParaRPr kumimoji="1" lang="zh-CN" altLang="en-US">
+              <a:latin typeface="Arial"/>
+              <a:cs typeface="Arial"/>
+            </a:endParaRPr>
           </a:p>
         </p:txBody>
       </p:sp>
@@ -12301,7 +12378,10 @@
           <a:lstStyle/>
           <a:p>
             <a:pPr algn="ctr"/>
-            <a:endParaRPr kumimoji="1" lang="zh-CN" altLang="en-US"/>
+            <a:endParaRPr kumimoji="1" lang="zh-CN" altLang="en-US">
+              <a:latin typeface="Arial"/>
+              <a:cs typeface="Arial"/>
+            </a:endParaRPr>
           </a:p>
         </p:txBody>
       </p:sp>
@@ -12314,7 +12394,7 @@
         <p:spPr>
           <a:xfrm>
             <a:off x="15984262" y="10874563"/>
-            <a:ext cx="822160" cy="1200329"/>
+            <a:ext cx="1107996" cy="1200329"/>
           </a:xfrm>
           <a:prstGeom prst="rect">
             <a:avLst/>
@@ -12328,10 +12408,16 @@
           <a:lstStyle/>
           <a:p>
             <a:r>
-              <a:rPr kumimoji="1" lang="is-IS" altLang="zh-CN" dirty="0" smtClean="0"/>
+              <a:rPr kumimoji="1" lang="is-IS" altLang="zh-CN" dirty="0" smtClean="0">
+                <a:latin typeface="Arial"/>
+                <a:cs typeface="Arial"/>
+              </a:rPr>
               <a:t>…</a:t>
             </a:r>
-            <a:endParaRPr kumimoji="1" lang="zh-CN" altLang="en-US" dirty="0"/>
+            <a:endParaRPr kumimoji="1" lang="zh-CN" altLang="en-US" dirty="0">
+              <a:latin typeface="Arial"/>
+              <a:cs typeface="Arial"/>
+            </a:endParaRPr>
           </a:p>
         </p:txBody>
       </p:sp>
@@ -12343,8 +12429,8 @@
         </p:nvSpPr>
         <p:spPr>
           <a:xfrm>
-            <a:off x="10338919" y="11306437"/>
-            <a:ext cx="2209747" cy="923330"/>
+            <a:off x="9845794" y="11276121"/>
+            <a:ext cx="2494455" cy="923330"/>
           </a:xfrm>
           <a:prstGeom prst="rect">
             <a:avLst/>
@@ -12358,22 +12444,30 @@
           <a:lstStyle/>
           <a:p>
             <a:r>
-              <a:rPr kumimoji="1" lang="en-US" altLang="zh-CN" sz="5400" dirty="0" smtClean="0"/>
+              <a:rPr kumimoji="1" lang="en-US" altLang="zh-CN" sz="5400" dirty="0" smtClean="0">
+                <a:latin typeface="Arial"/>
+                <a:cs typeface="Arial"/>
+              </a:rPr>
               <a:t>Layer</a:t>
             </a:r>
             <a:r>
-              <a:rPr kumimoji="1" lang="zh-CN" altLang="en-US" sz="5400" dirty="0" smtClean="0"/>
-              <a:t> </a:t>
-            </a:r>
-            <a:r>
-              <a:rPr kumimoji="1" lang="zh-CN" altLang="zh-CN" sz="5400" dirty="0"/>
+              <a:rPr kumimoji="1" lang="zh-CN" altLang="en-US" sz="5400" dirty="0" smtClean="0">
+                <a:latin typeface="Arial"/>
+                <a:cs typeface="Arial"/>
+              </a:rPr>
+              <a:t> </a:t>
+            </a:r>
+            <a:r>
+              <a:rPr kumimoji="1" lang="en-US" altLang="zh-CN" sz="5400" dirty="0" smtClean="0">
+                <a:latin typeface="Arial"/>
+                <a:cs typeface="Arial"/>
+              </a:rPr>
               <a:t>5</a:t>
             </a:r>
-            <a:r>
-              <a:rPr kumimoji="1" lang="zh-CN" altLang="en-US" sz="5400" dirty="0" smtClean="0"/>
-              <a:t>  </a:t>
-            </a:r>
-            <a:endParaRPr kumimoji="1" lang="zh-CN" altLang="en-US" sz="5400" dirty="0"/>
+            <a:endParaRPr kumimoji="1" lang="zh-CN" altLang="en-US" sz="5400" dirty="0">
+              <a:latin typeface="Arial"/>
+              <a:cs typeface="Arial"/>
+            </a:endParaRPr>
           </a:p>
         </p:txBody>
       </p:sp>
@@ -12414,7 +12508,10 @@
           <a:lstStyle/>
           <a:p>
             <a:pPr algn="ctr"/>
-            <a:endParaRPr kumimoji="1" lang="zh-CN" altLang="en-US"/>
+            <a:endParaRPr kumimoji="1" lang="zh-CN" altLang="en-US">
+              <a:latin typeface="Arial"/>
+              <a:cs typeface="Arial"/>
+            </a:endParaRPr>
           </a:p>
         </p:txBody>
       </p:sp>
@@ -12427,7 +12524,7 @@
         <p:spPr>
           <a:xfrm>
             <a:off x="14957073" y="9795370"/>
-            <a:ext cx="2626014" cy="769441"/>
+            <a:ext cx="2913929" cy="769441"/>
           </a:xfrm>
           <a:prstGeom prst="rect">
             <a:avLst/>
@@ -12441,31 +12538,29 @@
           <a:lstStyle/>
           <a:p>
             <a:r>
-              <a:rPr kumimoji="1" lang="zh-CN" altLang="zh-CN" sz="4400" dirty="0" smtClean="0">
-                <a:latin typeface="+mj-lt"/>
-              </a:rPr>
-              <a:t>5</a:t>
-            </a:r>
-            <a:r>
               <a:rPr kumimoji="1" lang="en-US" altLang="zh-CN" sz="4400" dirty="0" smtClean="0">
-                <a:latin typeface="+mj-lt"/>
-              </a:rPr>
-              <a:t>12</a:t>
+                <a:latin typeface="Arial"/>
+                <a:cs typeface="Arial"/>
+              </a:rPr>
+              <a:t>512</a:t>
             </a:r>
             <a:r>
               <a:rPr kumimoji="1" lang="zh-CN" altLang="en-US" sz="4400" dirty="0" smtClean="0">
-                <a:latin typeface="+mj-lt"/>
+                <a:latin typeface="Arial"/>
+                <a:cs typeface="Arial"/>
               </a:rPr>
               <a:t> </a:t>
             </a:r>
             <a:r>
               <a:rPr kumimoji="1" lang="en-US" altLang="zh-CN" sz="4400" dirty="0" smtClean="0">
-                <a:latin typeface="+mj-lt"/>
+                <a:latin typeface="Arial"/>
+                <a:cs typeface="Arial"/>
               </a:rPr>
               <a:t>Nodes</a:t>
             </a:r>
             <a:endParaRPr kumimoji="1" lang="zh-CN" altLang="en-US" sz="4400" dirty="0">
-              <a:latin typeface="+mj-lt"/>
+              <a:latin typeface="Arial"/>
+              <a:cs typeface="Arial"/>
             </a:endParaRPr>
           </a:p>
         </p:txBody>
@@ -12507,7 +12602,10 @@
           <a:lstStyle/>
           <a:p>
             <a:pPr algn="ctr"/>
-            <a:endParaRPr kumimoji="1" lang="zh-CN" altLang="en-US"/>
+            <a:endParaRPr kumimoji="1" lang="zh-CN" altLang="en-US">
+              <a:latin typeface="Arial"/>
+              <a:cs typeface="Arial"/>
+            </a:endParaRPr>
           </a:p>
         </p:txBody>
       </p:sp>
@@ -12548,7 +12646,10 @@
           <a:lstStyle/>
           <a:p>
             <a:pPr algn="ctr"/>
-            <a:endParaRPr kumimoji="1" lang="zh-CN" altLang="en-US"/>
+            <a:endParaRPr kumimoji="1" lang="zh-CN" altLang="en-US">
+              <a:latin typeface="Arial"/>
+              <a:cs typeface="Arial"/>
+            </a:endParaRPr>
           </a:p>
         </p:txBody>
       </p:sp>
@@ -12589,7 +12690,10 @@
           <a:lstStyle/>
           <a:p>
             <a:pPr algn="ctr"/>
-            <a:endParaRPr kumimoji="1" lang="zh-CN" altLang="en-US"/>
+            <a:endParaRPr kumimoji="1" lang="zh-CN" altLang="en-US">
+              <a:latin typeface="Arial"/>
+              <a:cs typeface="Arial"/>
+            </a:endParaRPr>
           </a:p>
         </p:txBody>
       </p:sp>
@@ -12630,7 +12734,10 @@
           <a:lstStyle/>
           <a:p>
             <a:pPr algn="ctr"/>
-            <a:endParaRPr kumimoji="1" lang="zh-CN" altLang="en-US"/>
+            <a:endParaRPr kumimoji="1" lang="zh-CN" altLang="en-US">
+              <a:latin typeface="Arial"/>
+              <a:cs typeface="Arial"/>
+            </a:endParaRPr>
           </a:p>
         </p:txBody>
       </p:sp>
@@ -12643,7 +12750,7 @@
         <p:spPr>
           <a:xfrm>
             <a:off x="16101753" y="13230110"/>
-            <a:ext cx="822160" cy="1200329"/>
+            <a:ext cx="1107996" cy="1200329"/>
           </a:xfrm>
           <a:prstGeom prst="rect">
             <a:avLst/>
@@ -12657,10 +12764,16 @@
           <a:lstStyle/>
           <a:p>
             <a:r>
-              <a:rPr kumimoji="1" lang="is-IS" altLang="zh-CN" dirty="0" smtClean="0"/>
+              <a:rPr kumimoji="1" lang="is-IS" altLang="zh-CN" dirty="0" smtClean="0">
+                <a:latin typeface="Arial"/>
+                <a:cs typeface="Arial"/>
+              </a:rPr>
               <a:t>…</a:t>
             </a:r>
-            <a:endParaRPr kumimoji="1" lang="zh-CN" altLang="en-US" dirty="0"/>
+            <a:endParaRPr kumimoji="1" lang="zh-CN" altLang="en-US" dirty="0">
+              <a:latin typeface="Arial"/>
+              <a:cs typeface="Arial"/>
+            </a:endParaRPr>
           </a:p>
         </p:txBody>
       </p:sp>
@@ -12672,8 +12785,8 @@
         </p:nvSpPr>
         <p:spPr>
           <a:xfrm>
-            <a:off x="10456410" y="13661984"/>
-            <a:ext cx="2209747" cy="923330"/>
+            <a:off x="9850528" y="13632788"/>
+            <a:ext cx="2494455" cy="923330"/>
           </a:xfrm>
           <a:prstGeom prst="rect">
             <a:avLst/>
@@ -12687,22 +12800,30 @@
           <a:lstStyle/>
           <a:p>
             <a:r>
-              <a:rPr kumimoji="1" lang="en-US" altLang="zh-CN" sz="5400" dirty="0" smtClean="0"/>
+              <a:rPr kumimoji="1" lang="en-US" altLang="zh-CN" sz="5400" dirty="0" smtClean="0">
+                <a:latin typeface="Arial"/>
+                <a:cs typeface="Arial"/>
+              </a:rPr>
               <a:t>Layer</a:t>
             </a:r>
             <a:r>
-              <a:rPr kumimoji="1" lang="zh-CN" altLang="en-US" sz="5400" dirty="0" smtClean="0"/>
-              <a:t> </a:t>
-            </a:r>
-            <a:r>
-              <a:rPr kumimoji="1" lang="zh-CN" altLang="zh-CN" sz="5400" dirty="0" smtClean="0"/>
+              <a:rPr kumimoji="1" lang="zh-CN" altLang="en-US" sz="5400" dirty="0" smtClean="0">
+                <a:latin typeface="Arial"/>
+                <a:cs typeface="Arial"/>
+              </a:rPr>
+              <a:t> </a:t>
+            </a:r>
+            <a:r>
+              <a:rPr kumimoji="1" lang="en-US" altLang="zh-CN" sz="5400" dirty="0" smtClean="0">
+                <a:latin typeface="Arial"/>
+                <a:cs typeface="Arial"/>
+              </a:rPr>
               <a:t>4</a:t>
             </a:r>
-            <a:r>
-              <a:rPr kumimoji="1" lang="zh-CN" altLang="en-US" sz="5400" dirty="0" smtClean="0"/>
-              <a:t>  </a:t>
-            </a:r>
-            <a:endParaRPr kumimoji="1" lang="zh-CN" altLang="en-US" sz="5400" dirty="0"/>
+            <a:endParaRPr kumimoji="1" lang="zh-CN" altLang="en-US" sz="5400" dirty="0">
+              <a:latin typeface="Arial"/>
+              <a:cs typeface="Arial"/>
+            </a:endParaRPr>
           </a:p>
         </p:txBody>
       </p:sp>
@@ -12743,7 +12864,10 @@
           <a:lstStyle/>
           <a:p>
             <a:pPr algn="ctr"/>
-            <a:endParaRPr kumimoji="1" lang="zh-CN" altLang="en-US"/>
+            <a:endParaRPr kumimoji="1" lang="zh-CN" altLang="en-US">
+              <a:latin typeface="Arial"/>
+              <a:cs typeface="Arial"/>
+            </a:endParaRPr>
           </a:p>
         </p:txBody>
       </p:sp>
@@ -12756,7 +12880,7 @@
         <p:spPr>
           <a:xfrm>
             <a:off x="15074564" y="12150917"/>
-            <a:ext cx="2626014" cy="769441"/>
+            <a:ext cx="2913929" cy="769441"/>
           </a:xfrm>
           <a:prstGeom prst="rect">
             <a:avLst/>
@@ -12770,22 +12894,30 @@
           <a:lstStyle/>
           <a:p>
             <a:r>
-              <a:rPr kumimoji="1" lang="zh-CN" altLang="zh-CN" sz="4400" dirty="0" smtClean="0"/>
-              <a:t>2</a:t>
-            </a:r>
-            <a:r>
-              <a:rPr kumimoji="1" lang="en-US" altLang="zh-CN" sz="4400" dirty="0" smtClean="0"/>
-              <a:t>56</a:t>
-            </a:r>
-            <a:r>
-              <a:rPr kumimoji="1" lang="zh-CN" altLang="en-US" sz="4400" dirty="0" smtClean="0"/>
-              <a:t> </a:t>
-            </a:r>
-            <a:r>
-              <a:rPr kumimoji="1" lang="en-US" altLang="zh-CN" sz="4400" dirty="0" smtClean="0"/>
+              <a:rPr kumimoji="1" lang="en-US" altLang="zh-CN" sz="4400" dirty="0" smtClean="0">
+                <a:latin typeface="Arial"/>
+                <a:cs typeface="Arial"/>
+              </a:rPr>
+              <a:t>256</a:t>
+            </a:r>
+            <a:r>
+              <a:rPr kumimoji="1" lang="zh-CN" altLang="en-US" sz="4400" dirty="0" smtClean="0">
+                <a:latin typeface="Arial"/>
+                <a:cs typeface="Arial"/>
+              </a:rPr>
+              <a:t> </a:t>
+            </a:r>
+            <a:r>
+              <a:rPr kumimoji="1" lang="en-US" altLang="zh-CN" sz="4400" dirty="0" smtClean="0">
+                <a:latin typeface="Arial"/>
+                <a:cs typeface="Arial"/>
+              </a:rPr>
               <a:t>Nodes</a:t>
             </a:r>
-            <a:endParaRPr kumimoji="1" lang="zh-CN" altLang="en-US" sz="4400" dirty="0"/>
+            <a:endParaRPr kumimoji="1" lang="zh-CN" altLang="en-US" sz="4400" dirty="0">
+              <a:latin typeface="Arial"/>
+              <a:cs typeface="Arial"/>
+            </a:endParaRPr>
           </a:p>
         </p:txBody>
       </p:sp>
@@ -12826,7 +12958,10 @@
           <a:lstStyle/>
           <a:p>
             <a:pPr algn="ctr"/>
-            <a:endParaRPr kumimoji="1" lang="zh-CN" altLang="en-US"/>
+            <a:endParaRPr kumimoji="1" lang="zh-CN" altLang="en-US">
+              <a:latin typeface="Arial"/>
+              <a:cs typeface="Arial"/>
+            </a:endParaRPr>
           </a:p>
         </p:txBody>
       </p:sp>
@@ -12867,7 +13002,10 @@
           <a:lstStyle/>
           <a:p>
             <a:pPr algn="ctr"/>
-            <a:endParaRPr kumimoji="1" lang="zh-CN" altLang="en-US"/>
+            <a:endParaRPr kumimoji="1" lang="zh-CN" altLang="en-US">
+              <a:latin typeface="Arial"/>
+              <a:cs typeface="Arial"/>
+            </a:endParaRPr>
           </a:p>
         </p:txBody>
       </p:sp>
@@ -12908,7 +13046,10 @@
           <a:lstStyle/>
           <a:p>
             <a:pPr algn="ctr"/>
-            <a:endParaRPr kumimoji="1" lang="zh-CN" altLang="en-US"/>
+            <a:endParaRPr kumimoji="1" lang="zh-CN" altLang="en-US">
+              <a:latin typeface="Arial"/>
+              <a:cs typeface="Arial"/>
+            </a:endParaRPr>
           </a:p>
         </p:txBody>
       </p:sp>
@@ -12949,7 +13090,10 @@
           <a:lstStyle/>
           <a:p>
             <a:pPr algn="ctr"/>
-            <a:endParaRPr kumimoji="1" lang="zh-CN" altLang="en-US"/>
+            <a:endParaRPr kumimoji="1" lang="zh-CN" altLang="en-US">
+              <a:latin typeface="Arial"/>
+              <a:cs typeface="Arial"/>
+            </a:endParaRPr>
           </a:p>
         </p:txBody>
       </p:sp>
@@ -12962,7 +13106,7 @@
         <p:spPr>
           <a:xfrm>
             <a:off x="16254153" y="15691696"/>
-            <a:ext cx="822160" cy="1200329"/>
+            <a:ext cx="1107996" cy="1200329"/>
           </a:xfrm>
           <a:prstGeom prst="rect">
             <a:avLst/>
@@ -12976,10 +13120,16 @@
           <a:lstStyle/>
           <a:p>
             <a:r>
-              <a:rPr kumimoji="1" lang="is-IS" altLang="zh-CN" dirty="0" smtClean="0"/>
+              <a:rPr kumimoji="1" lang="is-IS" altLang="zh-CN" dirty="0" smtClean="0">
+                <a:latin typeface="Arial"/>
+                <a:cs typeface="Arial"/>
+              </a:rPr>
               <a:t>…</a:t>
             </a:r>
-            <a:endParaRPr kumimoji="1" lang="zh-CN" altLang="en-US" dirty="0"/>
+            <a:endParaRPr kumimoji="1" lang="zh-CN" altLang="en-US" dirty="0">
+              <a:latin typeface="Arial"/>
+              <a:cs typeface="Arial"/>
+            </a:endParaRPr>
           </a:p>
         </p:txBody>
       </p:sp>
@@ -12991,8 +13141,8 @@
         </p:nvSpPr>
         <p:spPr>
           <a:xfrm>
-            <a:off x="10608810" y="15987181"/>
-            <a:ext cx="2209747" cy="923330"/>
+            <a:off x="9850528" y="16101529"/>
+            <a:ext cx="2494455" cy="923330"/>
           </a:xfrm>
           <a:prstGeom prst="rect">
             <a:avLst/>
@@ -13006,22 +13156,37 @@
           <a:lstStyle/>
           <a:p>
             <a:r>
-              <a:rPr kumimoji="1" lang="en-US" altLang="zh-CN" sz="5400" dirty="0" smtClean="0"/>
+              <a:rPr kumimoji="1" lang="en-US" altLang="zh-CN" sz="5400" dirty="0" smtClean="0">
+                <a:latin typeface="Arial"/>
+                <a:cs typeface="Arial"/>
+              </a:rPr>
               <a:t>Layer</a:t>
             </a:r>
             <a:r>
-              <a:rPr kumimoji="1" lang="zh-CN" altLang="en-US" sz="5400" dirty="0" smtClean="0"/>
-              <a:t> </a:t>
-            </a:r>
-            <a:r>
-              <a:rPr kumimoji="1" lang="zh-CN" altLang="zh-CN" sz="5400" dirty="0"/>
+              <a:rPr kumimoji="1" lang="zh-CN" altLang="en-US" sz="5400" dirty="0" smtClean="0">
+                <a:latin typeface="Arial"/>
+                <a:cs typeface="Arial"/>
+              </a:rPr>
+              <a:t> </a:t>
+            </a:r>
+            <a:r>
+              <a:rPr kumimoji="1" lang="en-US" altLang="zh-CN" sz="5400" dirty="0" smtClean="0">
+                <a:latin typeface="Arial"/>
+                <a:cs typeface="Arial"/>
+              </a:rPr>
               <a:t>3</a:t>
             </a:r>
             <a:r>
-              <a:rPr kumimoji="1" lang="zh-CN" altLang="en-US" sz="5400" dirty="0" smtClean="0"/>
-              <a:t>  </a:t>
-            </a:r>
-            <a:endParaRPr kumimoji="1" lang="zh-CN" altLang="en-US" sz="5400" dirty="0"/>
+              <a:rPr kumimoji="1" lang="zh-CN" altLang="en-US" sz="5400" dirty="0" smtClean="0">
+                <a:latin typeface="Arial"/>
+                <a:cs typeface="Arial"/>
+              </a:rPr>
+              <a:t> </a:t>
+            </a:r>
+            <a:endParaRPr kumimoji="1" lang="zh-CN" altLang="en-US" sz="5400" dirty="0">
+              <a:latin typeface="Arial"/>
+              <a:cs typeface="Arial"/>
+            </a:endParaRPr>
           </a:p>
         </p:txBody>
       </p:sp>
@@ -13062,7 +13227,10 @@
           <a:lstStyle/>
           <a:p>
             <a:pPr algn="ctr"/>
-            <a:endParaRPr kumimoji="1" lang="zh-CN" altLang="en-US"/>
+            <a:endParaRPr kumimoji="1" lang="zh-CN" altLang="en-US">
+              <a:latin typeface="Arial"/>
+              <a:cs typeface="Arial"/>
+            </a:endParaRPr>
           </a:p>
         </p:txBody>
       </p:sp>
@@ -13075,7 +13243,7 @@
         <p:spPr>
           <a:xfrm>
             <a:off x="15226964" y="14612503"/>
-            <a:ext cx="2626014" cy="769441"/>
+            <a:ext cx="2913929" cy="769441"/>
           </a:xfrm>
           <a:prstGeom prst="rect">
             <a:avLst/>
@@ -13089,22 +13257,30 @@
           <a:lstStyle/>
           <a:p>
             <a:r>
-              <a:rPr kumimoji="1" lang="zh-CN" altLang="zh-CN" sz="4400" dirty="0" smtClean="0"/>
-              <a:t>2</a:t>
-            </a:r>
-            <a:r>
-              <a:rPr kumimoji="1" lang="en-US" altLang="zh-CN" sz="4400" dirty="0" smtClean="0"/>
-              <a:t>56</a:t>
-            </a:r>
-            <a:r>
-              <a:rPr kumimoji="1" lang="zh-CN" altLang="en-US" sz="4400" dirty="0" smtClean="0"/>
-              <a:t> </a:t>
-            </a:r>
-            <a:r>
-              <a:rPr kumimoji="1" lang="en-US" altLang="zh-CN" sz="4400" dirty="0" smtClean="0"/>
+              <a:rPr kumimoji="1" lang="en-US" altLang="zh-CN" sz="4400" dirty="0" smtClean="0">
+                <a:latin typeface="Arial"/>
+                <a:cs typeface="Arial"/>
+              </a:rPr>
+              <a:t>256</a:t>
+            </a:r>
+            <a:r>
+              <a:rPr kumimoji="1" lang="zh-CN" altLang="en-US" sz="4400" dirty="0" smtClean="0">
+                <a:latin typeface="Arial"/>
+                <a:cs typeface="Arial"/>
+              </a:rPr>
+              <a:t> </a:t>
+            </a:r>
+            <a:r>
+              <a:rPr kumimoji="1" lang="en-US" altLang="zh-CN" sz="4400" dirty="0" smtClean="0">
+                <a:latin typeface="Arial"/>
+                <a:cs typeface="Arial"/>
+              </a:rPr>
               <a:t>Nodes</a:t>
             </a:r>
-            <a:endParaRPr kumimoji="1" lang="zh-CN" altLang="en-US" sz="4400" dirty="0"/>
+            <a:endParaRPr kumimoji="1" lang="zh-CN" altLang="en-US" sz="4400" dirty="0">
+              <a:latin typeface="Arial"/>
+              <a:cs typeface="Arial"/>
+            </a:endParaRPr>
           </a:p>
         </p:txBody>
       </p:sp>
@@ -13145,7 +13321,10 @@
           <a:lstStyle/>
           <a:p>
             <a:pPr algn="ctr"/>
-            <a:endParaRPr kumimoji="1" lang="zh-CN" altLang="en-US"/>
+            <a:endParaRPr kumimoji="1" lang="zh-CN" altLang="en-US">
+              <a:latin typeface="Arial"/>
+              <a:cs typeface="Arial"/>
+            </a:endParaRPr>
           </a:p>
         </p:txBody>
       </p:sp>
@@ -13186,7 +13365,10 @@
           <a:lstStyle/>
           <a:p>
             <a:pPr algn="ctr"/>
-            <a:endParaRPr kumimoji="1" lang="zh-CN" altLang="en-US"/>
+            <a:endParaRPr kumimoji="1" lang="zh-CN" altLang="en-US">
+              <a:latin typeface="Arial"/>
+              <a:cs typeface="Arial"/>
+            </a:endParaRPr>
           </a:p>
         </p:txBody>
       </p:sp>
@@ -13227,7 +13409,10 @@
           <a:lstStyle/>
           <a:p>
             <a:pPr algn="ctr"/>
-            <a:endParaRPr kumimoji="1" lang="zh-CN" altLang="en-US"/>
+            <a:endParaRPr kumimoji="1" lang="zh-CN" altLang="en-US">
+              <a:latin typeface="Arial"/>
+              <a:cs typeface="Arial"/>
+            </a:endParaRPr>
           </a:p>
         </p:txBody>
       </p:sp>
@@ -13268,7 +13453,10 @@
           <a:lstStyle/>
           <a:p>
             <a:pPr algn="ctr"/>
-            <a:endParaRPr kumimoji="1" lang="zh-CN" altLang="en-US"/>
+            <a:endParaRPr kumimoji="1" lang="zh-CN" altLang="en-US">
+              <a:latin typeface="Arial"/>
+              <a:cs typeface="Arial"/>
+            </a:endParaRPr>
           </a:p>
         </p:txBody>
       </p:sp>
@@ -13309,7 +13497,10 @@
           <a:lstStyle/>
           <a:p>
             <a:pPr algn="ctr"/>
-            <a:endParaRPr kumimoji="1" lang="zh-CN" altLang="en-US"/>
+            <a:endParaRPr kumimoji="1" lang="zh-CN" altLang="en-US">
+              <a:latin typeface="Arial"/>
+              <a:cs typeface="Arial"/>
+            </a:endParaRPr>
           </a:p>
         </p:txBody>
       </p:sp>
@@ -13350,7 +13541,10 @@
           <a:lstStyle/>
           <a:p>
             <a:pPr algn="ctr"/>
-            <a:endParaRPr kumimoji="1" lang="zh-CN" altLang="en-US"/>
+            <a:endParaRPr kumimoji="1" lang="zh-CN" altLang="en-US">
+              <a:latin typeface="Arial"/>
+              <a:cs typeface="Arial"/>
+            </a:endParaRPr>
           </a:p>
         </p:txBody>
       </p:sp>
@@ -13363,7 +13557,7 @@
         <p:spPr>
           <a:xfrm>
             <a:off x="16252694" y="17953474"/>
-            <a:ext cx="822160" cy="1200329"/>
+            <a:ext cx="1107996" cy="1200329"/>
           </a:xfrm>
           <a:prstGeom prst="rect">
             <a:avLst/>
@@ -13377,10 +13571,16 @@
           <a:lstStyle/>
           <a:p>
             <a:r>
-              <a:rPr kumimoji="1" lang="is-IS" altLang="zh-CN" dirty="0" smtClean="0"/>
+              <a:rPr kumimoji="1" lang="is-IS" altLang="zh-CN" dirty="0" smtClean="0">
+                <a:latin typeface="Arial"/>
+                <a:cs typeface="Arial"/>
+              </a:rPr>
               <a:t>…</a:t>
             </a:r>
-            <a:endParaRPr kumimoji="1" lang="zh-CN" altLang="en-US" dirty="0"/>
+            <a:endParaRPr kumimoji="1" lang="zh-CN" altLang="en-US" dirty="0">
+              <a:latin typeface="Arial"/>
+              <a:cs typeface="Arial"/>
+            </a:endParaRPr>
           </a:p>
         </p:txBody>
       </p:sp>
@@ -13392,8 +13592,8 @@
         </p:nvSpPr>
         <p:spPr>
           <a:xfrm>
-            <a:off x="10607351" y="18385348"/>
-            <a:ext cx="2209747" cy="923330"/>
+            <a:off x="9845794" y="18356152"/>
+            <a:ext cx="2494455" cy="923330"/>
           </a:xfrm>
           <a:prstGeom prst="rect">
             <a:avLst/>
@@ -13407,22 +13607,30 @@
           <a:lstStyle/>
           <a:p>
             <a:r>
-              <a:rPr kumimoji="1" lang="en-US" altLang="zh-CN" sz="5400" dirty="0" smtClean="0"/>
+              <a:rPr kumimoji="1" lang="en-US" altLang="zh-CN" sz="5400" dirty="0" smtClean="0">
+                <a:latin typeface="Arial"/>
+                <a:cs typeface="Arial"/>
+              </a:rPr>
               <a:t>Layer</a:t>
             </a:r>
             <a:r>
-              <a:rPr kumimoji="1" lang="zh-CN" altLang="en-US" sz="5400" dirty="0" smtClean="0"/>
-              <a:t> </a:t>
-            </a:r>
-            <a:r>
-              <a:rPr kumimoji="1" lang="zh-CN" altLang="zh-CN" sz="5400" dirty="0" smtClean="0"/>
+              <a:rPr kumimoji="1" lang="zh-CN" altLang="en-US" sz="5400" dirty="0" smtClean="0">
+                <a:latin typeface="Arial"/>
+                <a:cs typeface="Arial"/>
+              </a:rPr>
+              <a:t> </a:t>
+            </a:r>
+            <a:r>
+              <a:rPr kumimoji="1" lang="en-US" altLang="zh-CN" sz="5400" dirty="0" smtClean="0">
+                <a:latin typeface="Arial"/>
+                <a:cs typeface="Arial"/>
+              </a:rPr>
               <a:t>2</a:t>
             </a:r>
-            <a:r>
-              <a:rPr kumimoji="1" lang="zh-CN" altLang="en-US" sz="5400" dirty="0" smtClean="0"/>
-              <a:t>  </a:t>
-            </a:r>
-            <a:endParaRPr kumimoji="1" lang="zh-CN" altLang="en-US" sz="5400" dirty="0"/>
+            <a:endParaRPr kumimoji="1" lang="zh-CN" altLang="en-US" sz="5400" dirty="0">
+              <a:latin typeface="Arial"/>
+              <a:cs typeface="Arial"/>
+            </a:endParaRPr>
           </a:p>
         </p:txBody>
       </p:sp>
@@ -13463,7 +13671,10 @@
           <a:lstStyle/>
           <a:p>
             <a:pPr algn="ctr"/>
-            <a:endParaRPr kumimoji="1" lang="zh-CN" altLang="en-US"/>
+            <a:endParaRPr kumimoji="1" lang="zh-CN" altLang="en-US">
+              <a:latin typeface="Arial"/>
+              <a:cs typeface="Arial"/>
+            </a:endParaRPr>
           </a:p>
         </p:txBody>
       </p:sp>
@@ -13476,7 +13687,7 @@
         <p:spPr>
           <a:xfrm>
             <a:off x="15225505" y="16874281"/>
-            <a:ext cx="2626014" cy="769441"/>
+            <a:ext cx="2913929" cy="769441"/>
           </a:xfrm>
           <a:prstGeom prst="rect">
             <a:avLst/>
@@ -13490,22 +13701,30 @@
           <a:lstStyle/>
           <a:p>
             <a:r>
-              <a:rPr kumimoji="1" lang="zh-CN" altLang="zh-CN" sz="4400" dirty="0" smtClean="0"/>
-              <a:t>5</a:t>
-            </a:r>
-            <a:r>
-              <a:rPr kumimoji="1" lang="en-US" altLang="zh-CN" sz="4400" dirty="0" smtClean="0"/>
-              <a:t>12</a:t>
-            </a:r>
-            <a:r>
-              <a:rPr kumimoji="1" lang="zh-CN" altLang="en-US" sz="4400" dirty="0" smtClean="0"/>
-              <a:t> </a:t>
-            </a:r>
-            <a:r>
-              <a:rPr kumimoji="1" lang="en-US" altLang="zh-CN" sz="4400" dirty="0" smtClean="0"/>
+              <a:rPr kumimoji="1" lang="en-US" altLang="zh-CN" sz="4400" dirty="0" smtClean="0">
+                <a:latin typeface="Arial"/>
+                <a:cs typeface="Arial"/>
+              </a:rPr>
+              <a:t>512</a:t>
+            </a:r>
+            <a:r>
+              <a:rPr kumimoji="1" lang="zh-CN" altLang="en-US" sz="4400" dirty="0" smtClean="0">
+                <a:latin typeface="Arial"/>
+                <a:cs typeface="Arial"/>
+              </a:rPr>
+              <a:t> </a:t>
+            </a:r>
+            <a:r>
+              <a:rPr kumimoji="1" lang="en-US" altLang="zh-CN" sz="4400" dirty="0" smtClean="0">
+                <a:latin typeface="Arial"/>
+                <a:cs typeface="Arial"/>
+              </a:rPr>
               <a:t>Nodes</a:t>
             </a:r>
-            <a:endParaRPr kumimoji="1" lang="zh-CN" altLang="en-US" sz="4400" dirty="0"/>
+            <a:endParaRPr kumimoji="1" lang="zh-CN" altLang="en-US" sz="4400" dirty="0">
+              <a:latin typeface="Arial"/>
+              <a:cs typeface="Arial"/>
+            </a:endParaRPr>
           </a:p>
         </p:txBody>
       </p:sp>
@@ -13546,7 +13765,10 @@
           <a:lstStyle/>
           <a:p>
             <a:pPr algn="ctr"/>
-            <a:endParaRPr kumimoji="1" lang="zh-CN" altLang="en-US"/>
+            <a:endParaRPr kumimoji="1" lang="zh-CN" altLang="en-US">
+              <a:latin typeface="Arial"/>
+              <a:cs typeface="Arial"/>
+            </a:endParaRPr>
           </a:p>
         </p:txBody>
       </p:sp>
@@ -13587,7 +13809,10 @@
           <a:lstStyle/>
           <a:p>
             <a:pPr algn="ctr"/>
-            <a:endParaRPr kumimoji="1" lang="zh-CN" altLang="en-US"/>
+            <a:endParaRPr kumimoji="1" lang="zh-CN" altLang="en-US">
+              <a:latin typeface="Arial"/>
+              <a:cs typeface="Arial"/>
+            </a:endParaRPr>
           </a:p>
         </p:txBody>
       </p:sp>
@@ -13628,7 +13853,10 @@
           <a:lstStyle/>
           <a:p>
             <a:pPr algn="ctr"/>
-            <a:endParaRPr kumimoji="1" lang="zh-CN" altLang="en-US"/>
+            <a:endParaRPr kumimoji="1" lang="zh-CN" altLang="en-US">
+              <a:latin typeface="Arial"/>
+              <a:cs typeface="Arial"/>
+            </a:endParaRPr>
           </a:p>
         </p:txBody>
       </p:sp>
@@ -13669,7 +13897,10 @@
           <a:lstStyle/>
           <a:p>
             <a:pPr algn="ctr"/>
-            <a:endParaRPr kumimoji="1" lang="zh-CN" altLang="en-US"/>
+            <a:endParaRPr kumimoji="1" lang="zh-CN" altLang="en-US">
+              <a:latin typeface="Arial"/>
+              <a:cs typeface="Arial"/>
+            </a:endParaRPr>
           </a:p>
         </p:txBody>
       </p:sp>
@@ -13710,7 +13941,10 @@
           <a:lstStyle/>
           <a:p>
             <a:pPr algn="ctr"/>
-            <a:endParaRPr kumimoji="1" lang="zh-CN" altLang="en-US"/>
+            <a:endParaRPr kumimoji="1" lang="zh-CN" altLang="en-US">
+              <a:latin typeface="Arial"/>
+              <a:cs typeface="Arial"/>
+            </a:endParaRPr>
           </a:p>
         </p:txBody>
       </p:sp>
@@ -13751,7 +13985,10 @@
           <a:lstStyle/>
           <a:p>
             <a:pPr algn="ctr"/>
-            <a:endParaRPr kumimoji="1" lang="zh-CN" altLang="en-US"/>
+            <a:endParaRPr kumimoji="1" lang="zh-CN" altLang="en-US">
+              <a:latin typeface="Arial"/>
+              <a:cs typeface="Arial"/>
+            </a:endParaRPr>
           </a:p>
         </p:txBody>
       </p:sp>
@@ -13792,7 +14029,10 @@
           <a:lstStyle/>
           <a:p>
             <a:pPr algn="ctr"/>
-            <a:endParaRPr kumimoji="1" lang="zh-CN" altLang="en-US"/>
+            <a:endParaRPr kumimoji="1" lang="zh-CN" altLang="en-US">
+              <a:latin typeface="Arial"/>
+              <a:cs typeface="Arial"/>
+            </a:endParaRPr>
           </a:p>
         </p:txBody>
       </p:sp>
@@ -13833,7 +14073,10 @@
           <a:lstStyle/>
           <a:p>
             <a:pPr algn="ctr"/>
-            <a:endParaRPr kumimoji="1" lang="zh-CN" altLang="en-US"/>
+            <a:endParaRPr kumimoji="1" lang="zh-CN" altLang="en-US">
+              <a:latin typeface="Arial"/>
+              <a:cs typeface="Arial"/>
+            </a:endParaRPr>
           </a:p>
         </p:txBody>
       </p:sp>
@@ -13846,7 +14089,7 @@
         <p:spPr>
           <a:xfrm>
             <a:off x="16101752" y="20425738"/>
-            <a:ext cx="822160" cy="1200329"/>
+            <a:ext cx="1107996" cy="1200329"/>
           </a:xfrm>
           <a:prstGeom prst="rect">
             <a:avLst/>
@@ -13860,10 +14103,16 @@
           <a:lstStyle/>
           <a:p>
             <a:r>
-              <a:rPr kumimoji="1" lang="is-IS" altLang="zh-CN" dirty="0" smtClean="0"/>
+              <a:rPr kumimoji="1" lang="is-IS" altLang="zh-CN" dirty="0" smtClean="0">
+                <a:latin typeface="Arial"/>
+                <a:cs typeface="Arial"/>
+              </a:rPr>
               <a:t>…</a:t>
             </a:r>
-            <a:endParaRPr kumimoji="1" lang="zh-CN" altLang="en-US" dirty="0"/>
+            <a:endParaRPr kumimoji="1" lang="zh-CN" altLang="en-US" dirty="0">
+              <a:latin typeface="Arial"/>
+              <a:cs typeface="Arial"/>
+            </a:endParaRPr>
           </a:p>
         </p:txBody>
       </p:sp>
@@ -13875,8 +14124,8 @@
         </p:nvSpPr>
         <p:spPr>
           <a:xfrm>
-            <a:off x="10456409" y="20857612"/>
-            <a:ext cx="2209747" cy="923330"/>
+            <a:off x="9845794" y="20828416"/>
+            <a:ext cx="2494455" cy="923330"/>
           </a:xfrm>
           <a:prstGeom prst="rect">
             <a:avLst/>
@@ -13890,18 +14139,30 @@
           <a:lstStyle/>
           <a:p>
             <a:r>
-              <a:rPr kumimoji="1" lang="en-US" altLang="zh-CN" sz="5400" dirty="0" smtClean="0"/>
+              <a:rPr kumimoji="1" lang="en-US" altLang="zh-CN" sz="5400" dirty="0" smtClean="0">
+                <a:latin typeface="Arial"/>
+                <a:cs typeface="Arial"/>
+              </a:rPr>
               <a:t>Layer</a:t>
             </a:r>
             <a:r>
-              <a:rPr kumimoji="1" lang="zh-CN" altLang="en-US" sz="5400" dirty="0" smtClean="0"/>
-              <a:t> </a:t>
-            </a:r>
-            <a:r>
-              <a:rPr kumimoji="1" lang="zh-CN" altLang="zh-CN" sz="5400" dirty="0" smtClean="0"/>
+              <a:rPr kumimoji="1" lang="zh-CN" altLang="en-US" sz="5400" dirty="0" smtClean="0">
+                <a:latin typeface="Arial"/>
+                <a:cs typeface="Arial"/>
+              </a:rPr>
+              <a:t> </a:t>
+            </a:r>
+            <a:r>
+              <a:rPr kumimoji="1" lang="en-US" altLang="zh-CN" sz="5400" dirty="0" smtClean="0">
+                <a:latin typeface="Arial"/>
+                <a:cs typeface="Arial"/>
+              </a:rPr>
               <a:t>1</a:t>
             </a:r>
-            <a:endParaRPr kumimoji="1" lang="zh-CN" altLang="en-US" sz="5400" dirty="0"/>
+            <a:endParaRPr kumimoji="1" lang="zh-CN" altLang="en-US" sz="5400" dirty="0">
+              <a:latin typeface="Arial"/>
+              <a:cs typeface="Arial"/>
+            </a:endParaRPr>
           </a:p>
         </p:txBody>
       </p:sp>
@@ -13942,7 +14203,10 @@
           <a:lstStyle/>
           <a:p>
             <a:pPr algn="ctr"/>
-            <a:endParaRPr kumimoji="1" lang="zh-CN" altLang="en-US"/>
+            <a:endParaRPr kumimoji="1" lang="zh-CN" altLang="en-US">
+              <a:latin typeface="Arial"/>
+              <a:cs typeface="Arial"/>
+            </a:endParaRPr>
           </a:p>
         </p:txBody>
       </p:sp>
@@ -13955,7 +14219,7 @@
         <p:spPr>
           <a:xfrm>
             <a:off x="15074563" y="19346545"/>
-            <a:ext cx="2915857" cy="769441"/>
+            <a:ext cx="3227742" cy="769441"/>
           </a:xfrm>
           <a:prstGeom prst="rect">
             <a:avLst/>
@@ -13969,18 +14233,30 @@
           <a:lstStyle/>
           <a:p>
             <a:r>
-              <a:rPr kumimoji="1" lang="en-US" altLang="zh-CN" sz="4400" dirty="0" smtClean="0"/>
+              <a:rPr kumimoji="1" lang="en-US" altLang="zh-CN" sz="4400" dirty="0" smtClean="0">
+                <a:latin typeface="Arial"/>
+                <a:cs typeface="Arial"/>
+              </a:rPr>
               <a:t>1024</a:t>
             </a:r>
             <a:r>
-              <a:rPr kumimoji="1" lang="zh-CN" altLang="en-US" sz="4400" dirty="0" smtClean="0"/>
-              <a:t> </a:t>
-            </a:r>
-            <a:r>
-              <a:rPr kumimoji="1" lang="en-US" altLang="zh-CN" sz="4400" dirty="0" smtClean="0"/>
+              <a:rPr kumimoji="1" lang="zh-CN" altLang="en-US" sz="4400" dirty="0" smtClean="0">
+                <a:latin typeface="Arial"/>
+                <a:cs typeface="Arial"/>
+              </a:rPr>
+              <a:t> </a:t>
+            </a:r>
+            <a:r>
+              <a:rPr kumimoji="1" lang="en-US" altLang="zh-CN" sz="4400" dirty="0" smtClean="0">
+                <a:latin typeface="Arial"/>
+                <a:cs typeface="Arial"/>
+              </a:rPr>
               <a:t>Nodes</a:t>
             </a:r>
-            <a:endParaRPr kumimoji="1" lang="zh-CN" altLang="en-US" sz="4400" dirty="0"/>
+            <a:endParaRPr kumimoji="1" lang="zh-CN" altLang="en-US" sz="4400" dirty="0">
+              <a:latin typeface="Arial"/>
+              <a:cs typeface="Arial"/>
+            </a:endParaRPr>
           </a:p>
         </p:txBody>
       </p:sp>
@@ -14021,7 +14297,10 @@
           <a:lstStyle/>
           <a:p>
             <a:pPr algn="ctr"/>
-            <a:endParaRPr kumimoji="1" lang="zh-CN" altLang="en-US"/>
+            <a:endParaRPr kumimoji="1" lang="zh-CN" altLang="en-US">
+              <a:latin typeface="Arial"/>
+              <a:cs typeface="Arial"/>
+            </a:endParaRPr>
           </a:p>
         </p:txBody>
       </p:sp>
@@ -14062,7 +14341,10 @@
           <a:lstStyle/>
           <a:p>
             <a:pPr algn="ctr"/>
-            <a:endParaRPr kumimoji="1" lang="zh-CN" altLang="en-US"/>
+            <a:endParaRPr kumimoji="1" lang="zh-CN" altLang="en-US">
+              <a:latin typeface="Arial"/>
+              <a:cs typeface="Arial"/>
+            </a:endParaRPr>
           </a:p>
         </p:txBody>
       </p:sp>
@@ -14103,7 +14385,10 @@
           <a:lstStyle/>
           <a:p>
             <a:pPr algn="ctr"/>
-            <a:endParaRPr kumimoji="1" lang="zh-CN" altLang="en-US"/>
+            <a:endParaRPr kumimoji="1" lang="zh-CN" altLang="en-US">
+              <a:latin typeface="Arial"/>
+              <a:cs typeface="Arial"/>
+            </a:endParaRPr>
           </a:p>
         </p:txBody>
       </p:sp>
@@ -14144,7 +14429,10 @@
           <a:lstStyle/>
           <a:p>
             <a:pPr algn="ctr"/>
-            <a:endParaRPr kumimoji="1" lang="zh-CN" altLang="en-US"/>
+            <a:endParaRPr kumimoji="1" lang="zh-CN" altLang="en-US">
+              <a:latin typeface="Arial"/>
+              <a:cs typeface="Arial"/>
+            </a:endParaRPr>
           </a:p>
         </p:txBody>
       </p:sp>
@@ -14185,7 +14473,10 @@
           <a:lstStyle/>
           <a:p>
             <a:pPr algn="ctr"/>
-            <a:endParaRPr kumimoji="1" lang="zh-CN" altLang="en-US"/>
+            <a:endParaRPr kumimoji="1" lang="zh-CN" altLang="en-US">
+              <a:latin typeface="Arial"/>
+              <a:cs typeface="Arial"/>
+            </a:endParaRPr>
           </a:p>
         </p:txBody>
       </p:sp>
@@ -14226,7 +14517,10 @@
           <a:lstStyle/>
           <a:p>
             <a:pPr algn="ctr"/>
-            <a:endParaRPr kumimoji="1" lang="zh-CN" altLang="en-US"/>
+            <a:endParaRPr kumimoji="1" lang="zh-CN" altLang="en-US">
+              <a:latin typeface="Arial"/>
+              <a:cs typeface="Arial"/>
+            </a:endParaRPr>
           </a:p>
         </p:txBody>
       </p:sp>
@@ -14267,7 +14561,10 @@
           <a:lstStyle/>
           <a:p>
             <a:pPr algn="ctr"/>
-            <a:endParaRPr kumimoji="1" lang="zh-CN" altLang="en-US"/>
+            <a:endParaRPr kumimoji="1" lang="zh-CN" altLang="en-US">
+              <a:latin typeface="Arial"/>
+              <a:cs typeface="Arial"/>
+            </a:endParaRPr>
           </a:p>
         </p:txBody>
       </p:sp>
@@ -14308,7 +14605,10 @@
           <a:lstStyle/>
           <a:p>
             <a:pPr algn="ctr"/>
-            <a:endParaRPr kumimoji="1" lang="zh-CN" altLang="en-US"/>
+            <a:endParaRPr kumimoji="1" lang="zh-CN" altLang="en-US">
+              <a:latin typeface="Arial"/>
+              <a:cs typeface="Arial"/>
+            </a:endParaRPr>
           </a:p>
         </p:txBody>
       </p:sp>
@@ -14321,7 +14621,7 @@
         <p:spPr>
           <a:xfrm>
             <a:off x="24276716" y="20578138"/>
-            <a:ext cx="822160" cy="1200329"/>
+            <a:ext cx="1107996" cy="1200329"/>
           </a:xfrm>
           <a:prstGeom prst="rect">
             <a:avLst/>
@@ -14335,10 +14635,16 @@
           <a:lstStyle/>
           <a:p>
             <a:r>
-              <a:rPr kumimoji="1" lang="is-IS" altLang="zh-CN" dirty="0" smtClean="0"/>
+              <a:rPr kumimoji="1" lang="is-IS" altLang="zh-CN" dirty="0" smtClean="0">
+                <a:latin typeface="Arial"/>
+                <a:cs typeface="Arial"/>
+              </a:rPr>
               <a:t>…</a:t>
             </a:r>
-            <a:endParaRPr kumimoji="1" lang="zh-CN" altLang="en-US" dirty="0"/>
+            <a:endParaRPr kumimoji="1" lang="zh-CN" altLang="en-US" dirty="0">
+              <a:latin typeface="Arial"/>
+              <a:cs typeface="Arial"/>
+            </a:endParaRPr>
           </a:p>
         </p:txBody>
       </p:sp>
@@ -14379,7 +14685,10 @@
           <a:lstStyle/>
           <a:p>
             <a:pPr algn="ctr"/>
-            <a:endParaRPr kumimoji="1" lang="zh-CN" altLang="en-US"/>
+            <a:endParaRPr kumimoji="1" lang="zh-CN" altLang="en-US">
+              <a:latin typeface="Arial"/>
+              <a:cs typeface="Arial"/>
+            </a:endParaRPr>
           </a:p>
         </p:txBody>
       </p:sp>
@@ -14392,7 +14701,7 @@
         <p:spPr>
           <a:xfrm>
             <a:off x="23249527" y="19498945"/>
-            <a:ext cx="2915857" cy="769441"/>
+            <a:ext cx="3227742" cy="769441"/>
           </a:xfrm>
           <a:prstGeom prst="rect">
             <a:avLst/>
@@ -14406,18 +14715,30 @@
           <a:lstStyle/>
           <a:p>
             <a:r>
-              <a:rPr kumimoji="1" lang="en-US" altLang="zh-CN" sz="4400" dirty="0" smtClean="0"/>
+              <a:rPr kumimoji="1" lang="en-US" altLang="zh-CN" sz="4400" dirty="0" smtClean="0">
+                <a:latin typeface="Arial"/>
+                <a:cs typeface="Arial"/>
+              </a:rPr>
               <a:t>1024</a:t>
             </a:r>
             <a:r>
-              <a:rPr kumimoji="1" lang="zh-CN" altLang="en-US" sz="4400" dirty="0" smtClean="0"/>
-              <a:t> </a:t>
-            </a:r>
-            <a:r>
-              <a:rPr kumimoji="1" lang="en-US" altLang="zh-CN" sz="4400" dirty="0" smtClean="0"/>
+              <a:rPr kumimoji="1" lang="zh-CN" altLang="en-US" sz="4400" dirty="0" smtClean="0">
+                <a:latin typeface="Arial"/>
+                <a:cs typeface="Arial"/>
+              </a:rPr>
+              <a:t> </a:t>
+            </a:r>
+            <a:r>
+              <a:rPr kumimoji="1" lang="en-US" altLang="zh-CN" sz="4400" dirty="0" smtClean="0">
+                <a:latin typeface="Arial"/>
+                <a:cs typeface="Arial"/>
+              </a:rPr>
               <a:t>Nodes</a:t>
             </a:r>
-            <a:endParaRPr kumimoji="1" lang="zh-CN" altLang="en-US" sz="4400" dirty="0"/>
+            <a:endParaRPr kumimoji="1" lang="zh-CN" altLang="en-US" sz="4400" dirty="0">
+              <a:latin typeface="Arial"/>
+              <a:cs typeface="Arial"/>
+            </a:endParaRPr>
           </a:p>
         </p:txBody>
       </p:sp>
@@ -14458,7 +14779,10 @@
           <a:lstStyle/>
           <a:p>
             <a:pPr algn="ctr"/>
-            <a:endParaRPr kumimoji="1" lang="zh-CN" altLang="en-US"/>
+            <a:endParaRPr kumimoji="1" lang="zh-CN" altLang="en-US">
+              <a:latin typeface="Arial"/>
+              <a:cs typeface="Arial"/>
+            </a:endParaRPr>
           </a:p>
         </p:txBody>
       </p:sp>
@@ -14499,7 +14823,10 @@
           <a:lstStyle/>
           <a:p>
             <a:pPr algn="ctr"/>
-            <a:endParaRPr kumimoji="1" lang="zh-CN" altLang="en-US"/>
+            <a:endParaRPr kumimoji="1" lang="zh-CN" altLang="en-US">
+              <a:latin typeface="Arial"/>
+              <a:cs typeface="Arial"/>
+            </a:endParaRPr>
           </a:p>
         </p:txBody>
       </p:sp>
@@ -14540,7 +14867,10 @@
           <a:lstStyle/>
           <a:p>
             <a:pPr algn="ctr"/>
-            <a:endParaRPr kumimoji="1" lang="zh-CN" altLang="en-US"/>
+            <a:endParaRPr kumimoji="1" lang="zh-CN" altLang="en-US">
+              <a:latin typeface="Arial"/>
+              <a:cs typeface="Arial"/>
+            </a:endParaRPr>
           </a:p>
         </p:txBody>
       </p:sp>
@@ -14581,7 +14911,10 @@
           <a:lstStyle/>
           <a:p>
             <a:pPr algn="ctr"/>
-            <a:endParaRPr kumimoji="1" lang="zh-CN" altLang="en-US"/>
+            <a:endParaRPr kumimoji="1" lang="zh-CN" altLang="en-US">
+              <a:latin typeface="Arial"/>
+              <a:cs typeface="Arial"/>
+            </a:endParaRPr>
           </a:p>
         </p:txBody>
       </p:sp>
@@ -14622,7 +14955,10 @@
           <a:lstStyle/>
           <a:p>
             <a:pPr algn="ctr"/>
-            <a:endParaRPr kumimoji="1" lang="zh-CN" altLang="en-US"/>
+            <a:endParaRPr kumimoji="1" lang="zh-CN" altLang="en-US">
+              <a:latin typeface="Arial"/>
+              <a:cs typeface="Arial"/>
+            </a:endParaRPr>
           </a:p>
         </p:txBody>
       </p:sp>
@@ -14663,7 +14999,10 @@
           <a:lstStyle/>
           <a:p>
             <a:pPr algn="ctr"/>
-            <a:endParaRPr kumimoji="1" lang="zh-CN" altLang="en-US"/>
+            <a:endParaRPr kumimoji="1" lang="zh-CN" altLang="en-US">
+              <a:latin typeface="Arial"/>
+              <a:cs typeface="Arial"/>
+            </a:endParaRPr>
           </a:p>
         </p:txBody>
       </p:sp>
@@ -14704,7 +15043,10 @@
           <a:lstStyle/>
           <a:p>
             <a:pPr algn="ctr"/>
-            <a:endParaRPr kumimoji="1" lang="zh-CN" altLang="en-US"/>
+            <a:endParaRPr kumimoji="1" lang="zh-CN" altLang="en-US">
+              <a:latin typeface="Arial"/>
+              <a:cs typeface="Arial"/>
+            </a:endParaRPr>
           </a:p>
         </p:txBody>
       </p:sp>
@@ -14745,7 +15087,10 @@
           <a:lstStyle/>
           <a:p>
             <a:pPr algn="ctr"/>
-            <a:endParaRPr kumimoji="1" lang="zh-CN" altLang="en-US"/>
+            <a:endParaRPr kumimoji="1" lang="zh-CN" altLang="en-US">
+              <a:latin typeface="Arial"/>
+              <a:cs typeface="Arial"/>
+            </a:endParaRPr>
           </a:p>
         </p:txBody>
       </p:sp>
@@ -14758,7 +15103,7 @@
         <p:spPr>
           <a:xfrm>
             <a:off x="24429116" y="18095088"/>
-            <a:ext cx="822160" cy="1200329"/>
+            <a:ext cx="1107996" cy="1200329"/>
           </a:xfrm>
           <a:prstGeom prst="rect">
             <a:avLst/>
@@ -14772,10 +15117,16 @@
           <a:lstStyle/>
           <a:p>
             <a:r>
-              <a:rPr kumimoji="1" lang="is-IS" altLang="zh-CN" dirty="0" smtClean="0"/>
+              <a:rPr kumimoji="1" lang="is-IS" altLang="zh-CN" dirty="0" smtClean="0">
+                <a:latin typeface="Arial"/>
+                <a:cs typeface="Arial"/>
+              </a:rPr>
               <a:t>…</a:t>
             </a:r>
-            <a:endParaRPr kumimoji="1" lang="zh-CN" altLang="en-US" dirty="0"/>
+            <a:endParaRPr kumimoji="1" lang="zh-CN" altLang="en-US" dirty="0">
+              <a:latin typeface="Arial"/>
+              <a:cs typeface="Arial"/>
+            </a:endParaRPr>
           </a:p>
         </p:txBody>
       </p:sp>
@@ -14816,7 +15167,10 @@
           <a:lstStyle/>
           <a:p>
             <a:pPr algn="ctr"/>
-            <a:endParaRPr kumimoji="1" lang="zh-CN" altLang="en-US"/>
+            <a:endParaRPr kumimoji="1" lang="zh-CN" altLang="en-US">
+              <a:latin typeface="Arial"/>
+              <a:cs typeface="Arial"/>
+            </a:endParaRPr>
           </a:p>
         </p:txBody>
       </p:sp>
@@ -14829,7 +15183,7 @@
         <p:spPr>
           <a:xfrm>
             <a:off x="23401927" y="17015895"/>
-            <a:ext cx="2915857" cy="769441"/>
+            <a:ext cx="3227742" cy="769441"/>
           </a:xfrm>
           <a:prstGeom prst="rect">
             <a:avLst/>
@@ -14843,18 +15197,30 @@
           <a:lstStyle/>
           <a:p>
             <a:r>
-              <a:rPr kumimoji="1" lang="en-US" altLang="zh-CN" sz="4400" dirty="0" smtClean="0"/>
+              <a:rPr kumimoji="1" lang="en-US" altLang="zh-CN" sz="4400" dirty="0" smtClean="0">
+                <a:latin typeface="Arial"/>
+                <a:cs typeface="Arial"/>
+              </a:rPr>
               <a:t>1024</a:t>
             </a:r>
             <a:r>
-              <a:rPr kumimoji="1" lang="zh-CN" altLang="en-US" sz="4400" dirty="0" smtClean="0"/>
-              <a:t> </a:t>
-            </a:r>
-            <a:r>
-              <a:rPr kumimoji="1" lang="en-US" altLang="zh-CN" sz="4400" dirty="0" smtClean="0"/>
+              <a:rPr kumimoji="1" lang="zh-CN" altLang="en-US" sz="4400" dirty="0" smtClean="0">
+                <a:latin typeface="Arial"/>
+                <a:cs typeface="Arial"/>
+              </a:rPr>
+              <a:t> </a:t>
+            </a:r>
+            <a:r>
+              <a:rPr kumimoji="1" lang="en-US" altLang="zh-CN" sz="4400" dirty="0" smtClean="0">
+                <a:latin typeface="Arial"/>
+                <a:cs typeface="Arial"/>
+              </a:rPr>
               <a:t>Nodes</a:t>
             </a:r>
-            <a:endParaRPr kumimoji="1" lang="zh-CN" altLang="en-US" sz="4400" dirty="0"/>
+            <a:endParaRPr kumimoji="1" lang="zh-CN" altLang="en-US" sz="4400" dirty="0">
+              <a:latin typeface="Arial"/>
+              <a:cs typeface="Arial"/>
+            </a:endParaRPr>
           </a:p>
         </p:txBody>
       </p:sp>
@@ -14895,7 +15261,10 @@
           <a:lstStyle/>
           <a:p>
             <a:pPr algn="ctr"/>
-            <a:endParaRPr kumimoji="1" lang="zh-CN" altLang="en-US"/>
+            <a:endParaRPr kumimoji="1" lang="zh-CN" altLang="en-US">
+              <a:latin typeface="Arial"/>
+              <a:cs typeface="Arial"/>
+            </a:endParaRPr>
           </a:p>
         </p:txBody>
       </p:sp>
@@ -14936,7 +15305,10 @@
           <a:lstStyle/>
           <a:p>
             <a:pPr algn="ctr"/>
-            <a:endParaRPr kumimoji="1" lang="zh-CN" altLang="en-US"/>
+            <a:endParaRPr kumimoji="1" lang="zh-CN" altLang="en-US">
+              <a:latin typeface="Arial"/>
+              <a:cs typeface="Arial"/>
+            </a:endParaRPr>
           </a:p>
         </p:txBody>
       </p:sp>
@@ -14977,7 +15349,10 @@
           <a:lstStyle/>
           <a:p>
             <a:pPr algn="ctr"/>
-            <a:endParaRPr kumimoji="1" lang="zh-CN" altLang="en-US"/>
+            <a:endParaRPr kumimoji="1" lang="zh-CN" altLang="en-US">
+              <a:latin typeface="Arial"/>
+              <a:cs typeface="Arial"/>
+            </a:endParaRPr>
           </a:p>
         </p:txBody>
       </p:sp>
@@ -15018,7 +15393,10 @@
           <a:lstStyle/>
           <a:p>
             <a:pPr algn="ctr"/>
-            <a:endParaRPr kumimoji="1" lang="zh-CN" altLang="en-US"/>
+            <a:endParaRPr kumimoji="1" lang="zh-CN" altLang="en-US">
+              <a:latin typeface="Arial"/>
+              <a:cs typeface="Arial"/>
+            </a:endParaRPr>
           </a:p>
         </p:txBody>
       </p:sp>
@@ -15059,7 +15437,10 @@
           <a:lstStyle/>
           <a:p>
             <a:pPr algn="ctr"/>
-            <a:endParaRPr kumimoji="1" lang="zh-CN" altLang="en-US"/>
+            <a:endParaRPr kumimoji="1" lang="zh-CN" altLang="en-US">
+              <a:latin typeface="Arial"/>
+              <a:cs typeface="Arial"/>
+            </a:endParaRPr>
           </a:p>
         </p:txBody>
       </p:sp>
@@ -15100,7 +15481,10 @@
           <a:lstStyle/>
           <a:p>
             <a:pPr algn="ctr"/>
-            <a:endParaRPr kumimoji="1" lang="zh-CN" altLang="en-US"/>
+            <a:endParaRPr kumimoji="1" lang="zh-CN" altLang="en-US">
+              <a:latin typeface="Arial"/>
+              <a:cs typeface="Arial"/>
+            </a:endParaRPr>
           </a:p>
         </p:txBody>
       </p:sp>
@@ -15141,7 +15525,10 @@
           <a:lstStyle/>
           <a:p>
             <a:pPr algn="ctr"/>
-            <a:endParaRPr kumimoji="1" lang="zh-CN" altLang="en-US"/>
+            <a:endParaRPr kumimoji="1" lang="zh-CN" altLang="en-US">
+              <a:latin typeface="Arial"/>
+              <a:cs typeface="Arial"/>
+            </a:endParaRPr>
           </a:p>
         </p:txBody>
       </p:sp>
@@ -15182,7 +15569,10 @@
           <a:lstStyle/>
           <a:p>
             <a:pPr algn="ctr"/>
-            <a:endParaRPr kumimoji="1" lang="zh-CN" altLang="en-US"/>
+            <a:endParaRPr kumimoji="1" lang="zh-CN" altLang="en-US">
+              <a:latin typeface="Arial"/>
+              <a:cs typeface="Arial"/>
+            </a:endParaRPr>
           </a:p>
         </p:txBody>
       </p:sp>
@@ -15195,7 +15585,7 @@
         <p:spPr>
           <a:xfrm>
             <a:off x="24276717" y="15698851"/>
-            <a:ext cx="822160" cy="1200329"/>
+            <a:ext cx="1107996" cy="1200329"/>
           </a:xfrm>
           <a:prstGeom prst="rect">
             <a:avLst/>
@@ -15209,10 +15599,16 @@
           <a:lstStyle/>
           <a:p>
             <a:r>
-              <a:rPr kumimoji="1" lang="is-IS" altLang="zh-CN" dirty="0" smtClean="0"/>
+              <a:rPr kumimoji="1" lang="is-IS" altLang="zh-CN" dirty="0" smtClean="0">
+                <a:latin typeface="Arial"/>
+                <a:cs typeface="Arial"/>
+              </a:rPr>
               <a:t>…</a:t>
             </a:r>
-            <a:endParaRPr kumimoji="1" lang="zh-CN" altLang="en-US" dirty="0"/>
+            <a:endParaRPr kumimoji="1" lang="zh-CN" altLang="en-US" dirty="0">
+              <a:latin typeface="Arial"/>
+              <a:cs typeface="Arial"/>
+            </a:endParaRPr>
           </a:p>
         </p:txBody>
       </p:sp>
@@ -15253,7 +15649,10 @@
           <a:lstStyle/>
           <a:p>
             <a:pPr algn="ctr"/>
-            <a:endParaRPr kumimoji="1" lang="zh-CN" altLang="en-US"/>
+            <a:endParaRPr kumimoji="1" lang="zh-CN" altLang="en-US">
+              <a:latin typeface="Arial"/>
+              <a:cs typeface="Arial"/>
+            </a:endParaRPr>
           </a:p>
         </p:txBody>
       </p:sp>
@@ -15266,7 +15665,7 @@
         <p:spPr>
           <a:xfrm>
             <a:off x="23249528" y="14619658"/>
-            <a:ext cx="2915857" cy="769441"/>
+            <a:ext cx="3227742" cy="769441"/>
           </a:xfrm>
           <a:prstGeom prst="rect">
             <a:avLst/>
@@ -15280,18 +15679,30 @@
           <a:lstStyle/>
           <a:p>
             <a:r>
-              <a:rPr kumimoji="1" lang="en-US" altLang="zh-CN" sz="4400" dirty="0" smtClean="0"/>
+              <a:rPr kumimoji="1" lang="en-US" altLang="zh-CN" sz="4400" dirty="0" smtClean="0">
+                <a:latin typeface="Arial"/>
+                <a:cs typeface="Arial"/>
+              </a:rPr>
               <a:t>1024</a:t>
             </a:r>
             <a:r>
-              <a:rPr kumimoji="1" lang="zh-CN" altLang="en-US" sz="4400" dirty="0" smtClean="0"/>
-              <a:t> </a:t>
-            </a:r>
-            <a:r>
-              <a:rPr kumimoji="1" lang="en-US" altLang="zh-CN" sz="4400" dirty="0" smtClean="0"/>
+              <a:rPr kumimoji="1" lang="zh-CN" altLang="en-US" sz="4400" dirty="0" smtClean="0">
+                <a:latin typeface="Arial"/>
+                <a:cs typeface="Arial"/>
+              </a:rPr>
+              <a:t> </a:t>
+            </a:r>
+            <a:r>
+              <a:rPr kumimoji="1" lang="en-US" altLang="zh-CN" sz="4400" dirty="0" smtClean="0">
+                <a:latin typeface="Arial"/>
+                <a:cs typeface="Arial"/>
+              </a:rPr>
               <a:t>Nodes</a:t>
             </a:r>
-            <a:endParaRPr kumimoji="1" lang="zh-CN" altLang="en-US" sz="4400" dirty="0"/>
+            <a:endParaRPr kumimoji="1" lang="zh-CN" altLang="en-US" sz="4400" dirty="0">
+              <a:latin typeface="Arial"/>
+              <a:cs typeface="Arial"/>
+            </a:endParaRPr>
           </a:p>
         </p:txBody>
       </p:sp>
@@ -15332,7 +15743,10 @@
           <a:lstStyle/>
           <a:p>
             <a:pPr algn="ctr"/>
-            <a:endParaRPr kumimoji="1" lang="zh-CN" altLang="en-US"/>
+            <a:endParaRPr kumimoji="1" lang="zh-CN" altLang="en-US">
+              <a:latin typeface="Arial"/>
+              <a:cs typeface="Arial"/>
+            </a:endParaRPr>
           </a:p>
         </p:txBody>
       </p:sp>
@@ -15373,7 +15787,10 @@
           <a:lstStyle/>
           <a:p>
             <a:pPr algn="ctr"/>
-            <a:endParaRPr kumimoji="1" lang="zh-CN" altLang="en-US"/>
+            <a:endParaRPr kumimoji="1" lang="zh-CN" altLang="en-US">
+              <a:latin typeface="Arial"/>
+              <a:cs typeface="Arial"/>
+            </a:endParaRPr>
           </a:p>
         </p:txBody>
       </p:sp>
@@ -15414,7 +15831,10 @@
           <a:lstStyle/>
           <a:p>
             <a:pPr algn="ctr"/>
-            <a:endParaRPr kumimoji="1" lang="zh-CN" altLang="en-US"/>
+            <a:endParaRPr kumimoji="1" lang="zh-CN" altLang="en-US">
+              <a:latin typeface="Arial"/>
+              <a:cs typeface="Arial"/>
+            </a:endParaRPr>
           </a:p>
         </p:txBody>
       </p:sp>
@@ -15455,7 +15875,10 @@
           <a:lstStyle/>
           <a:p>
             <a:pPr algn="ctr"/>
-            <a:endParaRPr kumimoji="1" lang="zh-CN" altLang="en-US"/>
+            <a:endParaRPr kumimoji="1" lang="zh-CN" altLang="en-US">
+              <a:latin typeface="Arial"/>
+              <a:cs typeface="Arial"/>
+            </a:endParaRPr>
           </a:p>
         </p:txBody>
       </p:sp>
@@ -15496,7 +15919,10 @@
           <a:lstStyle/>
           <a:p>
             <a:pPr algn="ctr"/>
-            <a:endParaRPr kumimoji="1" lang="zh-CN" altLang="en-US"/>
+            <a:endParaRPr kumimoji="1" lang="zh-CN" altLang="en-US">
+              <a:latin typeface="Arial"/>
+              <a:cs typeface="Arial"/>
+            </a:endParaRPr>
           </a:p>
         </p:txBody>
       </p:sp>
@@ -15537,7 +15963,10 @@
           <a:lstStyle/>
           <a:p>
             <a:pPr algn="ctr"/>
-            <a:endParaRPr kumimoji="1" lang="zh-CN" altLang="en-US"/>
+            <a:endParaRPr kumimoji="1" lang="zh-CN" altLang="en-US">
+              <a:latin typeface="Arial"/>
+              <a:cs typeface="Arial"/>
+            </a:endParaRPr>
           </a:p>
         </p:txBody>
       </p:sp>
@@ -15578,7 +16007,10 @@
           <a:lstStyle/>
           <a:p>
             <a:pPr algn="ctr"/>
-            <a:endParaRPr kumimoji="1" lang="zh-CN" altLang="en-US"/>
+            <a:endParaRPr kumimoji="1" lang="zh-CN" altLang="en-US">
+              <a:latin typeface="Arial"/>
+              <a:cs typeface="Arial"/>
+            </a:endParaRPr>
           </a:p>
         </p:txBody>
       </p:sp>
@@ -15619,7 +16051,10 @@
           <a:lstStyle/>
           <a:p>
             <a:pPr algn="ctr"/>
-            <a:endParaRPr kumimoji="1" lang="zh-CN" altLang="en-US"/>
+            <a:endParaRPr kumimoji="1" lang="zh-CN" altLang="en-US">
+              <a:latin typeface="Arial"/>
+              <a:cs typeface="Arial"/>
+            </a:endParaRPr>
           </a:p>
         </p:txBody>
       </p:sp>
@@ -15632,7 +16067,7 @@
         <p:spPr>
           <a:xfrm>
             <a:off x="24276716" y="13323034"/>
-            <a:ext cx="822160" cy="1200329"/>
+            <a:ext cx="1107996" cy="1200329"/>
           </a:xfrm>
           <a:prstGeom prst="rect">
             <a:avLst/>
@@ -15646,10 +16081,16 @@
           <a:lstStyle/>
           <a:p>
             <a:r>
-              <a:rPr kumimoji="1" lang="is-IS" altLang="zh-CN" dirty="0" smtClean="0"/>
+              <a:rPr kumimoji="1" lang="is-IS" altLang="zh-CN" dirty="0" smtClean="0">
+                <a:latin typeface="Arial"/>
+                <a:cs typeface="Arial"/>
+              </a:rPr>
               <a:t>…</a:t>
             </a:r>
-            <a:endParaRPr kumimoji="1" lang="zh-CN" altLang="en-US" dirty="0"/>
+            <a:endParaRPr kumimoji="1" lang="zh-CN" altLang="en-US" dirty="0">
+              <a:latin typeface="Arial"/>
+              <a:cs typeface="Arial"/>
+            </a:endParaRPr>
           </a:p>
         </p:txBody>
       </p:sp>
@@ -15690,7 +16131,10 @@
           <a:lstStyle/>
           <a:p>
             <a:pPr algn="ctr"/>
-            <a:endParaRPr kumimoji="1" lang="zh-CN" altLang="en-US"/>
+            <a:endParaRPr kumimoji="1" lang="zh-CN" altLang="en-US">
+              <a:latin typeface="Arial"/>
+              <a:cs typeface="Arial"/>
+            </a:endParaRPr>
           </a:p>
         </p:txBody>
       </p:sp>
@@ -15703,7 +16147,7 @@
         <p:spPr>
           <a:xfrm>
             <a:off x="23249527" y="12243841"/>
-            <a:ext cx="2915857" cy="769441"/>
+            <a:ext cx="3227742" cy="769441"/>
           </a:xfrm>
           <a:prstGeom prst="rect">
             <a:avLst/>
@@ -15717,18 +16161,30 @@
           <a:lstStyle/>
           <a:p>
             <a:r>
-              <a:rPr kumimoji="1" lang="en-US" altLang="zh-CN" sz="4400" dirty="0" smtClean="0"/>
+              <a:rPr kumimoji="1" lang="en-US" altLang="zh-CN" sz="4400" dirty="0" smtClean="0">
+                <a:latin typeface="Arial"/>
+                <a:cs typeface="Arial"/>
+              </a:rPr>
               <a:t>1024</a:t>
             </a:r>
             <a:r>
-              <a:rPr kumimoji="1" lang="zh-CN" altLang="en-US" sz="4400" dirty="0" smtClean="0"/>
-              <a:t> </a:t>
-            </a:r>
-            <a:r>
-              <a:rPr kumimoji="1" lang="en-US" altLang="zh-CN" sz="4400" dirty="0" smtClean="0"/>
+              <a:rPr kumimoji="1" lang="zh-CN" altLang="en-US" sz="4400" dirty="0" smtClean="0">
+                <a:latin typeface="Arial"/>
+                <a:cs typeface="Arial"/>
+              </a:rPr>
+              <a:t> </a:t>
+            </a:r>
+            <a:r>
+              <a:rPr kumimoji="1" lang="en-US" altLang="zh-CN" sz="4400" dirty="0" smtClean="0">
+                <a:latin typeface="Arial"/>
+                <a:cs typeface="Arial"/>
+              </a:rPr>
               <a:t>Nodes</a:t>
             </a:r>
-            <a:endParaRPr kumimoji="1" lang="zh-CN" altLang="en-US" sz="4400" dirty="0"/>
+            <a:endParaRPr kumimoji="1" lang="zh-CN" altLang="en-US" sz="4400" dirty="0">
+              <a:latin typeface="Arial"/>
+              <a:cs typeface="Arial"/>
+            </a:endParaRPr>
           </a:p>
         </p:txBody>
       </p:sp>
@@ -15769,7 +16225,10 @@
           <a:lstStyle/>
           <a:p>
             <a:pPr algn="ctr"/>
-            <a:endParaRPr kumimoji="1" lang="zh-CN" altLang="en-US"/>
+            <a:endParaRPr kumimoji="1" lang="zh-CN" altLang="en-US">
+              <a:latin typeface="Arial"/>
+              <a:cs typeface="Arial"/>
+            </a:endParaRPr>
           </a:p>
         </p:txBody>
       </p:sp>
@@ -15810,7 +16269,10 @@
           <a:lstStyle/>
           <a:p>
             <a:pPr algn="ctr"/>
-            <a:endParaRPr kumimoji="1" lang="zh-CN" altLang="en-US"/>
+            <a:endParaRPr kumimoji="1" lang="zh-CN" altLang="en-US">
+              <a:latin typeface="Arial"/>
+              <a:cs typeface="Arial"/>
+            </a:endParaRPr>
           </a:p>
         </p:txBody>
       </p:sp>
@@ -15851,7 +16313,10 @@
           <a:lstStyle/>
           <a:p>
             <a:pPr algn="ctr"/>
-            <a:endParaRPr kumimoji="1" lang="zh-CN" altLang="en-US"/>
+            <a:endParaRPr kumimoji="1" lang="zh-CN" altLang="en-US">
+              <a:latin typeface="Arial"/>
+              <a:cs typeface="Arial"/>
+            </a:endParaRPr>
           </a:p>
         </p:txBody>
       </p:sp>
@@ -15892,7 +16357,10 @@
           <a:lstStyle/>
           <a:p>
             <a:pPr algn="ctr"/>
-            <a:endParaRPr kumimoji="1" lang="zh-CN" altLang="en-US"/>
+            <a:endParaRPr kumimoji="1" lang="zh-CN" altLang="en-US">
+              <a:latin typeface="Arial"/>
+              <a:cs typeface="Arial"/>
+            </a:endParaRPr>
           </a:p>
         </p:txBody>
       </p:sp>
@@ -15933,7 +16401,10 @@
           <a:lstStyle/>
           <a:p>
             <a:pPr algn="ctr"/>
-            <a:endParaRPr kumimoji="1" lang="zh-CN" altLang="en-US"/>
+            <a:endParaRPr kumimoji="1" lang="zh-CN" altLang="en-US">
+              <a:latin typeface="Arial"/>
+              <a:cs typeface="Arial"/>
+            </a:endParaRPr>
           </a:p>
         </p:txBody>
       </p:sp>
@@ -15974,7 +16445,10 @@
           <a:lstStyle/>
           <a:p>
             <a:pPr algn="ctr"/>
-            <a:endParaRPr kumimoji="1" lang="zh-CN" altLang="en-US"/>
+            <a:endParaRPr kumimoji="1" lang="zh-CN" altLang="en-US">
+              <a:latin typeface="Arial"/>
+              <a:cs typeface="Arial"/>
+            </a:endParaRPr>
           </a:p>
         </p:txBody>
       </p:sp>
@@ -16015,7 +16489,10 @@
           <a:lstStyle/>
           <a:p>
             <a:pPr algn="ctr"/>
-            <a:endParaRPr kumimoji="1" lang="zh-CN" altLang="en-US"/>
+            <a:endParaRPr kumimoji="1" lang="zh-CN" altLang="en-US">
+              <a:latin typeface="Arial"/>
+              <a:cs typeface="Arial"/>
+            </a:endParaRPr>
           </a:p>
         </p:txBody>
       </p:sp>
@@ -16056,7 +16533,10 @@
           <a:lstStyle/>
           <a:p>
             <a:pPr algn="ctr"/>
-            <a:endParaRPr kumimoji="1" lang="zh-CN" altLang="en-US"/>
+            <a:endParaRPr kumimoji="1" lang="zh-CN" altLang="en-US">
+              <a:latin typeface="Arial"/>
+              <a:cs typeface="Arial"/>
+            </a:endParaRPr>
           </a:p>
         </p:txBody>
       </p:sp>
@@ -16069,7 +16549,7 @@
         <p:spPr>
           <a:xfrm>
             <a:off x="24276716" y="10903759"/>
-            <a:ext cx="822160" cy="1200329"/>
+            <a:ext cx="1107996" cy="1200329"/>
           </a:xfrm>
           <a:prstGeom prst="rect">
             <a:avLst/>
@@ -16083,10 +16563,16 @@
           <a:lstStyle/>
           <a:p>
             <a:r>
-              <a:rPr kumimoji="1" lang="is-IS" altLang="zh-CN" dirty="0" smtClean="0"/>
+              <a:rPr kumimoji="1" lang="is-IS" altLang="zh-CN" dirty="0" smtClean="0">
+                <a:latin typeface="Arial"/>
+                <a:cs typeface="Arial"/>
+              </a:rPr>
               <a:t>…</a:t>
             </a:r>
-            <a:endParaRPr kumimoji="1" lang="zh-CN" altLang="en-US" dirty="0"/>
+            <a:endParaRPr kumimoji="1" lang="zh-CN" altLang="en-US" dirty="0">
+              <a:latin typeface="Arial"/>
+              <a:cs typeface="Arial"/>
+            </a:endParaRPr>
           </a:p>
         </p:txBody>
       </p:sp>
@@ -16127,7 +16613,10 @@
           <a:lstStyle/>
           <a:p>
             <a:pPr algn="ctr"/>
-            <a:endParaRPr kumimoji="1" lang="zh-CN" altLang="en-US"/>
+            <a:endParaRPr kumimoji="1" lang="zh-CN" altLang="en-US">
+              <a:latin typeface="Arial"/>
+              <a:cs typeface="Arial"/>
+            </a:endParaRPr>
           </a:p>
         </p:txBody>
       </p:sp>
@@ -16140,7 +16629,7 @@
         <p:spPr>
           <a:xfrm>
             <a:off x="23249527" y="9824566"/>
-            <a:ext cx="2915857" cy="769441"/>
+            <a:ext cx="3227742" cy="769441"/>
           </a:xfrm>
           <a:prstGeom prst="rect">
             <a:avLst/>
@@ -16154,18 +16643,30 @@
           <a:lstStyle/>
           <a:p>
             <a:r>
-              <a:rPr kumimoji="1" lang="en-US" altLang="zh-CN" sz="4400" dirty="0" smtClean="0"/>
+              <a:rPr kumimoji="1" lang="en-US" altLang="zh-CN" sz="4400" dirty="0" smtClean="0">
+                <a:latin typeface="Arial"/>
+                <a:cs typeface="Arial"/>
+              </a:rPr>
               <a:t>1024</a:t>
             </a:r>
             <a:r>
-              <a:rPr kumimoji="1" lang="zh-CN" altLang="en-US" sz="4400" dirty="0" smtClean="0"/>
-              <a:t> </a:t>
-            </a:r>
-            <a:r>
-              <a:rPr kumimoji="1" lang="en-US" altLang="zh-CN" sz="4400" dirty="0" smtClean="0"/>
+              <a:rPr kumimoji="1" lang="zh-CN" altLang="en-US" sz="4400" dirty="0" smtClean="0">
+                <a:latin typeface="Arial"/>
+                <a:cs typeface="Arial"/>
+              </a:rPr>
+              <a:t> </a:t>
+            </a:r>
+            <a:r>
+              <a:rPr kumimoji="1" lang="en-US" altLang="zh-CN" sz="4400" dirty="0" smtClean="0">
+                <a:latin typeface="Arial"/>
+                <a:cs typeface="Arial"/>
+              </a:rPr>
               <a:t>Nodes</a:t>
             </a:r>
-            <a:endParaRPr kumimoji="1" lang="zh-CN" altLang="en-US" sz="4400" dirty="0"/>
+            <a:endParaRPr kumimoji="1" lang="zh-CN" altLang="en-US" sz="4400" dirty="0">
+              <a:latin typeface="Arial"/>
+              <a:cs typeface="Arial"/>
+            </a:endParaRPr>
           </a:p>
         </p:txBody>
       </p:sp>
@@ -16206,7 +16707,10 @@
           <a:lstStyle/>
           <a:p>
             <a:pPr algn="ctr"/>
-            <a:endParaRPr kumimoji="1" lang="zh-CN" altLang="en-US"/>
+            <a:endParaRPr kumimoji="1" lang="zh-CN" altLang="en-US">
+              <a:latin typeface="Arial"/>
+              <a:cs typeface="Arial"/>
+            </a:endParaRPr>
           </a:p>
         </p:txBody>
       </p:sp>
@@ -16247,7 +16751,10 @@
           <a:lstStyle/>
           <a:p>
             <a:pPr algn="ctr"/>
-            <a:endParaRPr kumimoji="1" lang="zh-CN" altLang="en-US"/>
+            <a:endParaRPr kumimoji="1" lang="zh-CN" altLang="en-US">
+              <a:latin typeface="Arial"/>
+              <a:cs typeface="Arial"/>
+            </a:endParaRPr>
           </a:p>
         </p:txBody>
       </p:sp>
@@ -16288,7 +16795,10 @@
           <a:lstStyle/>
           <a:p>
             <a:pPr algn="ctr"/>
-            <a:endParaRPr kumimoji="1" lang="zh-CN" altLang="en-US"/>
+            <a:endParaRPr kumimoji="1" lang="zh-CN" altLang="en-US">
+              <a:latin typeface="Arial"/>
+              <a:cs typeface="Arial"/>
+            </a:endParaRPr>
           </a:p>
         </p:txBody>
       </p:sp>
@@ -16329,7 +16839,10 @@
           <a:lstStyle/>
           <a:p>
             <a:pPr algn="ctr"/>
-            <a:endParaRPr kumimoji="1" lang="zh-CN" altLang="en-US"/>
+            <a:endParaRPr kumimoji="1" lang="zh-CN" altLang="en-US">
+              <a:latin typeface="Arial"/>
+              <a:cs typeface="Arial"/>
+            </a:endParaRPr>
           </a:p>
         </p:txBody>
       </p:sp>
@@ -16370,7 +16883,10 @@
           <a:lstStyle/>
           <a:p>
             <a:pPr algn="ctr"/>
-            <a:endParaRPr kumimoji="1" lang="zh-CN" altLang="en-US"/>
+            <a:endParaRPr kumimoji="1" lang="zh-CN" altLang="en-US">
+              <a:latin typeface="Arial"/>
+              <a:cs typeface="Arial"/>
+            </a:endParaRPr>
           </a:p>
         </p:txBody>
       </p:sp>
@@ -16411,7 +16927,10 @@
           <a:lstStyle/>
           <a:p>
             <a:pPr algn="ctr"/>
-            <a:endParaRPr kumimoji="1" lang="zh-CN" altLang="en-US"/>
+            <a:endParaRPr kumimoji="1" lang="zh-CN" altLang="en-US">
+              <a:latin typeface="Arial"/>
+              <a:cs typeface="Arial"/>
+            </a:endParaRPr>
           </a:p>
         </p:txBody>
       </p:sp>
@@ -16452,7 +16971,10 @@
           <a:lstStyle/>
           <a:p>
             <a:pPr algn="ctr"/>
-            <a:endParaRPr kumimoji="1" lang="zh-CN" altLang="en-US"/>
+            <a:endParaRPr kumimoji="1" lang="zh-CN" altLang="en-US">
+              <a:latin typeface="Arial"/>
+              <a:cs typeface="Arial"/>
+            </a:endParaRPr>
           </a:p>
         </p:txBody>
       </p:sp>
@@ -16493,7 +17015,10 @@
           <a:lstStyle/>
           <a:p>
             <a:pPr algn="ctr"/>
-            <a:endParaRPr kumimoji="1" lang="zh-CN" altLang="en-US"/>
+            <a:endParaRPr kumimoji="1" lang="zh-CN" altLang="en-US">
+              <a:latin typeface="Arial"/>
+              <a:cs typeface="Arial"/>
+            </a:endParaRPr>
           </a:p>
         </p:txBody>
       </p:sp>
@@ -16506,7 +17031,7 @@
         <p:spPr>
           <a:xfrm>
             <a:off x="24429116" y="8470681"/>
-            <a:ext cx="822160" cy="1200329"/>
+            <a:ext cx="1107996" cy="1200329"/>
           </a:xfrm>
           <a:prstGeom prst="rect">
             <a:avLst/>
@@ -16520,10 +17045,16 @@
           <a:lstStyle/>
           <a:p>
             <a:r>
-              <a:rPr kumimoji="1" lang="is-IS" altLang="zh-CN" dirty="0" smtClean="0"/>
+              <a:rPr kumimoji="1" lang="is-IS" altLang="zh-CN" dirty="0" smtClean="0">
+                <a:latin typeface="Arial"/>
+                <a:cs typeface="Arial"/>
+              </a:rPr>
               <a:t>…</a:t>
             </a:r>
-            <a:endParaRPr kumimoji="1" lang="zh-CN" altLang="en-US" dirty="0"/>
+            <a:endParaRPr kumimoji="1" lang="zh-CN" altLang="en-US" dirty="0">
+              <a:latin typeface="Arial"/>
+              <a:cs typeface="Arial"/>
+            </a:endParaRPr>
           </a:p>
         </p:txBody>
       </p:sp>
@@ -16564,7 +17095,10 @@
           <a:lstStyle/>
           <a:p>
             <a:pPr algn="ctr"/>
-            <a:endParaRPr kumimoji="1" lang="zh-CN" altLang="en-US"/>
+            <a:endParaRPr kumimoji="1" lang="zh-CN" altLang="en-US">
+              <a:latin typeface="Arial"/>
+              <a:cs typeface="Arial"/>
+            </a:endParaRPr>
           </a:p>
         </p:txBody>
       </p:sp>
@@ -16577,7 +17111,7 @@
         <p:spPr>
           <a:xfrm>
             <a:off x="23401927" y="7391488"/>
-            <a:ext cx="2915857" cy="769441"/>
+            <a:ext cx="3227742" cy="769441"/>
           </a:xfrm>
           <a:prstGeom prst="rect">
             <a:avLst/>
@@ -16591,18 +17125,30 @@
           <a:lstStyle/>
           <a:p>
             <a:r>
-              <a:rPr kumimoji="1" lang="en-US" altLang="zh-CN" sz="4400" dirty="0" smtClean="0"/>
+              <a:rPr kumimoji="1" lang="en-US" altLang="zh-CN" sz="4400" dirty="0" smtClean="0">
+                <a:latin typeface="Arial"/>
+                <a:cs typeface="Arial"/>
+              </a:rPr>
               <a:t>1024</a:t>
             </a:r>
             <a:r>
-              <a:rPr kumimoji="1" lang="zh-CN" altLang="en-US" sz="4400" dirty="0" smtClean="0"/>
-              <a:t> </a:t>
-            </a:r>
-            <a:r>
-              <a:rPr kumimoji="1" lang="en-US" altLang="zh-CN" sz="4400" dirty="0" smtClean="0"/>
+              <a:rPr kumimoji="1" lang="zh-CN" altLang="en-US" sz="4400" dirty="0" smtClean="0">
+                <a:latin typeface="Arial"/>
+                <a:cs typeface="Arial"/>
+              </a:rPr>
+              <a:t> </a:t>
+            </a:r>
+            <a:r>
+              <a:rPr kumimoji="1" lang="en-US" altLang="zh-CN" sz="4400" dirty="0" smtClean="0">
+                <a:latin typeface="Arial"/>
+                <a:cs typeface="Arial"/>
+              </a:rPr>
               <a:t>Nodes</a:t>
             </a:r>
-            <a:endParaRPr kumimoji="1" lang="zh-CN" altLang="en-US" sz="4400" dirty="0"/>
+            <a:endParaRPr kumimoji="1" lang="zh-CN" altLang="en-US" sz="4400" dirty="0">
+              <a:latin typeface="Arial"/>
+              <a:cs typeface="Arial"/>
+            </a:endParaRPr>
           </a:p>
         </p:txBody>
       </p:sp>
@@ -16616,6 +17162,13 @@
   <p:clrMapOvr>
     <a:masterClrMapping/>
   </p:clrMapOvr>
+  <p:timing>
+    <p:tnLst>
+      <p:par>
+        <p:cTn xmlns:p14="http://schemas.microsoft.com/office/powerpoint/2010/main" id="1" dur="indefinite" restart="never" nodeType="tmRoot"/>
+      </p:par>
+    </p:tnLst>
+  </p:timing>
 </p:sld>
 </file>
 
